--- a/keynote.pptx
+++ b/keynote.pptx
@@ -5,19 +5,20 @@
     <p:sldMasterId id="2147483672" r:id="rId1"/>
   </p:sldMasterIdLst>
   <p:notesMasterIdLst>
-    <p:notesMasterId r:id="rId9"/>
+    <p:notesMasterId r:id="rId10"/>
   </p:notesMasterIdLst>
   <p:handoutMasterIdLst>
-    <p:handoutMasterId r:id="rId10"/>
+    <p:handoutMasterId r:id="rId11"/>
   </p:handoutMasterIdLst>
   <p:sldIdLst>
     <p:sldId id="283" r:id="rId2"/>
     <p:sldId id="284" r:id="rId3"/>
     <p:sldId id="2076136967" r:id="rId4"/>
     <p:sldId id="2076136969" r:id="rId5"/>
-    <p:sldId id="10656" r:id="rId6"/>
-    <p:sldId id="2076136971" r:id="rId7"/>
-    <p:sldId id="2076136970" r:id="rId8"/>
+    <p:sldId id="2076136801" r:id="rId6"/>
+    <p:sldId id="2076136972" r:id="rId7"/>
+    <p:sldId id="2076136974" r:id="rId8"/>
+    <p:sldId id="2076136970" r:id="rId9"/>
   </p:sldIdLst>
   <p:sldSz cx="24382413" cy="13716000"/>
   <p:notesSz cx="6858000" cy="9144000"/>
@@ -232,7 +233,7 @@
           <a:p>
             <a:fld id="{48721200-539F-1341-850E-0E51CA3393E5}" type="datetimeFigureOut">
               <a:rPr lang="es-ES" smtClean="0"/>
-              <a:t>03/04/2022</a:t>
+              <a:t>6/6/22</a:t>
             </a:fld>
             <a:endParaRPr lang="es-ES"/>
           </a:p>
@@ -310,7 +311,7 @@
           <a:p>
             <a:fld id="{50800D35-1BEB-DD42-A2D5-314930B612F6}" type="slidenum">
               <a:rPr lang="es-ES" smtClean="0"/>
-              <a:t>‹#›</a:t>
+              <a:t>‹Nº›</a:t>
             </a:fld>
             <a:endParaRPr lang="es-ES"/>
           </a:p>
@@ -409,7 +410,7 @@
           <a:p>
             <a:fld id="{EC77AEC1-1928-414E-A654-B09E4EE0B039}" type="datetimeFigureOut">
               <a:rPr lang="es-ES" smtClean="0"/>
-              <a:t>03/04/2022</a:t>
+              <a:t>6/6/22</a:t>
             </a:fld>
             <a:endParaRPr lang="es-ES"/>
           </a:p>
@@ -567,7 +568,7 @@
           <a:p>
             <a:fld id="{0BA68F0C-750B-6440-A7B4-17C12343E522}" type="slidenum">
               <a:rPr lang="es-ES" smtClean="0"/>
-              <a:t>‹#›</a:t>
+              <a:t>‹Nº›</a:t>
             </a:fld>
             <a:endParaRPr lang="es-ES"/>
           </a:p>
@@ -676,90 +677,6 @@
 </p:notesMaster>
 </file>
 
-<file path=ppt/notesSlides/notesSlide1.xml><?xml version="1.0" encoding="utf-8"?>
-<p:notes xmlns:a="http://schemas.openxmlformats.org/drawingml/2006/main" xmlns:r="http://schemas.openxmlformats.org/officeDocument/2006/relationships" xmlns:p="http://schemas.openxmlformats.org/presentationml/2006/main">
-  <p:cSld>
-    <p:spTree>
-      <p:nvGrpSpPr>
-        <p:cNvPr id="1" name=""/>
-        <p:cNvGrpSpPr/>
-        <p:nvPr/>
-      </p:nvGrpSpPr>
-      <p:grpSpPr>
-        <a:xfrm>
-          <a:off x="0" y="0"/>
-          <a:ext cx="0" cy="0"/>
-          <a:chOff x="0" y="0"/>
-          <a:chExt cx="0" cy="0"/>
-        </a:xfrm>
-      </p:grpSpPr>
-      <p:sp>
-        <p:nvSpPr>
-          <p:cNvPr id="2" name="Marcador de imagen de diapositiva 1"/>
-          <p:cNvSpPr>
-            <a:spLocks noGrp="1" noRot="1" noChangeAspect="1"/>
-          </p:cNvSpPr>
-          <p:nvPr>
-            <p:ph type="sldImg"/>
-          </p:nvPr>
-        </p:nvSpPr>
-        <p:spPr/>
-      </p:sp>
-      <p:sp>
-        <p:nvSpPr>
-          <p:cNvPr id="3" name="Marcador de notas 2"/>
-          <p:cNvSpPr>
-            <a:spLocks noGrp="1"/>
-          </p:cNvSpPr>
-          <p:nvPr>
-            <p:ph type="body" idx="1"/>
-          </p:nvPr>
-        </p:nvSpPr>
-        <p:spPr/>
-        <p:txBody>
-          <a:bodyPr/>
-          <a:lstStyle/>
-          <a:p>
-            <a:endParaRPr lang="es-ES" dirty="0"/>
-          </a:p>
-        </p:txBody>
-      </p:sp>
-      <p:sp>
-        <p:nvSpPr>
-          <p:cNvPr id="4" name="Marcador de número de diapositiva 3"/>
-          <p:cNvSpPr>
-            <a:spLocks noGrp="1"/>
-          </p:cNvSpPr>
-          <p:nvPr>
-            <p:ph type="sldNum" sz="quarter" idx="5"/>
-          </p:nvPr>
-        </p:nvSpPr>
-        <p:spPr/>
-        <p:txBody>
-          <a:bodyPr/>
-          <a:lstStyle/>
-          <a:p>
-            <a:fld id="{0BA68F0C-750B-6440-A7B4-17C12343E522}" type="slidenum">
-              <a:rPr lang="es-ES" smtClean="0"/>
-              <a:t>5</a:t>
-            </a:fld>
-            <a:endParaRPr lang="es-ES"/>
-          </a:p>
-        </p:txBody>
-      </p:sp>
-    </p:spTree>
-    <p:extLst>
-      <p:ext uri="{BB962C8B-B14F-4D97-AF65-F5344CB8AC3E}">
-        <p14:creationId xmlns:p14="http://schemas.microsoft.com/office/powerpoint/2010/main" val="692305981"/>
-      </p:ext>
-    </p:extLst>
-  </p:cSld>
-  <p:clrMapOvr>
-    <a:masterClrMapping/>
-  </p:clrMapOvr>
-</p:notes>
-</file>
-
 <file path=ppt/slideLayouts/slideLayout1.xml><?xml version="1.0" encoding="utf-8"?>
 <p:sldLayout xmlns:a="http://schemas.openxmlformats.org/drawingml/2006/main" xmlns:r="http://schemas.openxmlformats.org/officeDocument/2006/relationships" xmlns:p="http://schemas.openxmlformats.org/presentationml/2006/main" preserve="1" userDrawn="1">
   <p:cSld name="Start">
@@ -1477,8 +1394,8 @@
         </p:nvSpPr>
         <p:spPr>
           <a:xfrm>
-            <a:off x="12192000" y="2794405"/>
-            <a:ext cx="12190412" cy="1246495"/>
+            <a:off x="10375557" y="5461688"/>
+            <a:ext cx="12190412" cy="3175686"/>
           </a:xfrm>
           <a:prstGeom prst="rect">
             <a:avLst/>
@@ -1493,46 +1410,176 @@
           <a:p>
             <a:pPr algn="ctr">
               <a:lnSpc>
-                <a:spcPts val="4500"/>
+                <a:spcPct val="100000"/>
               </a:lnSpc>
             </a:pPr>
             <a:r>
-              <a:rPr lang="es-ES">
-                <a:solidFill>
-                  <a:srgbClr val="17202D"/>
-                </a:solidFill>
-                <a:latin typeface="Calibri" panose="020F0502020204030204" pitchFamily="34" charset="0"/>
-                <a:cs typeface="Calibri" panose="020F0502020204030204" pitchFamily="34" charset="0"/>
-              </a:rPr>
-              <a:t>Gracias a nuestros Sponsors.</a:t>
-            </a:r>
-          </a:p>
-          <a:p>
-            <a:pPr algn="ctr">
-              <a:lnSpc>
-                <a:spcPts val="4500"/>
-              </a:lnSpc>
-            </a:pPr>
-            <a:r>
-              <a:rPr lang="es-ES">
-                <a:solidFill>
-                  <a:srgbClr val="17202D"/>
-                </a:solidFill>
-                <a:latin typeface="Calibri" panose="020F0502020204030204" pitchFamily="34" charset="0"/>
-                <a:cs typeface="Calibri" panose="020F0502020204030204" pitchFamily="34" charset="0"/>
-              </a:rPr>
-              <a:t>Sin ellos el evento no sería posible</a:t>
-            </a:r>
-            <a:r>
-              <a:rPr lang="es-ES" sz="3200">
-                <a:solidFill>
-                  <a:srgbClr val="17202D"/>
-                </a:solidFill>
-                <a:latin typeface="Calibri" panose="020F0502020204030204" pitchFamily="34" charset="0"/>
-                <a:cs typeface="Calibri" panose="020F0502020204030204" pitchFamily="34" charset="0"/>
-              </a:rPr>
-              <a:t>.</a:t>
-            </a:r>
+              <a:rPr lang="es-ES" sz="9600" b="0" i="0" dirty="0" err="1">
+                <a:solidFill>
+                  <a:srgbClr val="000000"/>
+                </a:solidFill>
+                <a:effectLst/>
+                <a:latin typeface="Roboto" panose="02000000000000000000" pitchFamily="2" charset="0"/>
+              </a:rPr>
+              <a:t>Thanks</a:t>
+            </a:r>
+            <a:r>
+              <a:rPr lang="es-ES" sz="9600" b="0" i="0" dirty="0">
+                <a:solidFill>
+                  <a:srgbClr val="000000"/>
+                </a:solidFill>
+                <a:effectLst/>
+                <a:latin typeface="Roboto" panose="02000000000000000000" pitchFamily="2" charset="0"/>
+              </a:rPr>
+              <a:t> </a:t>
+            </a:r>
+            <a:r>
+              <a:rPr lang="es-ES" sz="9600" b="0" i="0" dirty="0" err="1">
+                <a:solidFill>
+                  <a:srgbClr val="000000"/>
+                </a:solidFill>
+                <a:effectLst/>
+                <a:latin typeface="Roboto" panose="02000000000000000000" pitchFamily="2" charset="0"/>
+              </a:rPr>
+              <a:t>for</a:t>
+            </a:r>
+            <a:r>
+              <a:rPr lang="es-ES" sz="9600" b="0" i="0" dirty="0">
+                <a:solidFill>
+                  <a:srgbClr val="000000"/>
+                </a:solidFill>
+                <a:effectLst/>
+                <a:latin typeface="Roboto" panose="02000000000000000000" pitchFamily="2" charset="0"/>
+              </a:rPr>
+              <a:t> </a:t>
+            </a:r>
+            <a:r>
+              <a:rPr lang="es-ES" sz="9600" b="0" i="0" dirty="0" err="1">
+                <a:solidFill>
+                  <a:srgbClr val="000000"/>
+                </a:solidFill>
+                <a:effectLst/>
+                <a:latin typeface="Roboto" panose="02000000000000000000" pitchFamily="2" charset="0"/>
+              </a:rPr>
+              <a:t>join</a:t>
+            </a:r>
+            <a:r>
+              <a:rPr lang="es-ES" sz="9600" b="0" i="0" dirty="0">
+                <a:solidFill>
+                  <a:srgbClr val="000000"/>
+                </a:solidFill>
+                <a:effectLst/>
+                <a:latin typeface="Roboto" panose="02000000000000000000" pitchFamily="2" charset="0"/>
+              </a:rPr>
+              <a:t> </a:t>
+            </a:r>
+            <a:r>
+              <a:rPr lang="es-ES" sz="9600" b="0" i="0" dirty="0" err="1">
+                <a:solidFill>
+                  <a:srgbClr val="000000"/>
+                </a:solidFill>
+                <a:effectLst/>
+                <a:latin typeface="Roboto" panose="02000000000000000000" pitchFamily="2" charset="0"/>
+              </a:rPr>
+              <a:t>the</a:t>
+            </a:r>
+            <a:r>
+              <a:rPr lang="es-ES" sz="9600" b="0" i="0" dirty="0">
+                <a:solidFill>
+                  <a:srgbClr val="000000"/>
+                </a:solidFill>
+                <a:effectLst/>
+                <a:latin typeface="Roboto" panose="02000000000000000000" pitchFamily="2" charset="0"/>
+              </a:rPr>
+              <a:t> </a:t>
+            </a:r>
+            <a:r>
+              <a:rPr lang="es-ES" sz="9600" b="0" i="0" dirty="0" err="1">
+                <a:solidFill>
+                  <a:srgbClr val="000000"/>
+                </a:solidFill>
+                <a:effectLst/>
+                <a:latin typeface="Roboto" panose="02000000000000000000" pitchFamily="2" charset="0"/>
+              </a:rPr>
+              <a:t>event</a:t>
+            </a:r>
+            <a:r>
+              <a:rPr lang="es-ES" sz="9600" b="0" i="0" dirty="0">
+                <a:solidFill>
+                  <a:srgbClr val="000000"/>
+                </a:solidFill>
+                <a:effectLst/>
+                <a:latin typeface="Roboto" panose="02000000000000000000" pitchFamily="2" charset="0"/>
+              </a:rPr>
+              <a:t>, </a:t>
+            </a:r>
+            <a:r>
+              <a:rPr lang="es-ES" sz="9600" b="0" i="0" dirty="0" err="1">
+                <a:solidFill>
+                  <a:srgbClr val="000000"/>
+                </a:solidFill>
+                <a:effectLst/>
+                <a:latin typeface="Roboto" panose="02000000000000000000" pitchFamily="2" charset="0"/>
+              </a:rPr>
+              <a:t>see</a:t>
+            </a:r>
+            <a:r>
+              <a:rPr lang="es-ES" sz="9600" b="0" i="0" dirty="0">
+                <a:solidFill>
+                  <a:srgbClr val="000000"/>
+                </a:solidFill>
+                <a:effectLst/>
+                <a:latin typeface="Roboto" panose="02000000000000000000" pitchFamily="2" charset="0"/>
+              </a:rPr>
+              <a:t> </a:t>
+            </a:r>
+            <a:r>
+              <a:rPr lang="es-ES" sz="9600" b="0" i="0" dirty="0" err="1">
+                <a:solidFill>
+                  <a:srgbClr val="000000"/>
+                </a:solidFill>
+                <a:effectLst/>
+                <a:latin typeface="Roboto" panose="02000000000000000000" pitchFamily="2" charset="0"/>
+              </a:rPr>
+              <a:t>you</a:t>
+            </a:r>
+            <a:r>
+              <a:rPr lang="es-ES" sz="9600" b="0" i="0" dirty="0">
+                <a:solidFill>
+                  <a:srgbClr val="000000"/>
+                </a:solidFill>
+                <a:effectLst/>
+                <a:latin typeface="Roboto" panose="02000000000000000000" pitchFamily="2" charset="0"/>
+              </a:rPr>
+              <a:t> </a:t>
+            </a:r>
+            <a:r>
+              <a:rPr lang="es-ES" sz="9600" b="0" i="0" dirty="0" err="1">
+                <a:solidFill>
+                  <a:srgbClr val="000000"/>
+                </a:solidFill>
+                <a:effectLst/>
+                <a:latin typeface="Roboto" panose="02000000000000000000" pitchFamily="2" charset="0"/>
+              </a:rPr>
+              <a:t>soon</a:t>
+            </a:r>
+            <a:r>
+              <a:rPr lang="es-ES" sz="9600" b="0" i="0" dirty="0">
+                <a:solidFill>
+                  <a:srgbClr val="000000"/>
+                </a:solidFill>
+                <a:effectLst/>
+                <a:latin typeface="Roboto" panose="02000000000000000000" pitchFamily="2" charset="0"/>
+              </a:rPr>
+              <a:t>!</a:t>
+            </a:r>
+            <a:endParaRPr lang="es-ES" sz="19900" dirty="0">
+              <a:solidFill>
+                <a:srgbClr val="17202D"/>
+              </a:solidFill>
+              <a:latin typeface="Calibri" panose="020F0502020204030204" pitchFamily="34" charset="0"/>
+              <a:cs typeface="Calibri" panose="020F0502020204030204" pitchFamily="34" charset="0"/>
+            </a:endParaRPr>
           </a:p>
         </p:txBody>
       </p:sp>
@@ -1670,14 +1717,24 @@
               </a:lnSpc>
             </a:pPr>
             <a:r>
-              <a:rPr lang="es-ES" sz="11000" b="1" dirty="0">
+              <a:rPr lang="es-ES" sz="11000" b="1" dirty="0" err="1">
                 <a:solidFill>
                   <a:schemeClr val="bg1"/>
                 </a:solidFill>
                 <a:latin typeface="Calibri" panose="020F0502020204030204" pitchFamily="34" charset="0"/>
                 <a:cs typeface="Calibri" panose="020F0502020204030204" pitchFamily="34" charset="0"/>
               </a:rPr>
-              <a:t>Gracias!</a:t>
+              <a:t>Thanks</a:t>
+            </a:r>
+            <a:r>
+              <a:rPr lang="es-ES" sz="11000" b="1" dirty="0">
+                <a:solidFill>
+                  <a:schemeClr val="bg1"/>
+                </a:solidFill>
+                <a:latin typeface="Calibri" panose="020F0502020204030204" pitchFamily="34" charset="0"/>
+                <a:cs typeface="Calibri" panose="020F0502020204030204" pitchFamily="34" charset="0"/>
+              </a:rPr>
+              <a:t>!</a:t>
             </a:r>
           </a:p>
         </p:txBody>
@@ -3627,7 +3684,7 @@
           <a:p>
             <a:fld id="{608335E2-14BF-F246-8200-622169DBE8EA}" type="datetimeFigureOut">
               <a:rPr lang="es-ES" smtClean="0"/>
-              <a:t>03/04/2022</a:t>
+              <a:t>6/6/22</a:t>
             </a:fld>
             <a:endParaRPr lang="es-ES"/>
           </a:p>
@@ -3705,7 +3762,7 @@
           <a:p>
             <a:fld id="{D6D5E3BC-0B6F-0641-B503-95411F2D8869}" type="slidenum">
               <a:rPr lang="es-ES" smtClean="0"/>
-              <a:t>‹#›</a:t>
+              <a:t>‹Nº›</a:t>
             </a:fld>
             <a:endParaRPr lang="es-ES"/>
           </a:p>
@@ -4058,10 +4115,13 @@
           <a:lstStyle/>
           <a:p>
             <a:r>
-              <a:rPr lang="es-ES" dirty="0" err="1"/>
-              <a:t>Title</a:t>
-            </a:r>
-            <a:endParaRPr lang="es-ES" dirty="0"/>
+              <a:rPr lang="es-ES" sz="20800" dirty="0" err="1"/>
+              <a:t>Welcome</a:t>
+            </a:r>
+            <a:r>
+              <a:rPr lang="es-ES" sz="20800" dirty="0"/>
+              <a:t>!</a:t>
+            </a:r>
           </a:p>
         </p:txBody>
       </p:sp>
@@ -4095,6 +4155,147 @@
           <a:chExt cx="0" cy="0"/>
         </a:xfrm>
       </p:grpSpPr>
+      <p:pic>
+        <p:nvPicPr>
+          <p:cNvPr id="1026" name="Picture 2" descr="Evolución de comunidades .NET en Sevilla, nace SevillaDotNet | Javier  Suárez | Blog">
+            <a:extLst>
+              <a:ext uri="{FF2B5EF4-FFF2-40B4-BE49-F238E27FC236}">
+                <a16:creationId xmlns:a16="http://schemas.microsoft.com/office/drawing/2014/main" id="{48D7486B-62D4-A27D-78A8-F5BA76649E3E}"/>
+              </a:ext>
+            </a:extLst>
+          </p:cNvPr>
+          <p:cNvPicPr>
+            <a:picLocks noChangeAspect="1" noChangeArrowheads="1"/>
+          </p:cNvPicPr>
+          <p:nvPr/>
+        </p:nvPicPr>
+        <p:blipFill>
+          <a:blip r:embed="rId2">
+            <a:extLst>
+              <a:ext uri="{28A0092B-C50C-407E-A947-70E740481C1C}">
+                <a14:useLocalDpi xmlns:a14="http://schemas.microsoft.com/office/drawing/2010/main" val="0"/>
+              </a:ext>
+            </a:extLst>
+          </a:blip>
+          <a:srcRect/>
+          <a:stretch>
+            <a:fillRect/>
+          </a:stretch>
+        </p:blipFill>
+        <p:spPr bwMode="auto">
+          <a:xfrm>
+            <a:off x="6015038" y="10162230"/>
+            <a:ext cx="3560762" cy="3553770"/>
+          </a:xfrm>
+          <a:prstGeom prst="rect">
+            <a:avLst/>
+          </a:prstGeom>
+          <a:noFill/>
+          <a:extLst>
+            <a:ext uri="{909E8E84-426E-40DD-AFC4-6F175D3DCCD1}">
+              <a14:hiddenFill xmlns:a14="http://schemas.microsoft.com/office/drawing/2010/main">
+                <a:solidFill>
+                  <a:srgbClr val="FFFFFF"/>
+                </a:solidFill>
+              </a14:hiddenFill>
+            </a:ext>
+          </a:extLst>
+        </p:spPr>
+      </p:pic>
+      <p:pic>
+        <p:nvPicPr>
+          <p:cNvPr id="1028" name="Picture 4" descr="Avanade - Aqiveo">
+            <a:extLst>
+              <a:ext uri="{FF2B5EF4-FFF2-40B4-BE49-F238E27FC236}">
+                <a16:creationId xmlns:a16="http://schemas.microsoft.com/office/drawing/2014/main" id="{625ED4D6-D686-DE20-859E-3B6C4584E1CA}"/>
+              </a:ext>
+            </a:extLst>
+          </p:cNvPr>
+          <p:cNvPicPr>
+            <a:picLocks noChangeAspect="1" noChangeArrowheads="1"/>
+          </p:cNvPicPr>
+          <p:nvPr/>
+        </p:nvPicPr>
+        <p:blipFill>
+          <a:blip r:embed="rId3">
+            <a:extLst>
+              <a:ext uri="{28A0092B-C50C-407E-A947-70E740481C1C}">
+                <a14:useLocalDpi xmlns:a14="http://schemas.microsoft.com/office/drawing/2010/main" val="0"/>
+              </a:ext>
+            </a:extLst>
+          </a:blip>
+          <a:srcRect/>
+          <a:stretch>
+            <a:fillRect/>
+          </a:stretch>
+        </p:blipFill>
+        <p:spPr bwMode="auto">
+          <a:xfrm>
+            <a:off x="9575800" y="11264900"/>
+            <a:ext cx="5380074" cy="1565275"/>
+          </a:xfrm>
+          <a:prstGeom prst="rect">
+            <a:avLst/>
+          </a:prstGeom>
+          <a:noFill/>
+          <a:extLst>
+            <a:ext uri="{909E8E84-426E-40DD-AFC4-6F175D3DCCD1}">
+              <a14:hiddenFill xmlns:a14="http://schemas.microsoft.com/office/drawing/2010/main">
+                <a:solidFill>
+                  <a:srgbClr val="FFFFFF"/>
+                </a:solidFill>
+              </a14:hiddenFill>
+            </a:ext>
+          </a:extLst>
+        </p:spPr>
+      </p:pic>
+      <p:pic>
+        <p:nvPicPr>
+          <p:cNvPr id="1030" name="Picture 6" descr="Plain Concepts | Rediscover the meaning of technology">
+            <a:extLst>
+              <a:ext uri="{FF2B5EF4-FFF2-40B4-BE49-F238E27FC236}">
+                <a16:creationId xmlns:a16="http://schemas.microsoft.com/office/drawing/2014/main" id="{00674F31-6556-6561-1DC3-3973BBB79F23}"/>
+              </a:ext>
+            </a:extLst>
+          </p:cNvPr>
+          <p:cNvPicPr>
+            <a:picLocks noChangeAspect="1" noChangeArrowheads="1"/>
+          </p:cNvPicPr>
+          <p:nvPr/>
+        </p:nvPicPr>
+        <p:blipFill>
+          <a:blip r:embed="rId4">
+            <a:extLst>
+              <a:ext uri="{28A0092B-C50C-407E-A947-70E740481C1C}">
+                <a14:useLocalDpi xmlns:a14="http://schemas.microsoft.com/office/drawing/2010/main" val="0"/>
+              </a:ext>
+            </a:extLst>
+          </a:blip>
+          <a:srcRect/>
+          <a:stretch>
+            <a:fillRect/>
+          </a:stretch>
+        </p:blipFill>
+        <p:spPr bwMode="auto">
+          <a:xfrm>
+            <a:off x="14806614" y="11258032"/>
+            <a:ext cx="3713162" cy="1362165"/>
+          </a:xfrm>
+          <a:prstGeom prst="rect">
+            <a:avLst/>
+          </a:prstGeom>
+          <a:noFill/>
+          <a:extLst>
+            <a:ext uri="{909E8E84-426E-40DD-AFC4-6F175D3DCCD1}">
+              <a14:hiddenFill xmlns:a14="http://schemas.microsoft.com/office/drawing/2010/main">
+                <a:solidFill>
+                  <a:srgbClr val="FFFFFF"/>
+                </a:solidFill>
+              </a14:hiddenFill>
+            </a:ext>
+          </a:extLst>
+        </p:spPr>
+      </p:pic>
     </p:spTree>
     <p:extLst>
       <p:ext uri="{BB962C8B-B14F-4D97-AF65-F5344CB8AC3E}">
@@ -4160,11 +4361,18 @@
           <a:lstStyle/>
           <a:p>
             <a:r>
+              <a:rPr lang="en-US" sz="14115" dirty="0" err="1">
+                <a:latin typeface="Segoe UI Semibold"/>
+                <a:cs typeface="Segoe UI Semibold"/>
+              </a:rPr>
+              <a:t>MauiFest</a:t>
+            </a:r>
+            <a:r>
               <a:rPr lang="en-US" sz="14115" dirty="0">
                 <a:latin typeface="Segoe UI Semibold"/>
                 <a:cs typeface="Segoe UI Semibold"/>
               </a:rPr>
-              <a:t>Title</a:t>
+              <a:t> 2022</a:t>
             </a:r>
             <a:endParaRPr lang="en-US" sz="14013" dirty="0">
               <a:cs typeface="Segoe UI"/>
@@ -4207,35 +4415,6 @@
       </p:grpSpPr>
       <p:sp>
         <p:nvSpPr>
-          <p:cNvPr id="2" name="Título 1">
-            <a:extLst>
-              <a:ext uri="{FF2B5EF4-FFF2-40B4-BE49-F238E27FC236}">
-                <a16:creationId xmlns:a16="http://schemas.microsoft.com/office/drawing/2014/main" id="{3A9EF0A0-0A38-844B-BDF5-A46306259152}"/>
-              </a:ext>
-            </a:extLst>
-          </p:cNvPr>
-          <p:cNvSpPr>
-            <a:spLocks noGrp="1"/>
-          </p:cNvSpPr>
-          <p:nvPr>
-            <p:ph type="title"/>
-          </p:nvPr>
-        </p:nvSpPr>
-        <p:spPr/>
-        <p:txBody>
-          <a:bodyPr/>
-          <a:lstStyle/>
-          <a:p>
-            <a:r>
-              <a:rPr lang="es-ES" dirty="0" err="1"/>
-              <a:t>Title</a:t>
-            </a:r>
-            <a:endParaRPr lang="es-ES" dirty="0"/>
-          </a:p>
-        </p:txBody>
-      </p:sp>
-      <p:sp>
-        <p:nvSpPr>
           <p:cNvPr id="3" name="CuadroTexto 2">
             <a:extLst>
               <a:ext uri="{FF2B5EF4-FFF2-40B4-BE49-F238E27FC236}">
@@ -4248,8 +4427,8 @@
         </p:nvSpPr>
         <p:spPr>
           <a:xfrm>
-            <a:off x="1176450" y="2874089"/>
-            <a:ext cx="21732977" cy="1270476"/>
+            <a:off x="1690800" y="9674939"/>
+            <a:ext cx="21732977" cy="2289858"/>
           </a:xfrm>
           <a:prstGeom prst="rect">
             <a:avLst/>
@@ -4268,20 +4447,582 @@
               </a:lnSpc>
             </a:pPr>
             <a:r>
-              <a:rPr lang="es-ES" sz="4800" dirty="0">
-                <a:gradFill>
-                  <a:gsLst>
-                    <a:gs pos="2917">
-                      <a:schemeClr val="tx1"/>
-                    </a:gs>
-                    <a:gs pos="30000">
-                      <a:schemeClr val="tx1"/>
-                    </a:gs>
-                  </a:gsLst>
-                  <a:lin ang="5400000" scaled="0"/>
-                </a:gradFill>
-              </a:rPr>
-              <a:t>Content</a:t>
+              <a:rPr lang="es-ES" sz="4000" b="1" i="0" dirty="0" err="1">
+                <a:solidFill>
+                  <a:srgbClr val="24292F"/>
+                </a:solidFill>
+                <a:effectLst/>
+                <a:latin typeface="-apple-system"/>
+              </a:rPr>
+              <a:t>MauiFest</a:t>
+            </a:r>
+            <a:r>
+              <a:rPr lang="es-ES" sz="4000" b="0" i="0" dirty="0">
+                <a:solidFill>
+                  <a:srgbClr val="24292F"/>
+                </a:solidFill>
+                <a:effectLst/>
+                <a:latin typeface="-apple-system"/>
+              </a:rPr>
+              <a:t> 2022 </a:t>
+            </a:r>
+            <a:r>
+              <a:rPr lang="es-ES" sz="4000" b="0" i="0" dirty="0" err="1">
+                <a:solidFill>
+                  <a:srgbClr val="24292F"/>
+                </a:solidFill>
+                <a:effectLst/>
+                <a:latin typeface="-apple-system"/>
+              </a:rPr>
+              <a:t>is</a:t>
+            </a:r>
+            <a:r>
+              <a:rPr lang="es-ES" sz="4000" b="0" i="0" dirty="0">
+                <a:solidFill>
+                  <a:srgbClr val="24292F"/>
+                </a:solidFill>
+                <a:effectLst/>
+                <a:latin typeface="-apple-system"/>
+              </a:rPr>
+              <a:t> a free online </a:t>
+            </a:r>
+            <a:r>
+              <a:rPr lang="es-ES" sz="4000" b="0" i="0" dirty="0" err="1">
+                <a:solidFill>
+                  <a:srgbClr val="24292F"/>
+                </a:solidFill>
+                <a:effectLst/>
+                <a:latin typeface="-apple-system"/>
+              </a:rPr>
+              <a:t>community</a:t>
+            </a:r>
+            <a:r>
+              <a:rPr lang="es-ES" sz="4000" b="0" i="0" dirty="0">
+                <a:solidFill>
+                  <a:srgbClr val="24292F"/>
+                </a:solidFill>
+                <a:effectLst/>
+                <a:latin typeface="-apple-system"/>
+              </a:rPr>
+              <a:t> </a:t>
+            </a:r>
+            <a:r>
+              <a:rPr lang="es-ES" sz="4000" b="0" i="0" dirty="0" err="1">
+                <a:solidFill>
+                  <a:srgbClr val="24292F"/>
+                </a:solidFill>
+                <a:effectLst/>
+                <a:latin typeface="-apple-system"/>
+              </a:rPr>
+              <a:t>event</a:t>
+            </a:r>
+            <a:r>
+              <a:rPr lang="es-ES" sz="4000" b="0" i="0" dirty="0">
+                <a:solidFill>
+                  <a:srgbClr val="24292F"/>
+                </a:solidFill>
+                <a:effectLst/>
+                <a:latin typeface="-apple-system"/>
+              </a:rPr>
+              <a:t> </a:t>
+            </a:r>
+            <a:r>
+              <a:rPr lang="es-ES" sz="4000" b="0" i="0" dirty="0" err="1">
+                <a:solidFill>
+                  <a:srgbClr val="24292F"/>
+                </a:solidFill>
+                <a:effectLst/>
+                <a:latin typeface="-apple-system"/>
+              </a:rPr>
+              <a:t>to</a:t>
+            </a:r>
+            <a:r>
+              <a:rPr lang="es-ES" sz="4000" b="0" i="0" dirty="0">
+                <a:solidFill>
+                  <a:srgbClr val="24292F"/>
+                </a:solidFill>
+                <a:effectLst/>
+                <a:latin typeface="-apple-system"/>
+              </a:rPr>
+              <a:t> </a:t>
+            </a:r>
+            <a:r>
+              <a:rPr lang="es-ES" sz="4000" b="0" i="0" dirty="0" err="1">
+                <a:solidFill>
+                  <a:srgbClr val="24292F"/>
+                </a:solidFill>
+                <a:effectLst/>
+                <a:latin typeface="-apple-system"/>
+              </a:rPr>
+              <a:t>celebrate</a:t>
+            </a:r>
+            <a:r>
+              <a:rPr lang="es-ES" sz="4000" b="0" i="0" dirty="0">
+                <a:solidFill>
+                  <a:srgbClr val="24292F"/>
+                </a:solidFill>
+                <a:effectLst/>
+                <a:latin typeface="-apple-system"/>
+              </a:rPr>
+              <a:t> </a:t>
+            </a:r>
+            <a:r>
+              <a:rPr lang="es-ES" sz="4000" b="0" i="0" dirty="0" err="1">
+                <a:solidFill>
+                  <a:srgbClr val="24292F"/>
+                </a:solidFill>
+                <a:effectLst/>
+                <a:latin typeface="-apple-system"/>
+              </a:rPr>
+              <a:t>the</a:t>
+            </a:r>
+            <a:r>
+              <a:rPr lang="es-ES" sz="4000" b="0" i="0" dirty="0">
+                <a:solidFill>
+                  <a:srgbClr val="24292F"/>
+                </a:solidFill>
+                <a:effectLst/>
+                <a:latin typeface="-apple-system"/>
+              </a:rPr>
+              <a:t> </a:t>
+            </a:r>
+            <a:r>
+              <a:rPr lang="es-ES" sz="4000" b="1" i="0" dirty="0" err="1">
+                <a:solidFill>
+                  <a:srgbClr val="24292F"/>
+                </a:solidFill>
+                <a:effectLst/>
+                <a:latin typeface="-apple-system"/>
+              </a:rPr>
+              <a:t>launch</a:t>
+            </a:r>
+            <a:r>
+              <a:rPr lang="es-ES" sz="4000" b="1" i="0" dirty="0">
+                <a:solidFill>
+                  <a:srgbClr val="24292F"/>
+                </a:solidFill>
+                <a:effectLst/>
+                <a:latin typeface="-apple-system"/>
+              </a:rPr>
+              <a:t> </a:t>
+            </a:r>
+            <a:r>
+              <a:rPr lang="es-ES" sz="4000" b="1" i="0" dirty="0" err="1">
+                <a:solidFill>
+                  <a:srgbClr val="24292F"/>
+                </a:solidFill>
+                <a:effectLst/>
+                <a:latin typeface="-apple-system"/>
+              </a:rPr>
+              <a:t>of</a:t>
+            </a:r>
+            <a:r>
+              <a:rPr lang="es-ES" sz="4000" b="1" i="0" dirty="0">
+                <a:solidFill>
+                  <a:srgbClr val="24292F"/>
+                </a:solidFill>
+                <a:effectLst/>
+                <a:latin typeface="-apple-system"/>
+              </a:rPr>
+              <a:t> .NET MAUI</a:t>
+            </a:r>
+            <a:r>
+              <a:rPr lang="es-ES" sz="4000" b="0" i="0" dirty="0">
+                <a:solidFill>
+                  <a:srgbClr val="24292F"/>
+                </a:solidFill>
+                <a:effectLst/>
+                <a:latin typeface="-apple-system"/>
+              </a:rPr>
+              <a:t>. </a:t>
+            </a:r>
+            <a:r>
+              <a:rPr lang="es-ES" sz="4000" b="0" i="0" dirty="0" err="1">
+                <a:solidFill>
+                  <a:srgbClr val="24292F"/>
+                </a:solidFill>
+                <a:effectLst/>
+                <a:latin typeface="-apple-system"/>
+              </a:rPr>
+              <a:t>Is</a:t>
+            </a:r>
+            <a:r>
+              <a:rPr lang="es-ES" sz="4000" b="0" i="0" dirty="0">
+                <a:solidFill>
+                  <a:srgbClr val="24292F"/>
+                </a:solidFill>
+                <a:effectLst/>
+                <a:latin typeface="-apple-system"/>
+              </a:rPr>
+              <a:t> </a:t>
+            </a:r>
+            <a:r>
+              <a:rPr lang="es-ES" sz="4000" b="0" i="0" dirty="0" err="1">
+                <a:solidFill>
+                  <a:srgbClr val="24292F"/>
+                </a:solidFill>
+                <a:effectLst/>
+                <a:latin typeface="-apple-system"/>
+              </a:rPr>
+              <a:t>an</a:t>
+            </a:r>
+            <a:r>
+              <a:rPr lang="es-ES" sz="4000" b="0" i="0" dirty="0">
+                <a:solidFill>
+                  <a:srgbClr val="24292F"/>
+                </a:solidFill>
+                <a:effectLst/>
+                <a:latin typeface="-apple-system"/>
+              </a:rPr>
+              <a:t> </a:t>
+            </a:r>
+            <a:r>
+              <a:rPr lang="es-ES" sz="4000" b="0" i="0" dirty="0" err="1">
+                <a:solidFill>
+                  <a:srgbClr val="24292F"/>
+                </a:solidFill>
+                <a:effectLst/>
+                <a:latin typeface="-apple-system"/>
+              </a:rPr>
+              <a:t>event</a:t>
+            </a:r>
+            <a:r>
+              <a:rPr lang="es-ES" sz="4000" b="0" i="0" dirty="0">
+                <a:solidFill>
+                  <a:srgbClr val="24292F"/>
+                </a:solidFill>
+                <a:effectLst/>
+                <a:latin typeface="-apple-system"/>
+              </a:rPr>
+              <a:t> </a:t>
+            </a:r>
+            <a:r>
+              <a:rPr lang="es-ES" sz="4000" b="0" i="0" dirty="0" err="1">
+                <a:solidFill>
+                  <a:srgbClr val="24292F"/>
+                </a:solidFill>
+                <a:effectLst/>
+                <a:latin typeface="-apple-system"/>
+              </a:rPr>
+              <a:t>with</a:t>
+            </a:r>
+            <a:r>
+              <a:rPr lang="es-ES" sz="4000" b="0" i="0" dirty="0">
+                <a:solidFill>
+                  <a:srgbClr val="24292F"/>
+                </a:solidFill>
+                <a:effectLst/>
+                <a:latin typeface="-apple-system"/>
+              </a:rPr>
+              <a:t> </a:t>
+            </a:r>
+            <a:r>
+              <a:rPr lang="es-ES" sz="4000" b="0" i="0" dirty="0" err="1">
+                <a:solidFill>
+                  <a:srgbClr val="24292F"/>
+                </a:solidFill>
+                <a:effectLst/>
+                <a:latin typeface="-apple-system"/>
+              </a:rPr>
+              <a:t>several</a:t>
+            </a:r>
+            <a:r>
+              <a:rPr lang="es-ES" sz="4000" b="0" i="0" dirty="0">
+                <a:solidFill>
+                  <a:srgbClr val="24292F"/>
+                </a:solidFill>
+                <a:effectLst/>
+                <a:latin typeface="-apple-system"/>
+              </a:rPr>
+              <a:t> </a:t>
+            </a:r>
+            <a:r>
+              <a:rPr lang="es-ES" sz="4000" b="0" i="0" dirty="0" err="1">
+                <a:solidFill>
+                  <a:srgbClr val="24292F"/>
+                </a:solidFill>
+                <a:effectLst/>
+                <a:latin typeface="-apple-system"/>
+              </a:rPr>
+              <a:t>technical</a:t>
+            </a:r>
+            <a:r>
+              <a:rPr lang="es-ES" sz="4000" b="0" i="0" dirty="0">
+                <a:solidFill>
+                  <a:srgbClr val="24292F"/>
+                </a:solidFill>
+                <a:effectLst/>
+                <a:latin typeface="-apple-system"/>
+              </a:rPr>
+              <a:t> </a:t>
+            </a:r>
+            <a:r>
+              <a:rPr lang="es-ES" sz="4000" b="0" i="0" dirty="0" err="1">
+                <a:solidFill>
+                  <a:srgbClr val="24292F"/>
+                </a:solidFill>
+                <a:effectLst/>
+                <a:latin typeface="-apple-system"/>
+              </a:rPr>
+              <a:t>sessions</a:t>
+            </a:r>
+            <a:r>
+              <a:rPr lang="es-ES" sz="4000" b="0" i="0" dirty="0">
+                <a:solidFill>
+                  <a:srgbClr val="24292F"/>
+                </a:solidFill>
+                <a:effectLst/>
+                <a:latin typeface="-apple-system"/>
+              </a:rPr>
+              <a:t> </a:t>
+            </a:r>
+            <a:r>
+              <a:rPr lang="es-ES" sz="4000" b="0" i="0" dirty="0" err="1">
+                <a:solidFill>
+                  <a:srgbClr val="24292F"/>
+                </a:solidFill>
+                <a:effectLst/>
+                <a:latin typeface="-apple-system"/>
+              </a:rPr>
+              <a:t>related</a:t>
+            </a:r>
+            <a:r>
+              <a:rPr lang="es-ES" sz="4000" b="0" i="0" dirty="0">
+                <a:solidFill>
+                  <a:srgbClr val="24292F"/>
+                </a:solidFill>
+                <a:effectLst/>
+                <a:latin typeface="-apple-system"/>
+              </a:rPr>
+              <a:t> </a:t>
+            </a:r>
+            <a:r>
+              <a:rPr lang="es-ES" sz="4000" b="0" i="0" dirty="0" err="1">
+                <a:solidFill>
+                  <a:srgbClr val="24292F"/>
+                </a:solidFill>
+                <a:effectLst/>
+                <a:latin typeface="-apple-system"/>
+              </a:rPr>
+              <a:t>to</a:t>
+            </a:r>
+            <a:r>
+              <a:rPr lang="es-ES" sz="4000" b="0" i="0" dirty="0">
+                <a:solidFill>
+                  <a:srgbClr val="24292F"/>
+                </a:solidFill>
+                <a:effectLst/>
+                <a:latin typeface="-apple-system"/>
+              </a:rPr>
+              <a:t> </a:t>
+            </a:r>
+            <a:r>
+              <a:rPr lang="es-ES" sz="4000" b="0" i="0" dirty="0" err="1">
+                <a:solidFill>
+                  <a:srgbClr val="24292F"/>
+                </a:solidFill>
+                <a:effectLst/>
+                <a:latin typeface="-apple-system"/>
+              </a:rPr>
+              <a:t>the</a:t>
+            </a:r>
+            <a:r>
+              <a:rPr lang="es-ES" sz="4000" b="0" i="0" dirty="0">
+                <a:solidFill>
+                  <a:srgbClr val="24292F"/>
+                </a:solidFill>
+                <a:effectLst/>
+                <a:latin typeface="-apple-system"/>
+              </a:rPr>
+              <a:t> </a:t>
+            </a:r>
+            <a:r>
+              <a:rPr lang="es-ES" sz="4000" b="0" i="0" dirty="0" err="1">
+                <a:solidFill>
+                  <a:srgbClr val="24292F"/>
+                </a:solidFill>
+                <a:effectLst/>
+                <a:latin typeface="-apple-system"/>
+              </a:rPr>
+              <a:t>development</a:t>
+            </a:r>
+            <a:r>
+              <a:rPr lang="es-ES" sz="4000" b="0" i="0" dirty="0">
+                <a:solidFill>
+                  <a:srgbClr val="24292F"/>
+                </a:solidFill>
+                <a:effectLst/>
+                <a:latin typeface="-apple-system"/>
+              </a:rPr>
+              <a:t> </a:t>
+            </a:r>
+            <a:r>
+              <a:rPr lang="es-ES" sz="4000" b="0" i="0" dirty="0" err="1">
+                <a:solidFill>
+                  <a:srgbClr val="24292F"/>
+                </a:solidFill>
+                <a:effectLst/>
+                <a:latin typeface="-apple-system"/>
+              </a:rPr>
+              <a:t>of</a:t>
+            </a:r>
+            <a:r>
+              <a:rPr lang="es-ES" sz="4000" b="0" i="0" dirty="0">
+                <a:solidFill>
+                  <a:srgbClr val="24292F"/>
+                </a:solidFill>
+                <a:effectLst/>
+                <a:latin typeface="-apple-system"/>
+              </a:rPr>
+              <a:t> </a:t>
+            </a:r>
+            <a:r>
+              <a:rPr lang="es-ES" sz="4000" b="0" i="0" dirty="0" err="1">
+                <a:solidFill>
+                  <a:srgbClr val="24292F"/>
+                </a:solidFill>
+                <a:effectLst/>
+                <a:latin typeface="-apple-system"/>
+              </a:rPr>
+              <a:t>cross-platform</a:t>
+            </a:r>
+            <a:r>
+              <a:rPr lang="es-ES" sz="4000" b="0" i="0" dirty="0">
+                <a:solidFill>
+                  <a:srgbClr val="24292F"/>
+                </a:solidFill>
+                <a:effectLst/>
+                <a:latin typeface="-apple-system"/>
+              </a:rPr>
+              <a:t> </a:t>
+            </a:r>
+            <a:r>
+              <a:rPr lang="es-ES" sz="4000" b="0" i="0" dirty="0" err="1">
+                <a:solidFill>
+                  <a:srgbClr val="24292F"/>
+                </a:solidFill>
+                <a:effectLst/>
+                <a:latin typeface="-apple-system"/>
+              </a:rPr>
+              <a:t>applications</a:t>
+            </a:r>
+            <a:r>
+              <a:rPr lang="es-ES" sz="4000" b="0" i="0" dirty="0">
+                <a:solidFill>
+                  <a:srgbClr val="24292F"/>
+                </a:solidFill>
+                <a:effectLst/>
+                <a:latin typeface="-apple-system"/>
+              </a:rPr>
+              <a:t> </a:t>
+            </a:r>
+            <a:r>
+              <a:rPr lang="es-ES" sz="4000" b="0" i="0" dirty="0" err="1">
+                <a:solidFill>
+                  <a:srgbClr val="24292F"/>
+                </a:solidFill>
+                <a:effectLst/>
+                <a:latin typeface="-apple-system"/>
+              </a:rPr>
+              <a:t>with</a:t>
+            </a:r>
+            <a:r>
+              <a:rPr lang="es-ES" sz="4000" b="0" i="0" dirty="0">
+                <a:solidFill>
+                  <a:srgbClr val="24292F"/>
+                </a:solidFill>
+                <a:effectLst/>
+                <a:latin typeface="-apple-system"/>
+              </a:rPr>
+              <a:t> .NET MAUI.</a:t>
+            </a:r>
+            <a:endParaRPr lang="es-ES" sz="6600" dirty="0">
+              <a:gradFill>
+                <a:gsLst>
+                  <a:gs pos="2917">
+                    <a:schemeClr val="tx1"/>
+                  </a:gs>
+                  <a:gs pos="30000">
+                    <a:schemeClr val="tx1"/>
+                  </a:gs>
+                </a:gsLst>
+                <a:lin ang="5400000" scaled="0"/>
+              </a:gradFill>
+            </a:endParaRPr>
+          </a:p>
+        </p:txBody>
+      </p:sp>
+      <p:pic>
+        <p:nvPicPr>
+          <p:cNvPr id="5" name="Picture 6" descr="Logo&#10;&#10;Description automatically generated">
+            <a:extLst>
+              <a:ext uri="{FF2B5EF4-FFF2-40B4-BE49-F238E27FC236}">
+                <a16:creationId xmlns:a16="http://schemas.microsoft.com/office/drawing/2014/main" id="{59A326E8-23B3-008F-5F07-AC09DB3F3247}"/>
+              </a:ext>
+            </a:extLst>
+          </p:cNvPr>
+          <p:cNvPicPr>
+            <a:picLocks noChangeAspect="1"/>
+          </p:cNvPicPr>
+          <p:nvPr/>
+        </p:nvPicPr>
+        <p:blipFill>
+          <a:blip r:embed="rId2">
+            <a:extLst>
+              <a:ext uri="{28A0092B-C50C-407E-A947-70E740481C1C}">
+                <a14:useLocalDpi xmlns:a14="http://schemas.microsoft.com/office/drawing/2010/main" val="0"/>
+              </a:ext>
+            </a:extLst>
+          </a:blip>
+          <a:stretch>
+            <a:fillRect/>
+          </a:stretch>
+        </p:blipFill>
+        <p:spPr>
+          <a:xfrm>
+            <a:off x="4651150" y="2908491"/>
+            <a:ext cx="14594337" cy="6182588"/>
+          </a:xfrm>
+          <a:prstGeom prst="rect">
+            <a:avLst/>
+          </a:prstGeom>
+        </p:spPr>
+      </p:pic>
+      <p:sp>
+        <p:nvSpPr>
+          <p:cNvPr id="8" name="CuadroTexto 7">
+            <a:extLst>
+              <a:ext uri="{FF2B5EF4-FFF2-40B4-BE49-F238E27FC236}">
+                <a16:creationId xmlns:a16="http://schemas.microsoft.com/office/drawing/2014/main" id="{9F6E20D1-8FE5-6881-120D-124F48123548}"/>
+              </a:ext>
+            </a:extLst>
+          </p:cNvPr>
+          <p:cNvSpPr txBox="1"/>
+          <p:nvPr/>
+        </p:nvSpPr>
+        <p:spPr>
+          <a:xfrm>
+            <a:off x="21142411" y="284206"/>
+            <a:ext cx="2184509" cy="646331"/>
+          </a:xfrm>
+          <a:prstGeom prst="rect">
+            <a:avLst/>
+          </a:prstGeom>
+          <a:noFill/>
+        </p:spPr>
+        <p:txBody>
+          <a:bodyPr wrap="none" rtlCol="0">
+            <a:spAutoFit/>
+          </a:bodyPr>
+          <a:lstStyle/>
+          <a:p>
+            <a:r>
+              <a:rPr lang="es-ES" b="1" dirty="0">
+                <a:solidFill>
+                  <a:srgbClr val="5E17EB"/>
+                </a:solidFill>
+              </a:rPr>
+              <a:t>#MauiFest</a:t>
             </a:r>
           </a:p>
         </p:txBody>
@@ -4321,10 +5062,10 @@
       </p:grpSpPr>
       <p:sp>
         <p:nvSpPr>
-          <p:cNvPr id="2" name="Title 1">
+          <p:cNvPr id="3" name="Title 2">
             <a:extLst>
               <a:ext uri="{FF2B5EF4-FFF2-40B4-BE49-F238E27FC236}">
-                <a16:creationId xmlns:a16="http://schemas.microsoft.com/office/drawing/2014/main" id="{F0017045-A3DC-401B-9D75-1656D631C467}"/>
+                <a16:creationId xmlns:a16="http://schemas.microsoft.com/office/drawing/2014/main" id="{4F709010-B767-487B-8834-4AFBB7CE5241}"/>
               </a:ext>
             </a:extLst>
           </p:cNvPr>
@@ -4341,18 +5082,117 @@
           <a:lstStyle/>
           <a:p>
             <a:r>
-              <a:rPr lang="en-US" dirty="0"/>
-              <a:t>Code</a:t>
-            </a:r>
+              <a:rPr lang="en-US" dirty="0">
+                <a:latin typeface="Segoe UI Semibold"/>
+                <a:cs typeface="Segoe UI Semibold"/>
+              </a:rPr>
+              <a:t>.NET MAUI</a:t>
+            </a:r>
+            <a:endParaRPr lang="en-US" b="1" dirty="0"/>
           </a:p>
         </p:txBody>
       </p:sp>
       <p:sp>
         <p:nvSpPr>
-          <p:cNvPr id="12" name="TextBox 11">
+          <p:cNvPr id="2" name="Text Placeholder 1">
             <a:extLst>
               <a:ext uri="{FF2B5EF4-FFF2-40B4-BE49-F238E27FC236}">
-                <a16:creationId xmlns:a16="http://schemas.microsoft.com/office/drawing/2014/main" id="{A6C9FA5E-5912-4BAE-97CD-BB0C7B43FE55}"/>
+                <a16:creationId xmlns:a16="http://schemas.microsoft.com/office/drawing/2014/main" id="{3A265461-F19D-43FD-B026-2FF8AE442CE2}"/>
+              </a:ext>
+            </a:extLst>
+          </p:cNvPr>
+          <p:cNvSpPr>
+            <a:spLocks noGrp="1"/>
+          </p:cNvSpPr>
+          <p:nvPr>
+            <p:ph type="body" sz="quarter" idx="4294967295"/>
+          </p:nvPr>
+        </p:nvSpPr>
+        <p:spPr>
+          <a:xfrm>
+            <a:off x="13859480" y="2997593"/>
+            <a:ext cx="9985156" cy="4476277"/>
+          </a:xfrm>
+        </p:spPr>
+        <p:txBody>
+          <a:bodyPr vert="horz" wrap="square" lIns="292549" tIns="182842" rIns="292549" bIns="182842" rtlCol="0" anchor="t">
+            <a:spAutoFit/>
+          </a:bodyPr>
+          <a:lstStyle/>
+          <a:p>
+            <a:pPr marL="0" indent="0">
+              <a:buNone/>
+            </a:pPr>
+            <a:r>
+              <a:rPr lang="en-US" sz="3530" dirty="0">
+                <a:cs typeface="Segoe UI"/>
+              </a:rPr>
+              <a:t>SDK-style projects</a:t>
+            </a:r>
+          </a:p>
+          <a:p>
+            <a:pPr marL="0" indent="0">
+              <a:buNone/>
+            </a:pPr>
+            <a:r>
+              <a:rPr lang="en-US" sz="3530" dirty="0">
+                <a:cs typeface="Segoe UI"/>
+              </a:rPr>
+              <a:t>Single-headed project</a:t>
+            </a:r>
+          </a:p>
+          <a:p>
+            <a:pPr marL="0" indent="0">
+              <a:buNone/>
+            </a:pPr>
+            <a:r>
+              <a:rPr lang="en-US" sz="3530" dirty="0">
+                <a:cs typeface="Segoe UI"/>
+              </a:rPr>
+              <a:t>CLI support</a:t>
+            </a:r>
+            <a:endParaRPr lang="en-US" sz="3530" dirty="0"/>
+          </a:p>
+          <a:p>
+            <a:pPr marL="0" indent="0">
+              <a:buNone/>
+            </a:pPr>
+            <a:r>
+              <a:rPr lang="en-US" sz="3530" dirty="0">
+                <a:cs typeface="Segoe UI"/>
+              </a:rPr>
+              <a:t>.NET 6 BCL</a:t>
+            </a:r>
+          </a:p>
+          <a:p>
+            <a:pPr marL="0" indent="0">
+              <a:buNone/>
+            </a:pPr>
+            <a:r>
+              <a:rPr lang="en-US" sz="3530" dirty="0">
+                <a:cs typeface="Segoe UI"/>
+              </a:rPr>
+              <a:t>Multi-paradigm</a:t>
+            </a:r>
+          </a:p>
+          <a:p>
+            <a:pPr marL="695821" indent="-472326"/>
+            <a:r>
+              <a:rPr lang="en-US" sz="2744" dirty="0">
+                <a:latin typeface="Segoe UI"/>
+                <a:cs typeface="Segoe UI"/>
+              </a:rPr>
+              <a:t>XAML markup &amp; C# UI supported</a:t>
+            </a:r>
+          </a:p>
+        </p:txBody>
+      </p:sp>
+      <p:sp>
+        <p:nvSpPr>
+          <p:cNvPr id="5" name="TextBox 4">
+            <a:extLst>
+              <a:ext uri="{FF2B5EF4-FFF2-40B4-BE49-F238E27FC236}">
+                <a16:creationId xmlns:a16="http://schemas.microsoft.com/office/drawing/2014/main" id="{2B2A9897-6730-462A-A0FB-FAC52EB902D1}"/>
               </a:ext>
             </a:extLst>
           </p:cNvPr>
@@ -4361,52 +5201,2777 @@
         </p:nvSpPr>
         <p:spPr>
           <a:xfrm>
-            <a:off x="1102381" y="2601435"/>
-            <a:ext cx="22109674" cy="646331"/>
+            <a:off x="2974257" y="6405652"/>
+            <a:ext cx="7132918" cy="1328653"/>
           </a:xfrm>
           <a:prstGeom prst="rect">
             <a:avLst/>
           </a:prstGeom>
           <a:solidFill>
-            <a:srgbClr val="4A0851"/>
+            <a:schemeClr val="accent1"/>
           </a:solidFill>
         </p:spPr>
         <p:txBody>
-          <a:bodyPr wrap="square">
+          <a:bodyPr wrap="square" lIns="477925" tIns="382337" rIns="477925" bIns="382337" rtlCol="0" anchor="ctr">
+            <a:noAutofit/>
+          </a:bodyPr>
+          <a:lstStyle>
+            <a:defPPr>
+              <a:defRPr lang="en-US"/>
+            </a:defPPr>
+            <a:lvl1pPr algn="ctr" defTabSz="914224">
+              <a:lnSpc>
+                <a:spcPct val="90000"/>
+              </a:lnSpc>
+              <a:defRPr sz="2000" kern="0">
+                <a:gradFill>
+                  <a:gsLst>
+                    <a:gs pos="1250">
+                      <a:srgbClr val="FFFFFF"/>
+                    </a:gs>
+                    <a:gs pos="100000">
+                      <a:srgbClr val="FFFFFF"/>
+                    </a:gs>
+                  </a:gsLst>
+                  <a:lin ang="5400000" scaled="0"/>
+                </a:gradFill>
+                <a:latin typeface="Segoe UI Semibold" panose="020B0702040204020203" pitchFamily="34" charset="0"/>
+                <a:cs typeface="Segoe UI Semibold" panose="020B0702040204020203" pitchFamily="34" charset="0"/>
+              </a:defRPr>
+            </a:lvl1pPr>
+          </a:lstStyle>
+          <a:p>
+            <a:pPr defTabSz="1827607">
+              <a:defRPr/>
+            </a:pPr>
+            <a:endParaRPr lang="en-US" sz="2666" b="1">
+              <a:solidFill>
+                <a:srgbClr val="FFFFFF"/>
+              </a:solidFill>
+              <a:latin typeface="Segoe UI"/>
+            </a:endParaRPr>
+          </a:p>
+        </p:txBody>
+      </p:sp>
+      <p:sp>
+        <p:nvSpPr>
+          <p:cNvPr id="9" name="Rectangle 8">
+            <a:extLst>
+              <a:ext uri="{FF2B5EF4-FFF2-40B4-BE49-F238E27FC236}">
+                <a16:creationId xmlns:a16="http://schemas.microsoft.com/office/drawing/2014/main" id="{8FDF12F5-E289-475F-8785-C68FE1FCA2C9}"/>
+              </a:ext>
+            </a:extLst>
+          </p:cNvPr>
+          <p:cNvSpPr/>
+          <p:nvPr/>
+        </p:nvSpPr>
+        <p:spPr bwMode="auto">
+          <a:xfrm>
+            <a:off x="2776472" y="3889108"/>
+            <a:ext cx="2345057" cy="3893353"/>
+          </a:xfrm>
+          <a:prstGeom prst="rect">
+            <a:avLst/>
+          </a:prstGeom>
+          <a:noFill/>
+          <a:ln>
+            <a:noFill/>
+            <a:headEnd type="none" w="med" len="med"/>
+            <a:tailEnd type="none" w="med" len="med"/>
+          </a:ln>
+          <a:effectLst/>
+        </p:spPr>
+        <p:style>
+          <a:lnRef idx="1">
+            <a:schemeClr val="accent2"/>
+          </a:lnRef>
+          <a:fillRef idx="3">
+            <a:schemeClr val="accent2"/>
+          </a:fillRef>
+          <a:effectRef idx="2">
+            <a:schemeClr val="accent2"/>
+          </a:effectRef>
+          <a:fontRef idx="minor">
+            <a:schemeClr val="lt1"/>
+          </a:fontRef>
+        </p:style>
+        <p:txBody>
+          <a:bodyPr rot="0" spcFirstLastPara="0" vertOverflow="overflow" horzOverflow="overflow" vert="horz" wrap="square" lIns="365684" tIns="292549" rIns="365684" bIns="292549" numCol="1" spcCol="0" rtlCol="0" fromWordArt="0" anchor="t" anchorCtr="0" forceAA="0" compatLnSpc="1">
+            <a:prstTxWarp prst="textNoShape">
+              <a:avLst/>
+            </a:prstTxWarp>
+            <a:noAutofit/>
+          </a:bodyPr>
+          <a:lstStyle/>
+          <a:p>
+            <a:pPr algn="ctr" defTabSz="1864493" fontAlgn="base">
+              <a:lnSpc>
+                <a:spcPct val="90000"/>
+              </a:lnSpc>
+              <a:spcBef>
+                <a:spcPct val="0"/>
+              </a:spcBef>
+              <a:spcAft>
+                <a:spcPct val="0"/>
+              </a:spcAft>
+              <a:defRPr/>
+            </a:pPr>
+            <a:endParaRPr lang="en-US" sz="4800" err="1">
+              <a:gradFill>
+                <a:gsLst>
+                  <a:gs pos="0">
+                    <a:srgbClr val="FFFFFF"/>
+                  </a:gs>
+                  <a:gs pos="100000">
+                    <a:srgbClr val="FFFFFF"/>
+                  </a:gs>
+                </a:gsLst>
+                <a:lin ang="5400000" scaled="0"/>
+              </a:gradFill>
+              <a:latin typeface="Segoe UI"/>
+              <a:ea typeface="Segoe UI" pitchFamily="34" charset="0"/>
+              <a:cs typeface="Segoe UI" pitchFamily="34" charset="0"/>
+            </a:endParaRPr>
+          </a:p>
+        </p:txBody>
+      </p:sp>
+      <p:grpSp>
+        <p:nvGrpSpPr>
+          <p:cNvPr id="23" name="Group 22">
+            <a:extLst>
+              <a:ext uri="{FF2B5EF4-FFF2-40B4-BE49-F238E27FC236}">
+                <a16:creationId xmlns:a16="http://schemas.microsoft.com/office/drawing/2014/main" id="{A59BA511-F11C-43EE-A2CF-F6FA89E4A545}"/>
+              </a:ext>
+            </a:extLst>
+          </p:cNvPr>
+          <p:cNvGrpSpPr/>
+          <p:nvPr/>
+        </p:nvGrpSpPr>
+        <p:grpSpPr>
+          <a:xfrm>
+            <a:off x="4176208" y="3371429"/>
+            <a:ext cx="4854004" cy="2817297"/>
+            <a:chOff x="8111953" y="2017047"/>
+            <a:chExt cx="2427505" cy="1408940"/>
+          </a:xfrm>
+        </p:grpSpPr>
+        <p:sp>
+          <p:nvSpPr>
+            <p:cNvPr id="11" name="Rectangle 10">
+              <a:extLst>
+                <a:ext uri="{FF2B5EF4-FFF2-40B4-BE49-F238E27FC236}">
+                  <a16:creationId xmlns:a16="http://schemas.microsoft.com/office/drawing/2014/main" id="{39F74018-FA88-4762-B5BF-EDDD6851FE55}"/>
+                </a:ext>
+              </a:extLst>
+            </p:cNvPr>
+            <p:cNvSpPr/>
+            <p:nvPr/>
+          </p:nvSpPr>
+          <p:spPr bwMode="auto">
+            <a:xfrm>
+              <a:off x="8497202" y="2017047"/>
+              <a:ext cx="848639" cy="1408940"/>
+            </a:xfrm>
+            <a:prstGeom prst="rect">
+              <a:avLst/>
+            </a:prstGeom>
+            <a:noFill/>
+            <a:ln>
+              <a:noFill/>
+              <a:headEnd type="none" w="med" len="med"/>
+              <a:tailEnd type="none" w="med" len="med"/>
+            </a:ln>
+            <a:effectLst/>
+          </p:spPr>
+          <p:style>
+            <a:lnRef idx="1">
+              <a:schemeClr val="accent2"/>
+            </a:lnRef>
+            <a:fillRef idx="3">
+              <a:schemeClr val="accent2"/>
+            </a:fillRef>
+            <a:effectRef idx="2">
+              <a:schemeClr val="accent2"/>
+            </a:effectRef>
+            <a:fontRef idx="minor">
+              <a:schemeClr val="lt1"/>
+            </a:fontRef>
+          </p:style>
+          <p:txBody>
+            <a:bodyPr rot="0" spcFirstLastPara="0" vertOverflow="overflow" horzOverflow="overflow" vert="horz" wrap="square" lIns="365684" tIns="292549" rIns="365684" bIns="292549" numCol="1" spcCol="0" rtlCol="0" fromWordArt="0" anchor="t" anchorCtr="0" forceAA="0" compatLnSpc="1">
+              <a:prstTxWarp prst="textNoShape">
+                <a:avLst/>
+              </a:prstTxWarp>
+              <a:noAutofit/>
+            </a:bodyPr>
+            <a:lstStyle/>
+            <a:p>
+              <a:pPr algn="ctr" defTabSz="1864493" fontAlgn="base">
+                <a:lnSpc>
+                  <a:spcPct val="90000"/>
+                </a:lnSpc>
+                <a:spcBef>
+                  <a:spcPct val="0"/>
+                </a:spcBef>
+                <a:spcAft>
+                  <a:spcPct val="0"/>
+                </a:spcAft>
+                <a:defRPr/>
+              </a:pPr>
+              <a:endParaRPr lang="en-US" sz="4800" err="1">
+                <a:gradFill>
+                  <a:gsLst>
+                    <a:gs pos="0">
+                      <a:srgbClr val="FFFFFF"/>
+                    </a:gs>
+                    <a:gs pos="100000">
+                      <a:srgbClr val="FFFFFF"/>
+                    </a:gs>
+                  </a:gsLst>
+                  <a:lin ang="5400000" scaled="0"/>
+                </a:gradFill>
+                <a:latin typeface="Segoe UI"/>
+                <a:ea typeface="Segoe UI" pitchFamily="34" charset="0"/>
+                <a:cs typeface="Segoe UI" pitchFamily="34" charset="0"/>
+              </a:endParaRPr>
+            </a:p>
+          </p:txBody>
+        </p:sp>
+        <p:sp>
+          <p:nvSpPr>
+            <p:cNvPr id="12" name="TextBox 11">
+              <a:extLst>
+                <a:ext uri="{FF2B5EF4-FFF2-40B4-BE49-F238E27FC236}">
+                  <a16:creationId xmlns:a16="http://schemas.microsoft.com/office/drawing/2014/main" id="{AD0B76F9-349C-416F-A610-DFBFA65AEB43}"/>
+                </a:ext>
+              </a:extLst>
+            </p:cNvPr>
+            <p:cNvSpPr txBox="1"/>
+            <p:nvPr/>
+          </p:nvSpPr>
+          <p:spPr>
+            <a:xfrm>
+              <a:off x="8111953" y="2094694"/>
+              <a:ext cx="1083178" cy="180087"/>
+            </a:xfrm>
+            <a:prstGeom prst="rect">
+              <a:avLst/>
+            </a:prstGeom>
+            <a:noFill/>
+          </p:spPr>
+          <p:txBody>
+            <a:bodyPr wrap="square" lIns="0" tIns="0" rIns="0" bIns="0" rtlCol="0">
+              <a:spAutoFit/>
+            </a:bodyPr>
+            <a:lstStyle/>
+            <a:p>
+              <a:pPr algn="ctr" defTabSz="1828359">
+                <a:lnSpc>
+                  <a:spcPct val="90000"/>
+                </a:lnSpc>
+                <a:spcAft>
+                  <a:spcPts val="1200"/>
+                </a:spcAft>
+                <a:defRPr/>
+              </a:pPr>
+              <a:r>
+                <a:rPr lang="en-US" sz="2600">
+                  <a:latin typeface="Segoe UI Semibold" panose="020B0702040204020203" pitchFamily="34" charset="0"/>
+                </a:rPr>
+                <a:t>DESKTOP</a:t>
+              </a:r>
+            </a:p>
+          </p:txBody>
+        </p:sp>
+        <p:grpSp>
+          <p:nvGrpSpPr>
+            <p:cNvPr id="13" name="monitor 1" descr="monitor, desktop">
+              <a:extLst>
+                <a:ext uri="{FF2B5EF4-FFF2-40B4-BE49-F238E27FC236}">
+                  <a16:creationId xmlns:a16="http://schemas.microsoft.com/office/drawing/2014/main" id="{2F682742-257F-4440-89D5-DC55C4538BFF}"/>
+                </a:ext>
+              </a:extLst>
+            </p:cNvPr>
+            <p:cNvGrpSpPr/>
+            <p:nvPr/>
+          </p:nvGrpSpPr>
+          <p:grpSpPr>
+            <a:xfrm>
+              <a:off x="8118713" y="2438284"/>
+              <a:ext cx="1128359" cy="919564"/>
+              <a:chOff x="4233864" y="1827214"/>
+              <a:chExt cx="403225" cy="328613"/>
+            </a:xfrm>
+          </p:grpSpPr>
+          <p:sp>
+            <p:nvSpPr>
+              <p:cNvPr id="20" name="Freeform 53">
+                <a:extLst>
+                  <a:ext uri="{FF2B5EF4-FFF2-40B4-BE49-F238E27FC236}">
+                    <a16:creationId xmlns:a16="http://schemas.microsoft.com/office/drawing/2014/main" id="{ABF1F185-E43D-4259-9E88-B9E0FFAD018D}"/>
+                  </a:ext>
+                </a:extLst>
+              </p:cNvPr>
+              <p:cNvSpPr>
+                <a:spLocks/>
+              </p:cNvSpPr>
+              <p:nvPr/>
+            </p:nvSpPr>
+            <p:spPr bwMode="auto">
+              <a:xfrm>
+                <a:off x="4233864" y="1827214"/>
+                <a:ext cx="403225" cy="246063"/>
+              </a:xfrm>
+              <a:custGeom>
+                <a:avLst/>
+                <a:gdLst>
+                  <a:gd name="T0" fmla="*/ 0 w 240"/>
+                  <a:gd name="T1" fmla="*/ 11 h 147"/>
+                  <a:gd name="T2" fmla="*/ 0 w 240"/>
+                  <a:gd name="T3" fmla="*/ 137 h 147"/>
+                  <a:gd name="T4" fmla="*/ 11 w 240"/>
+                  <a:gd name="T5" fmla="*/ 147 h 147"/>
+                  <a:gd name="T6" fmla="*/ 230 w 240"/>
+                  <a:gd name="T7" fmla="*/ 147 h 147"/>
+                  <a:gd name="T8" fmla="*/ 240 w 240"/>
+                  <a:gd name="T9" fmla="*/ 137 h 147"/>
+                  <a:gd name="T10" fmla="*/ 240 w 240"/>
+                  <a:gd name="T11" fmla="*/ 11 h 147"/>
+                  <a:gd name="T12" fmla="*/ 230 w 240"/>
+                  <a:gd name="T13" fmla="*/ 0 h 147"/>
+                  <a:gd name="T14" fmla="*/ 11 w 240"/>
+                  <a:gd name="T15" fmla="*/ 0 h 147"/>
+                  <a:gd name="T16" fmla="*/ 0 w 240"/>
+                  <a:gd name="T17" fmla="*/ 11 h 147"/>
+                </a:gdLst>
+                <a:ahLst/>
+                <a:cxnLst>
+                  <a:cxn ang="0">
+                    <a:pos x="T0" y="T1"/>
+                  </a:cxn>
+                  <a:cxn ang="0">
+                    <a:pos x="T2" y="T3"/>
+                  </a:cxn>
+                  <a:cxn ang="0">
+                    <a:pos x="T4" y="T5"/>
+                  </a:cxn>
+                  <a:cxn ang="0">
+                    <a:pos x="T6" y="T7"/>
+                  </a:cxn>
+                  <a:cxn ang="0">
+                    <a:pos x="T8" y="T9"/>
+                  </a:cxn>
+                  <a:cxn ang="0">
+                    <a:pos x="T10" y="T11"/>
+                  </a:cxn>
+                  <a:cxn ang="0">
+                    <a:pos x="T12" y="T13"/>
+                  </a:cxn>
+                  <a:cxn ang="0">
+                    <a:pos x="T14" y="T15"/>
+                  </a:cxn>
+                  <a:cxn ang="0">
+                    <a:pos x="T16" y="T17"/>
+                  </a:cxn>
+                </a:cxnLst>
+                <a:rect l="0" t="0" r="r" b="b"/>
+                <a:pathLst>
+                  <a:path w="240" h="147">
+                    <a:moveTo>
+                      <a:pt x="0" y="11"/>
+                    </a:moveTo>
+                    <a:cubicBezTo>
+                      <a:pt x="0" y="137"/>
+                      <a:pt x="0" y="137"/>
+                      <a:pt x="0" y="137"/>
+                    </a:cubicBezTo>
+                    <a:cubicBezTo>
+                      <a:pt x="0" y="142"/>
+                      <a:pt x="5" y="147"/>
+                      <a:pt x="11" y="147"/>
+                    </a:cubicBezTo>
+                    <a:cubicBezTo>
+                      <a:pt x="230" y="147"/>
+                      <a:pt x="230" y="147"/>
+                      <a:pt x="230" y="147"/>
+                    </a:cubicBezTo>
+                    <a:cubicBezTo>
+                      <a:pt x="236" y="147"/>
+                      <a:pt x="240" y="142"/>
+                      <a:pt x="240" y="137"/>
+                    </a:cubicBezTo>
+                    <a:cubicBezTo>
+                      <a:pt x="240" y="11"/>
+                      <a:pt x="240" y="11"/>
+                      <a:pt x="240" y="11"/>
+                    </a:cubicBezTo>
+                    <a:cubicBezTo>
+                      <a:pt x="240" y="5"/>
+                      <a:pt x="236" y="0"/>
+                      <a:pt x="230" y="0"/>
+                    </a:cubicBezTo>
+                    <a:cubicBezTo>
+                      <a:pt x="11" y="0"/>
+                      <a:pt x="11" y="0"/>
+                      <a:pt x="11" y="0"/>
+                    </a:cubicBezTo>
+                    <a:cubicBezTo>
+                      <a:pt x="5" y="0"/>
+                      <a:pt x="0" y="5"/>
+                      <a:pt x="0" y="11"/>
+                    </a:cubicBezTo>
+                    <a:close/>
+                  </a:path>
+                </a:pathLst>
+              </a:custGeom>
+              <a:solidFill>
+                <a:srgbClr val="4FE4FF"/>
+              </a:solidFill>
+              <a:ln>
+                <a:noFill/>
+              </a:ln>
+              <a:extLst>
+                <a:ext uri="{91240B29-F687-4F45-9708-019B960494DF}">
+                  <a14:hiddenLine xmlns:a14="http://schemas.microsoft.com/office/drawing/2010/main" w="9525">
+                    <a:solidFill>
+                      <a:srgbClr val="000000"/>
+                    </a:solidFill>
+                    <a:round/>
+                    <a:headEnd/>
+                    <a:tailEnd/>
+                  </a14:hiddenLine>
+                </a:ext>
+              </a:extLst>
+            </p:spPr>
+            <p:txBody>
+              <a:bodyPr vert="horz" wrap="square" lIns="179248" tIns="89622" rIns="179248" bIns="89622" numCol="1" anchor="t" anchorCtr="0" compatLnSpc="1">
+                <a:prstTxWarp prst="textNoShape">
+                  <a:avLst/>
+                </a:prstTxWarp>
+              </a:bodyPr>
+              <a:lstStyle/>
+              <a:p>
+                <a:pPr algn="ctr" defTabSz="1792338" fontAlgn="base">
+                  <a:defRPr/>
+                </a:pPr>
+                <a:endParaRPr lang="en-US" sz="3334">
+                  <a:solidFill>
+                    <a:srgbClr val="505050"/>
+                  </a:solidFill>
+                  <a:latin typeface="Segoe UI"/>
+                </a:endParaRPr>
+              </a:p>
+            </p:txBody>
+          </p:sp>
+          <p:sp>
+            <p:nvSpPr>
+              <p:cNvPr id="21" name="Freeform 54">
+                <a:extLst>
+                  <a:ext uri="{FF2B5EF4-FFF2-40B4-BE49-F238E27FC236}">
+                    <a16:creationId xmlns:a16="http://schemas.microsoft.com/office/drawing/2014/main" id="{B500E180-6E11-4CCE-A83E-7E02182E5C64}"/>
+                  </a:ext>
+                </a:extLst>
+              </p:cNvPr>
+              <p:cNvSpPr>
+                <a:spLocks/>
+              </p:cNvSpPr>
+              <p:nvPr/>
+            </p:nvSpPr>
+            <p:spPr bwMode="auto">
+              <a:xfrm>
+                <a:off x="4233864" y="2011364"/>
+                <a:ext cx="403225" cy="144463"/>
+              </a:xfrm>
+              <a:custGeom>
+                <a:avLst/>
+                <a:gdLst>
+                  <a:gd name="T0" fmla="*/ 0 w 240"/>
+                  <a:gd name="T1" fmla="*/ 0 h 86"/>
+                  <a:gd name="T2" fmla="*/ 0 w 240"/>
+                  <a:gd name="T3" fmla="*/ 27 h 86"/>
+                  <a:gd name="T4" fmla="*/ 11 w 240"/>
+                  <a:gd name="T5" fmla="*/ 37 h 86"/>
+                  <a:gd name="T6" fmla="*/ 115 w 240"/>
+                  <a:gd name="T7" fmla="*/ 37 h 86"/>
+                  <a:gd name="T8" fmla="*/ 115 w 240"/>
+                  <a:gd name="T9" fmla="*/ 74 h 86"/>
+                  <a:gd name="T10" fmla="*/ 59 w 240"/>
+                  <a:gd name="T11" fmla="*/ 74 h 86"/>
+                  <a:gd name="T12" fmla="*/ 59 w 240"/>
+                  <a:gd name="T13" fmla="*/ 86 h 86"/>
+                  <a:gd name="T14" fmla="*/ 182 w 240"/>
+                  <a:gd name="T15" fmla="*/ 86 h 86"/>
+                  <a:gd name="T16" fmla="*/ 182 w 240"/>
+                  <a:gd name="T17" fmla="*/ 74 h 86"/>
+                  <a:gd name="T18" fmla="*/ 126 w 240"/>
+                  <a:gd name="T19" fmla="*/ 74 h 86"/>
+                  <a:gd name="T20" fmla="*/ 126 w 240"/>
+                  <a:gd name="T21" fmla="*/ 37 h 86"/>
+                  <a:gd name="T22" fmla="*/ 230 w 240"/>
+                  <a:gd name="T23" fmla="*/ 37 h 86"/>
+                  <a:gd name="T24" fmla="*/ 240 w 240"/>
+                  <a:gd name="T25" fmla="*/ 27 h 86"/>
+                  <a:gd name="T26" fmla="*/ 240 w 240"/>
+                  <a:gd name="T27" fmla="*/ 0 h 86"/>
+                  <a:gd name="T28" fmla="*/ 0 w 240"/>
+                  <a:gd name="T29" fmla="*/ 0 h 86"/>
+                </a:gdLst>
+                <a:ahLst/>
+                <a:cxnLst>
+                  <a:cxn ang="0">
+                    <a:pos x="T0" y="T1"/>
+                  </a:cxn>
+                  <a:cxn ang="0">
+                    <a:pos x="T2" y="T3"/>
+                  </a:cxn>
+                  <a:cxn ang="0">
+                    <a:pos x="T4" y="T5"/>
+                  </a:cxn>
+                  <a:cxn ang="0">
+                    <a:pos x="T6" y="T7"/>
+                  </a:cxn>
+                  <a:cxn ang="0">
+                    <a:pos x="T8" y="T9"/>
+                  </a:cxn>
+                  <a:cxn ang="0">
+                    <a:pos x="T10" y="T11"/>
+                  </a:cxn>
+                  <a:cxn ang="0">
+                    <a:pos x="T12" y="T13"/>
+                  </a:cxn>
+                  <a:cxn ang="0">
+                    <a:pos x="T14" y="T15"/>
+                  </a:cxn>
+                  <a:cxn ang="0">
+                    <a:pos x="T16" y="T17"/>
+                  </a:cxn>
+                  <a:cxn ang="0">
+                    <a:pos x="T18" y="T19"/>
+                  </a:cxn>
+                  <a:cxn ang="0">
+                    <a:pos x="T20" y="T21"/>
+                  </a:cxn>
+                  <a:cxn ang="0">
+                    <a:pos x="T22" y="T23"/>
+                  </a:cxn>
+                  <a:cxn ang="0">
+                    <a:pos x="T24" y="T25"/>
+                  </a:cxn>
+                  <a:cxn ang="0">
+                    <a:pos x="T26" y="T27"/>
+                  </a:cxn>
+                  <a:cxn ang="0">
+                    <a:pos x="T28" y="T29"/>
+                  </a:cxn>
+                </a:cxnLst>
+                <a:rect l="0" t="0" r="r" b="b"/>
+                <a:pathLst>
+                  <a:path w="240" h="86">
+                    <a:moveTo>
+                      <a:pt x="0" y="0"/>
+                    </a:moveTo>
+                    <a:cubicBezTo>
+                      <a:pt x="0" y="27"/>
+                      <a:pt x="0" y="27"/>
+                      <a:pt x="0" y="27"/>
+                    </a:cubicBezTo>
+                    <a:cubicBezTo>
+                      <a:pt x="0" y="32"/>
+                      <a:pt x="5" y="37"/>
+                      <a:pt x="11" y="37"/>
+                    </a:cubicBezTo>
+                    <a:cubicBezTo>
+                      <a:pt x="115" y="37"/>
+                      <a:pt x="115" y="37"/>
+                      <a:pt x="115" y="37"/>
+                    </a:cubicBezTo>
+                    <a:cubicBezTo>
+                      <a:pt x="115" y="74"/>
+                      <a:pt x="115" y="74"/>
+                      <a:pt x="115" y="74"/>
+                    </a:cubicBezTo>
+                    <a:cubicBezTo>
+                      <a:pt x="59" y="74"/>
+                      <a:pt x="59" y="74"/>
+                      <a:pt x="59" y="74"/>
+                    </a:cubicBezTo>
+                    <a:cubicBezTo>
+                      <a:pt x="59" y="86"/>
+                      <a:pt x="59" y="86"/>
+                      <a:pt x="59" y="86"/>
+                    </a:cubicBezTo>
+                    <a:cubicBezTo>
+                      <a:pt x="182" y="86"/>
+                      <a:pt x="182" y="86"/>
+                      <a:pt x="182" y="86"/>
+                    </a:cubicBezTo>
+                    <a:cubicBezTo>
+                      <a:pt x="182" y="74"/>
+                      <a:pt x="182" y="74"/>
+                      <a:pt x="182" y="74"/>
+                    </a:cubicBezTo>
+                    <a:cubicBezTo>
+                      <a:pt x="126" y="74"/>
+                      <a:pt x="126" y="74"/>
+                      <a:pt x="126" y="74"/>
+                    </a:cubicBezTo>
+                    <a:cubicBezTo>
+                      <a:pt x="126" y="37"/>
+                      <a:pt x="126" y="37"/>
+                      <a:pt x="126" y="37"/>
+                    </a:cubicBezTo>
+                    <a:cubicBezTo>
+                      <a:pt x="230" y="37"/>
+                      <a:pt x="230" y="37"/>
+                      <a:pt x="230" y="37"/>
+                    </a:cubicBezTo>
+                    <a:cubicBezTo>
+                      <a:pt x="236" y="37"/>
+                      <a:pt x="240" y="32"/>
+                      <a:pt x="240" y="27"/>
+                    </a:cubicBezTo>
+                    <a:cubicBezTo>
+                      <a:pt x="240" y="0"/>
+                      <a:pt x="240" y="0"/>
+                      <a:pt x="240" y="0"/>
+                    </a:cubicBezTo>
+                    <a:lnTo>
+                      <a:pt x="0" y="0"/>
+                    </a:lnTo>
+                    <a:close/>
+                  </a:path>
+                </a:pathLst>
+              </a:custGeom>
+              <a:solidFill>
+                <a:schemeClr val="accent1"/>
+              </a:solidFill>
+              <a:ln>
+                <a:noFill/>
+              </a:ln>
+            </p:spPr>
+            <p:txBody>
+              <a:bodyPr vert="horz" wrap="square" lIns="179248" tIns="89622" rIns="179248" bIns="89622" numCol="1" anchor="t" anchorCtr="0" compatLnSpc="1">
+                <a:prstTxWarp prst="textNoShape">
+                  <a:avLst/>
+                </a:prstTxWarp>
+              </a:bodyPr>
+              <a:lstStyle/>
+              <a:p>
+                <a:pPr algn="ctr" defTabSz="1792338" fontAlgn="base">
+                  <a:defRPr/>
+                </a:pPr>
+                <a:endParaRPr lang="en-US" sz="3334">
+                  <a:solidFill>
+                    <a:srgbClr val="505050"/>
+                  </a:solidFill>
+                  <a:latin typeface="Segoe UI"/>
+                </a:endParaRPr>
+              </a:p>
+            </p:txBody>
+          </p:sp>
+          <p:sp>
+            <p:nvSpPr>
+              <p:cNvPr id="22" name="Freeform 173">
+                <a:extLst>
+                  <a:ext uri="{FF2B5EF4-FFF2-40B4-BE49-F238E27FC236}">
+                    <a16:creationId xmlns:a16="http://schemas.microsoft.com/office/drawing/2014/main" id="{4D901543-F66A-462B-8F30-7B18551A41DE}"/>
+                  </a:ext>
+                </a:extLst>
+              </p:cNvPr>
+              <p:cNvSpPr>
+                <a:spLocks/>
+              </p:cNvSpPr>
+              <p:nvPr/>
+            </p:nvSpPr>
+            <p:spPr bwMode="auto">
+              <a:xfrm>
+                <a:off x="4233864" y="1827214"/>
+                <a:ext cx="228600" cy="184150"/>
+              </a:xfrm>
+              <a:custGeom>
+                <a:avLst/>
+                <a:gdLst>
+                  <a:gd name="T0" fmla="*/ 0 w 136"/>
+                  <a:gd name="T1" fmla="*/ 110 h 110"/>
+                  <a:gd name="T2" fmla="*/ 27 w 136"/>
+                  <a:gd name="T3" fmla="*/ 110 h 110"/>
+                  <a:gd name="T4" fmla="*/ 136 w 136"/>
+                  <a:gd name="T5" fmla="*/ 0 h 110"/>
+                  <a:gd name="T6" fmla="*/ 10 w 136"/>
+                  <a:gd name="T7" fmla="*/ 0 h 110"/>
+                  <a:gd name="T8" fmla="*/ 0 w 136"/>
+                  <a:gd name="T9" fmla="*/ 10 h 110"/>
+                  <a:gd name="T10" fmla="*/ 0 w 136"/>
+                  <a:gd name="T11" fmla="*/ 110 h 110"/>
+                </a:gdLst>
+                <a:ahLst/>
+                <a:cxnLst>
+                  <a:cxn ang="0">
+                    <a:pos x="T0" y="T1"/>
+                  </a:cxn>
+                  <a:cxn ang="0">
+                    <a:pos x="T2" y="T3"/>
+                  </a:cxn>
+                  <a:cxn ang="0">
+                    <a:pos x="T4" y="T5"/>
+                  </a:cxn>
+                  <a:cxn ang="0">
+                    <a:pos x="T6" y="T7"/>
+                  </a:cxn>
+                  <a:cxn ang="0">
+                    <a:pos x="T8" y="T9"/>
+                  </a:cxn>
+                  <a:cxn ang="0">
+                    <a:pos x="T10" y="T11"/>
+                  </a:cxn>
+                </a:cxnLst>
+                <a:rect l="0" t="0" r="r" b="b"/>
+                <a:pathLst>
+                  <a:path w="136" h="110">
+                    <a:moveTo>
+                      <a:pt x="0" y="110"/>
+                    </a:moveTo>
+                    <a:cubicBezTo>
+                      <a:pt x="27" y="110"/>
+                      <a:pt x="27" y="110"/>
+                      <a:pt x="27" y="110"/>
+                    </a:cubicBezTo>
+                    <a:cubicBezTo>
+                      <a:pt x="136" y="0"/>
+                      <a:pt x="136" y="0"/>
+                      <a:pt x="136" y="0"/>
+                    </a:cubicBezTo>
+                    <a:cubicBezTo>
+                      <a:pt x="10" y="0"/>
+                      <a:pt x="10" y="0"/>
+                      <a:pt x="10" y="0"/>
+                    </a:cubicBezTo>
+                    <a:cubicBezTo>
+                      <a:pt x="5" y="0"/>
+                      <a:pt x="0" y="5"/>
+                      <a:pt x="0" y="10"/>
+                    </a:cubicBezTo>
+                    <a:lnTo>
+                      <a:pt x="0" y="110"/>
+                    </a:lnTo>
+                    <a:close/>
+                  </a:path>
+                </a:pathLst>
+              </a:custGeom>
+              <a:solidFill>
+                <a:schemeClr val="accent1"/>
+              </a:solidFill>
+              <a:ln>
+                <a:noFill/>
+              </a:ln>
+            </p:spPr>
+            <p:txBody>
+              <a:bodyPr vert="horz" wrap="square" lIns="179248" tIns="89622" rIns="179248" bIns="89622" numCol="1" anchor="t" anchorCtr="0" compatLnSpc="1">
+                <a:prstTxWarp prst="textNoShape">
+                  <a:avLst/>
+                </a:prstTxWarp>
+              </a:bodyPr>
+              <a:lstStyle/>
+              <a:p>
+                <a:pPr algn="ctr" defTabSz="1792338" fontAlgn="base">
+                  <a:defRPr/>
+                </a:pPr>
+                <a:endParaRPr lang="en-US" sz="3334">
+                  <a:solidFill>
+                    <a:srgbClr val="505050"/>
+                  </a:solidFill>
+                  <a:latin typeface="Segoe UI"/>
+                </a:endParaRPr>
+              </a:p>
+            </p:txBody>
+          </p:sp>
+        </p:grpSp>
+        <p:sp>
+          <p:nvSpPr>
+            <p:cNvPr id="14" name="TextBox 13">
+              <a:extLst>
+                <a:ext uri="{FF2B5EF4-FFF2-40B4-BE49-F238E27FC236}">
+                  <a16:creationId xmlns:a16="http://schemas.microsoft.com/office/drawing/2014/main" id="{F14D9078-09AE-4DC6-8F94-1918252E9AE2}"/>
+                </a:ext>
+              </a:extLst>
+            </p:cNvPr>
+            <p:cNvSpPr txBox="1"/>
+            <p:nvPr/>
+          </p:nvSpPr>
+          <p:spPr>
+            <a:xfrm>
+              <a:off x="9853528" y="2094964"/>
+              <a:ext cx="685930" cy="180087"/>
+            </a:xfrm>
+            <a:prstGeom prst="rect">
+              <a:avLst/>
+            </a:prstGeom>
+            <a:noFill/>
+            <a:ln>
+              <a:noFill/>
+            </a:ln>
+          </p:spPr>
+          <p:txBody>
+            <a:bodyPr wrap="square" lIns="0" tIns="0" rIns="0" bIns="0" rtlCol="0">
+              <a:spAutoFit/>
+            </a:bodyPr>
+            <a:lstStyle/>
+            <a:p>
+              <a:pPr algn="ctr" defTabSz="1828359">
+                <a:lnSpc>
+                  <a:spcPct val="90000"/>
+                </a:lnSpc>
+                <a:spcAft>
+                  <a:spcPts val="1200"/>
+                </a:spcAft>
+                <a:defRPr/>
+              </a:pPr>
+              <a:r>
+                <a:rPr lang="en-US" sz="2600">
+                  <a:latin typeface="Segoe UI Semibold" panose="020B0702040204020203" pitchFamily="34" charset="0"/>
+                </a:rPr>
+                <a:t>MOBILE</a:t>
+              </a:r>
+            </a:p>
+          </p:txBody>
+        </p:sp>
+        <p:grpSp>
+          <p:nvGrpSpPr>
+            <p:cNvPr id="15" name="phone" descr="phone">
+              <a:extLst>
+                <a:ext uri="{FF2B5EF4-FFF2-40B4-BE49-F238E27FC236}">
+                  <a16:creationId xmlns:a16="http://schemas.microsoft.com/office/drawing/2014/main" id="{2D6C4FA8-360D-45BA-8882-FFF45CA9525A}"/>
+                </a:ext>
+              </a:extLst>
+            </p:cNvPr>
+            <p:cNvGrpSpPr/>
+            <p:nvPr/>
+          </p:nvGrpSpPr>
+          <p:grpSpPr>
+            <a:xfrm>
+              <a:off x="9911605" y="2438291"/>
+              <a:ext cx="557122" cy="921857"/>
+              <a:chOff x="7648576" y="1841501"/>
+              <a:chExt cx="177806" cy="301625"/>
+            </a:xfrm>
+          </p:grpSpPr>
+          <p:sp>
+            <p:nvSpPr>
+              <p:cNvPr id="16" name="Freeform 48">
+                <a:extLst>
+                  <a:ext uri="{FF2B5EF4-FFF2-40B4-BE49-F238E27FC236}">
+                    <a16:creationId xmlns:a16="http://schemas.microsoft.com/office/drawing/2014/main" id="{9B23AAF6-9487-41C6-8DC1-4C14172F5FB9}"/>
+                  </a:ext>
+                </a:extLst>
+              </p:cNvPr>
+              <p:cNvSpPr>
+                <a:spLocks/>
+              </p:cNvSpPr>
+              <p:nvPr/>
+            </p:nvSpPr>
+            <p:spPr bwMode="auto">
+              <a:xfrm>
+                <a:off x="7648576" y="2051051"/>
+                <a:ext cx="177800" cy="92075"/>
+              </a:xfrm>
+              <a:custGeom>
+                <a:avLst/>
+                <a:gdLst>
+                  <a:gd name="T0" fmla="*/ 53 w 106"/>
+                  <a:gd name="T1" fmla="*/ 0 h 54"/>
+                  <a:gd name="T2" fmla="*/ 0 w 106"/>
+                  <a:gd name="T3" fmla="*/ 16 h 54"/>
+                  <a:gd name="T4" fmla="*/ 0 w 106"/>
+                  <a:gd name="T5" fmla="*/ 44 h 54"/>
+                  <a:gd name="T6" fmla="*/ 9 w 106"/>
+                  <a:gd name="T7" fmla="*/ 54 h 54"/>
+                  <a:gd name="T8" fmla="*/ 96 w 106"/>
+                  <a:gd name="T9" fmla="*/ 54 h 54"/>
+                  <a:gd name="T10" fmla="*/ 106 w 106"/>
+                  <a:gd name="T11" fmla="*/ 44 h 54"/>
+                  <a:gd name="T12" fmla="*/ 106 w 106"/>
+                  <a:gd name="T13" fmla="*/ 16 h 54"/>
+                  <a:gd name="T14" fmla="*/ 53 w 106"/>
+                  <a:gd name="T15" fmla="*/ 0 h 54"/>
+                </a:gdLst>
+                <a:ahLst/>
+                <a:cxnLst>
+                  <a:cxn ang="0">
+                    <a:pos x="T0" y="T1"/>
+                  </a:cxn>
+                  <a:cxn ang="0">
+                    <a:pos x="T2" y="T3"/>
+                  </a:cxn>
+                  <a:cxn ang="0">
+                    <a:pos x="T4" y="T5"/>
+                  </a:cxn>
+                  <a:cxn ang="0">
+                    <a:pos x="T6" y="T7"/>
+                  </a:cxn>
+                  <a:cxn ang="0">
+                    <a:pos x="T8" y="T9"/>
+                  </a:cxn>
+                  <a:cxn ang="0">
+                    <a:pos x="T10" y="T11"/>
+                  </a:cxn>
+                  <a:cxn ang="0">
+                    <a:pos x="T12" y="T13"/>
+                  </a:cxn>
+                  <a:cxn ang="0">
+                    <a:pos x="T14" y="T15"/>
+                  </a:cxn>
+                </a:cxnLst>
+                <a:rect l="0" t="0" r="r" b="b"/>
+                <a:pathLst>
+                  <a:path w="106" h="54">
+                    <a:moveTo>
+                      <a:pt x="53" y="0"/>
+                    </a:moveTo>
+                    <a:cubicBezTo>
+                      <a:pt x="0" y="16"/>
+                      <a:pt x="0" y="16"/>
+                      <a:pt x="0" y="16"/>
+                    </a:cubicBezTo>
+                    <a:cubicBezTo>
+                      <a:pt x="0" y="44"/>
+                      <a:pt x="0" y="44"/>
+                      <a:pt x="0" y="44"/>
+                    </a:cubicBezTo>
+                    <a:cubicBezTo>
+                      <a:pt x="0" y="49"/>
+                      <a:pt x="4" y="54"/>
+                      <a:pt x="9" y="54"/>
+                    </a:cubicBezTo>
+                    <a:cubicBezTo>
+                      <a:pt x="96" y="54"/>
+                      <a:pt x="96" y="54"/>
+                      <a:pt x="96" y="54"/>
+                    </a:cubicBezTo>
+                    <a:cubicBezTo>
+                      <a:pt x="102" y="54"/>
+                      <a:pt x="106" y="49"/>
+                      <a:pt x="106" y="44"/>
+                    </a:cubicBezTo>
+                    <a:cubicBezTo>
+                      <a:pt x="106" y="16"/>
+                      <a:pt x="106" y="16"/>
+                      <a:pt x="106" y="16"/>
+                    </a:cubicBezTo>
+                    <a:lnTo>
+                      <a:pt x="53" y="0"/>
+                    </a:lnTo>
+                    <a:close/>
+                  </a:path>
+                </a:pathLst>
+              </a:custGeom>
+              <a:solidFill>
+                <a:schemeClr val="accent1"/>
+              </a:solidFill>
+              <a:ln>
+                <a:noFill/>
+              </a:ln>
+            </p:spPr>
+            <p:txBody>
+              <a:bodyPr vert="horz" wrap="square" lIns="179248" tIns="89622" rIns="179248" bIns="89622" numCol="1" anchor="t" anchorCtr="0" compatLnSpc="1">
+                <a:prstTxWarp prst="textNoShape">
+                  <a:avLst/>
+                </a:prstTxWarp>
+              </a:bodyPr>
+              <a:lstStyle/>
+              <a:p>
+                <a:pPr algn="ctr" defTabSz="1792338" fontAlgn="base">
+                  <a:defRPr/>
+                </a:pPr>
+                <a:endParaRPr lang="en-US" sz="3334">
+                  <a:solidFill>
+                    <a:srgbClr val="505050"/>
+                  </a:solidFill>
+                  <a:latin typeface="Segoe UI"/>
+                </a:endParaRPr>
+              </a:p>
+            </p:txBody>
+          </p:sp>
+          <p:sp>
+            <p:nvSpPr>
+              <p:cNvPr id="17" name="Rectangle 16">
+                <a:extLst>
+                  <a:ext uri="{FF2B5EF4-FFF2-40B4-BE49-F238E27FC236}">
+                    <a16:creationId xmlns:a16="http://schemas.microsoft.com/office/drawing/2014/main" id="{EE1BAACD-C7C4-49B6-B8D6-EA2007547BA3}"/>
+                  </a:ext>
+                </a:extLst>
+              </p:cNvPr>
+              <p:cNvSpPr>
+                <a:spLocks noChangeArrowheads="1"/>
+              </p:cNvSpPr>
+              <p:nvPr/>
+            </p:nvSpPr>
+            <p:spPr bwMode="auto">
+              <a:xfrm>
+                <a:off x="7721601" y="2100264"/>
+                <a:ext cx="33338" cy="19050"/>
+              </a:xfrm>
+              <a:prstGeom prst="rect">
+                <a:avLst/>
+              </a:prstGeom>
+              <a:solidFill>
+                <a:srgbClr val="4FE4FF"/>
+              </a:solidFill>
+              <a:ln>
+                <a:noFill/>
+              </a:ln>
+            </p:spPr>
+            <p:txBody>
+              <a:bodyPr vert="horz" wrap="square" lIns="179248" tIns="89622" rIns="179248" bIns="89622" numCol="1" anchor="t" anchorCtr="0" compatLnSpc="1">
+                <a:prstTxWarp prst="textNoShape">
+                  <a:avLst/>
+                </a:prstTxWarp>
+              </a:bodyPr>
+              <a:lstStyle/>
+              <a:p>
+                <a:pPr algn="ctr" defTabSz="1792338" fontAlgn="base">
+                  <a:defRPr/>
+                </a:pPr>
+                <a:endParaRPr lang="en-US" sz="3334">
+                  <a:solidFill>
+                    <a:srgbClr val="505050"/>
+                  </a:solidFill>
+                  <a:latin typeface="Segoe UI"/>
+                </a:endParaRPr>
+              </a:p>
+            </p:txBody>
+          </p:sp>
+          <p:sp>
+            <p:nvSpPr>
+              <p:cNvPr id="18" name="Freeform 50">
+                <a:extLst>
+                  <a:ext uri="{FF2B5EF4-FFF2-40B4-BE49-F238E27FC236}">
+                    <a16:creationId xmlns:a16="http://schemas.microsoft.com/office/drawing/2014/main" id="{3BA7568A-896B-4C53-99E9-181A5EA8F3CA}"/>
+                  </a:ext>
+                </a:extLst>
+              </p:cNvPr>
+              <p:cNvSpPr>
+                <a:spLocks/>
+              </p:cNvSpPr>
+              <p:nvPr/>
+            </p:nvSpPr>
+            <p:spPr bwMode="auto">
+              <a:xfrm>
+                <a:off x="7648582" y="1841501"/>
+                <a:ext cx="177800" cy="236538"/>
+              </a:xfrm>
+              <a:custGeom>
+                <a:avLst/>
+                <a:gdLst>
+                  <a:gd name="T0" fmla="*/ 96 w 106"/>
+                  <a:gd name="T1" fmla="*/ 0 h 141"/>
+                  <a:gd name="T2" fmla="*/ 9 w 106"/>
+                  <a:gd name="T3" fmla="*/ 0 h 141"/>
+                  <a:gd name="T4" fmla="*/ 0 w 106"/>
+                  <a:gd name="T5" fmla="*/ 9 h 141"/>
+                  <a:gd name="T6" fmla="*/ 0 w 106"/>
+                  <a:gd name="T7" fmla="*/ 140 h 141"/>
+                  <a:gd name="T8" fmla="*/ 106 w 106"/>
+                  <a:gd name="T9" fmla="*/ 141 h 141"/>
+                  <a:gd name="T10" fmla="*/ 106 w 106"/>
+                  <a:gd name="T11" fmla="*/ 9 h 141"/>
+                  <a:gd name="T12" fmla="*/ 96 w 106"/>
+                  <a:gd name="T13" fmla="*/ 0 h 141"/>
+                </a:gdLst>
+                <a:ahLst/>
+                <a:cxnLst>
+                  <a:cxn ang="0">
+                    <a:pos x="T0" y="T1"/>
+                  </a:cxn>
+                  <a:cxn ang="0">
+                    <a:pos x="T2" y="T3"/>
+                  </a:cxn>
+                  <a:cxn ang="0">
+                    <a:pos x="T4" y="T5"/>
+                  </a:cxn>
+                  <a:cxn ang="0">
+                    <a:pos x="T6" y="T7"/>
+                  </a:cxn>
+                  <a:cxn ang="0">
+                    <a:pos x="T8" y="T9"/>
+                  </a:cxn>
+                  <a:cxn ang="0">
+                    <a:pos x="T10" y="T11"/>
+                  </a:cxn>
+                  <a:cxn ang="0">
+                    <a:pos x="T12" y="T13"/>
+                  </a:cxn>
+                </a:cxnLst>
+                <a:rect l="0" t="0" r="r" b="b"/>
+                <a:pathLst>
+                  <a:path w="106" h="141">
+                    <a:moveTo>
+                      <a:pt x="96" y="0"/>
+                    </a:moveTo>
+                    <a:cubicBezTo>
+                      <a:pt x="9" y="0"/>
+                      <a:pt x="9" y="0"/>
+                      <a:pt x="9" y="0"/>
+                    </a:cubicBezTo>
+                    <a:cubicBezTo>
+                      <a:pt x="4" y="0"/>
+                      <a:pt x="0" y="4"/>
+                      <a:pt x="0" y="9"/>
+                    </a:cubicBezTo>
+                    <a:cubicBezTo>
+                      <a:pt x="0" y="140"/>
+                      <a:pt x="0" y="140"/>
+                      <a:pt x="0" y="140"/>
+                    </a:cubicBezTo>
+                    <a:cubicBezTo>
+                      <a:pt x="106" y="141"/>
+                      <a:pt x="106" y="141"/>
+                      <a:pt x="106" y="141"/>
+                    </a:cubicBezTo>
+                    <a:cubicBezTo>
+                      <a:pt x="106" y="9"/>
+                      <a:pt x="106" y="9"/>
+                      <a:pt x="106" y="9"/>
+                    </a:cubicBezTo>
+                    <a:cubicBezTo>
+                      <a:pt x="106" y="4"/>
+                      <a:pt x="102" y="0"/>
+                      <a:pt x="96" y="0"/>
+                    </a:cubicBezTo>
+                    <a:close/>
+                  </a:path>
+                </a:pathLst>
+              </a:custGeom>
+              <a:solidFill>
+                <a:srgbClr val="4FE4FF"/>
+              </a:solidFill>
+              <a:ln>
+                <a:noFill/>
+              </a:ln>
+              <a:extLst>
+                <a:ext uri="{91240B29-F687-4F45-9708-019B960494DF}">
+                  <a14:hiddenLine xmlns:a14="http://schemas.microsoft.com/office/drawing/2010/main" w="9525">
+                    <a:solidFill>
+                      <a:srgbClr val="000000"/>
+                    </a:solidFill>
+                    <a:round/>
+                    <a:headEnd/>
+                    <a:tailEnd/>
+                  </a14:hiddenLine>
+                </a:ext>
+              </a:extLst>
+            </p:spPr>
+            <p:txBody>
+              <a:bodyPr vert="horz" wrap="square" lIns="179248" tIns="89622" rIns="179248" bIns="89622" numCol="1" anchor="t" anchorCtr="0" compatLnSpc="1">
+                <a:prstTxWarp prst="textNoShape">
+                  <a:avLst/>
+                </a:prstTxWarp>
+              </a:bodyPr>
+              <a:lstStyle/>
+              <a:p>
+                <a:pPr algn="ctr" defTabSz="1792338" fontAlgn="base">
+                  <a:defRPr/>
+                </a:pPr>
+                <a:endParaRPr lang="en-US" sz="3334">
+                  <a:solidFill>
+                    <a:srgbClr val="505050"/>
+                  </a:solidFill>
+                  <a:latin typeface="Segoe UI"/>
+                </a:endParaRPr>
+              </a:p>
+            </p:txBody>
+          </p:sp>
+          <p:sp>
+            <p:nvSpPr>
+              <p:cNvPr id="19" name="Freeform 175">
+                <a:extLst>
+                  <a:ext uri="{FF2B5EF4-FFF2-40B4-BE49-F238E27FC236}">
+                    <a16:creationId xmlns:a16="http://schemas.microsoft.com/office/drawing/2014/main" id="{484E0B39-BCBA-4617-A721-11BEBB1A993B}"/>
+                  </a:ext>
+                </a:extLst>
+              </p:cNvPr>
+              <p:cNvSpPr>
+                <a:spLocks/>
+              </p:cNvSpPr>
+              <p:nvPr/>
+            </p:nvSpPr>
+            <p:spPr bwMode="auto">
+              <a:xfrm>
+                <a:off x="7648576" y="1841501"/>
+                <a:ext cx="177800" cy="234950"/>
+              </a:xfrm>
+              <a:custGeom>
+                <a:avLst/>
+                <a:gdLst>
+                  <a:gd name="T0" fmla="*/ 106 w 106"/>
+                  <a:gd name="T1" fmla="*/ 9 h 140"/>
+                  <a:gd name="T2" fmla="*/ 96 w 106"/>
+                  <a:gd name="T3" fmla="*/ 0 h 140"/>
+                  <a:gd name="T4" fmla="*/ 9 w 106"/>
+                  <a:gd name="T5" fmla="*/ 0 h 140"/>
+                  <a:gd name="T6" fmla="*/ 0 w 106"/>
+                  <a:gd name="T7" fmla="*/ 9 h 140"/>
+                  <a:gd name="T8" fmla="*/ 0 w 106"/>
+                  <a:gd name="T9" fmla="*/ 140 h 140"/>
+                  <a:gd name="T10" fmla="*/ 106 w 106"/>
+                  <a:gd name="T11" fmla="*/ 34 h 140"/>
+                  <a:gd name="T12" fmla="*/ 106 w 106"/>
+                  <a:gd name="T13" fmla="*/ 9 h 140"/>
+                </a:gdLst>
+                <a:ahLst/>
+                <a:cxnLst>
+                  <a:cxn ang="0">
+                    <a:pos x="T0" y="T1"/>
+                  </a:cxn>
+                  <a:cxn ang="0">
+                    <a:pos x="T2" y="T3"/>
+                  </a:cxn>
+                  <a:cxn ang="0">
+                    <a:pos x="T4" y="T5"/>
+                  </a:cxn>
+                  <a:cxn ang="0">
+                    <a:pos x="T6" y="T7"/>
+                  </a:cxn>
+                  <a:cxn ang="0">
+                    <a:pos x="T8" y="T9"/>
+                  </a:cxn>
+                  <a:cxn ang="0">
+                    <a:pos x="T10" y="T11"/>
+                  </a:cxn>
+                  <a:cxn ang="0">
+                    <a:pos x="T12" y="T13"/>
+                  </a:cxn>
+                </a:cxnLst>
+                <a:rect l="0" t="0" r="r" b="b"/>
+                <a:pathLst>
+                  <a:path w="106" h="140">
+                    <a:moveTo>
+                      <a:pt x="106" y="9"/>
+                    </a:moveTo>
+                    <a:cubicBezTo>
+                      <a:pt x="106" y="4"/>
+                      <a:pt x="102" y="0"/>
+                      <a:pt x="96" y="0"/>
+                    </a:cubicBezTo>
+                    <a:cubicBezTo>
+                      <a:pt x="9" y="0"/>
+                      <a:pt x="9" y="0"/>
+                      <a:pt x="9" y="0"/>
+                    </a:cubicBezTo>
+                    <a:cubicBezTo>
+                      <a:pt x="4" y="0"/>
+                      <a:pt x="0" y="4"/>
+                      <a:pt x="0" y="9"/>
+                    </a:cubicBezTo>
+                    <a:cubicBezTo>
+                      <a:pt x="0" y="140"/>
+                      <a:pt x="0" y="140"/>
+                      <a:pt x="0" y="140"/>
+                    </a:cubicBezTo>
+                    <a:cubicBezTo>
+                      <a:pt x="106" y="34"/>
+                      <a:pt x="106" y="34"/>
+                      <a:pt x="106" y="34"/>
+                    </a:cubicBezTo>
+                    <a:lnTo>
+                      <a:pt x="106" y="9"/>
+                    </a:lnTo>
+                    <a:close/>
+                  </a:path>
+                </a:pathLst>
+              </a:custGeom>
+              <a:solidFill>
+                <a:schemeClr val="accent1"/>
+              </a:solidFill>
+              <a:ln>
+                <a:noFill/>
+              </a:ln>
+            </p:spPr>
+            <p:txBody>
+              <a:bodyPr vert="horz" wrap="square" lIns="179248" tIns="89622" rIns="179248" bIns="89622" numCol="1" anchor="t" anchorCtr="0" compatLnSpc="1">
+                <a:prstTxWarp prst="textNoShape">
+                  <a:avLst/>
+                </a:prstTxWarp>
+              </a:bodyPr>
+              <a:lstStyle/>
+              <a:p>
+                <a:pPr algn="ctr" defTabSz="1792338" fontAlgn="base">
+                  <a:defRPr/>
+                </a:pPr>
+                <a:endParaRPr lang="en-US" sz="3334">
+                  <a:solidFill>
+                    <a:srgbClr val="505050"/>
+                  </a:solidFill>
+                  <a:latin typeface="Segoe UI"/>
+                </a:endParaRPr>
+              </a:p>
+            </p:txBody>
+          </p:sp>
+        </p:grpSp>
+      </p:grpSp>
+      <p:grpSp>
+        <p:nvGrpSpPr>
+          <p:cNvPr id="27" name="Group 26">
+            <a:extLst>
+              <a:ext uri="{FF2B5EF4-FFF2-40B4-BE49-F238E27FC236}">
+                <a16:creationId xmlns:a16="http://schemas.microsoft.com/office/drawing/2014/main" id="{ECEB5BB1-9EEA-4A4B-90ED-822FAB6DE264}"/>
+              </a:ext>
+            </a:extLst>
+          </p:cNvPr>
+          <p:cNvGrpSpPr/>
+          <p:nvPr/>
+        </p:nvGrpSpPr>
+        <p:grpSpPr>
+          <a:xfrm>
+            <a:off x="2974257" y="7859819"/>
+            <a:ext cx="3509398" cy="1328653"/>
+            <a:chOff x="474924" y="2957810"/>
+            <a:chExt cx="9253607" cy="3077297"/>
+          </a:xfrm>
+          <a:solidFill>
+            <a:srgbClr val="00A4EF"/>
+          </a:solidFill>
+        </p:grpSpPr>
+        <p:sp>
+          <p:nvSpPr>
+            <p:cNvPr id="25" name="TextBox 24">
+              <a:extLst>
+                <a:ext uri="{FF2B5EF4-FFF2-40B4-BE49-F238E27FC236}">
+                  <a16:creationId xmlns:a16="http://schemas.microsoft.com/office/drawing/2014/main" id="{F464B13D-ECDB-4868-A7A0-9D0A1CA2AF07}"/>
+                </a:ext>
+              </a:extLst>
+            </p:cNvPr>
+            <p:cNvSpPr txBox="1"/>
+            <p:nvPr/>
+          </p:nvSpPr>
+          <p:spPr>
+            <a:xfrm>
+              <a:off x="474924" y="2957810"/>
+              <a:ext cx="9253607" cy="3077297"/>
+            </a:xfrm>
+            <a:prstGeom prst="rect">
+              <a:avLst/>
+            </a:prstGeom>
+            <a:grpFill/>
+          </p:spPr>
+          <p:txBody>
+            <a:bodyPr wrap="square" lIns="477925" tIns="382337" rIns="477925" bIns="382337" rtlCol="0" anchor="ctr">
+              <a:noAutofit/>
+            </a:bodyPr>
+            <a:lstStyle>
+              <a:defPPr>
+                <a:defRPr lang="en-US"/>
+              </a:defPPr>
+              <a:lvl1pPr algn="ctr" defTabSz="914224">
+                <a:lnSpc>
+                  <a:spcPct val="90000"/>
+                </a:lnSpc>
+                <a:defRPr sz="2000" kern="0">
+                  <a:gradFill>
+                    <a:gsLst>
+                      <a:gs pos="1250">
+                        <a:srgbClr val="FFFFFF"/>
+                      </a:gs>
+                      <a:gs pos="100000">
+                        <a:srgbClr val="FFFFFF"/>
+                      </a:gs>
+                    </a:gsLst>
+                    <a:lin ang="5400000" scaled="0"/>
+                  </a:gradFill>
+                  <a:latin typeface="Segoe UI Semibold" panose="020B0702040204020203" pitchFamily="34" charset="0"/>
+                  <a:cs typeface="Segoe UI Semibold" panose="020B0702040204020203" pitchFamily="34" charset="0"/>
+                </a:defRPr>
+              </a:lvl1pPr>
+            </a:lstStyle>
+            <a:p>
+              <a:pPr defTabSz="1827607">
+                <a:defRPr/>
+              </a:pPr>
+              <a:endParaRPr lang="en-US" sz="2666" b="1">
+                <a:solidFill>
+                  <a:srgbClr val="FFFFFF"/>
+                </a:solidFill>
+                <a:latin typeface="Segoe UI"/>
+              </a:endParaRPr>
+            </a:p>
+          </p:txBody>
+        </p:sp>
+        <p:sp>
+          <p:nvSpPr>
+            <p:cNvPr id="26" name="TextBox 25">
+              <a:extLst>
+                <a:ext uri="{FF2B5EF4-FFF2-40B4-BE49-F238E27FC236}">
+                  <a16:creationId xmlns:a16="http://schemas.microsoft.com/office/drawing/2014/main" id="{0DE719C6-101A-489B-8F14-48C6062AC11D}"/>
+                </a:ext>
+              </a:extLst>
+            </p:cNvPr>
+            <p:cNvSpPr txBox="1"/>
+            <p:nvPr/>
+          </p:nvSpPr>
+          <p:spPr>
+            <a:xfrm>
+              <a:off x="532407" y="3148827"/>
+              <a:ext cx="9162736" cy="2618702"/>
+            </a:xfrm>
+            <a:prstGeom prst="rect">
+              <a:avLst/>
+            </a:prstGeom>
+            <a:grpFill/>
+          </p:spPr>
+          <p:txBody>
+            <a:bodyPr wrap="square" lIns="477925" tIns="382337" rIns="477925" bIns="382337" rtlCol="0" anchor="ctr">
+              <a:noAutofit/>
+            </a:bodyPr>
+            <a:lstStyle>
+              <a:defPPr>
+                <a:defRPr lang="en-US"/>
+              </a:defPPr>
+              <a:lvl1pPr algn="ctr" defTabSz="914224">
+                <a:lnSpc>
+                  <a:spcPct val="90000"/>
+                </a:lnSpc>
+                <a:defRPr sz="1600" b="1" kern="0">
+                  <a:gradFill>
+                    <a:gsLst>
+                      <a:gs pos="2804">
+                        <a:srgbClr val="505050"/>
+                      </a:gs>
+                      <a:gs pos="26000">
+                        <a:srgbClr val="505050"/>
+                      </a:gs>
+                    </a:gsLst>
+                    <a:lin ang="5400000" scaled="1"/>
+                  </a:gradFill>
+                  <a:cs typeface="Segoe UI Semilight" panose="020B0402040204020203" pitchFamily="34" charset="0"/>
+                </a:defRPr>
+              </a:lvl1pPr>
+            </a:lstStyle>
+            <a:p>
+              <a:pPr defTabSz="1827607">
+                <a:defRPr/>
+              </a:pPr>
+              <a:r>
+                <a:rPr lang="en-US" sz="4000">
+                  <a:solidFill>
+                    <a:srgbClr val="FFFFFF"/>
+                  </a:solidFill>
+                  <a:latin typeface="Segoe UI Semibold"/>
+                  <a:cs typeface="Segoe UI Semibold"/>
+                </a:rPr>
+                <a:t>Windows</a:t>
+              </a:r>
+            </a:p>
+          </p:txBody>
+        </p:sp>
+      </p:grpSp>
+      <p:grpSp>
+        <p:nvGrpSpPr>
+          <p:cNvPr id="31" name="Group 30">
+            <a:extLst>
+              <a:ext uri="{FF2B5EF4-FFF2-40B4-BE49-F238E27FC236}">
+                <a16:creationId xmlns:a16="http://schemas.microsoft.com/office/drawing/2014/main" id="{3C1A27D6-13BC-4252-B815-4E8D49A51482}"/>
+              </a:ext>
+            </a:extLst>
+          </p:cNvPr>
+          <p:cNvGrpSpPr/>
+          <p:nvPr/>
+        </p:nvGrpSpPr>
+        <p:grpSpPr>
+          <a:xfrm>
+            <a:off x="2961016" y="9291438"/>
+            <a:ext cx="3522641" cy="1328653"/>
+            <a:chOff x="474924" y="2957810"/>
+            <a:chExt cx="9253607" cy="3077297"/>
+          </a:xfrm>
+          <a:solidFill>
+            <a:srgbClr val="2C3E50"/>
+          </a:solidFill>
+        </p:grpSpPr>
+        <p:sp>
+          <p:nvSpPr>
+            <p:cNvPr id="29" name="TextBox 28">
+              <a:extLst>
+                <a:ext uri="{FF2B5EF4-FFF2-40B4-BE49-F238E27FC236}">
+                  <a16:creationId xmlns:a16="http://schemas.microsoft.com/office/drawing/2014/main" id="{CE016C4C-086A-48BD-9A4B-FFCE1417A6E1}"/>
+                </a:ext>
+              </a:extLst>
+            </p:cNvPr>
+            <p:cNvSpPr txBox="1"/>
+            <p:nvPr/>
+          </p:nvSpPr>
+          <p:spPr>
+            <a:xfrm>
+              <a:off x="474924" y="2957810"/>
+              <a:ext cx="9253607" cy="3077297"/>
+            </a:xfrm>
+            <a:prstGeom prst="rect">
+              <a:avLst/>
+            </a:prstGeom>
+            <a:grpFill/>
+          </p:spPr>
+          <p:txBody>
+            <a:bodyPr wrap="square" lIns="477925" tIns="382337" rIns="477925" bIns="382337" rtlCol="0" anchor="ctr">
+              <a:noAutofit/>
+            </a:bodyPr>
+            <a:lstStyle>
+              <a:defPPr>
+                <a:defRPr lang="en-US"/>
+              </a:defPPr>
+              <a:lvl1pPr algn="ctr" defTabSz="914224">
+                <a:lnSpc>
+                  <a:spcPct val="90000"/>
+                </a:lnSpc>
+                <a:defRPr sz="2000" kern="0">
+                  <a:gradFill>
+                    <a:gsLst>
+                      <a:gs pos="1250">
+                        <a:srgbClr val="FFFFFF"/>
+                      </a:gs>
+                      <a:gs pos="100000">
+                        <a:srgbClr val="FFFFFF"/>
+                      </a:gs>
+                    </a:gsLst>
+                    <a:lin ang="5400000" scaled="0"/>
+                  </a:gradFill>
+                  <a:latin typeface="Segoe UI Semibold" panose="020B0702040204020203" pitchFamily="34" charset="0"/>
+                  <a:cs typeface="Segoe UI Semibold" panose="020B0702040204020203" pitchFamily="34" charset="0"/>
+                </a:defRPr>
+              </a:lvl1pPr>
+            </a:lstStyle>
+            <a:p>
+              <a:pPr defTabSz="1827607">
+                <a:defRPr/>
+              </a:pPr>
+              <a:endParaRPr lang="en-US" sz="2666" b="1">
+                <a:solidFill>
+                  <a:srgbClr val="FFFFFF"/>
+                </a:solidFill>
+                <a:latin typeface="Segoe UI"/>
+              </a:endParaRPr>
+            </a:p>
+          </p:txBody>
+        </p:sp>
+        <p:sp>
+          <p:nvSpPr>
+            <p:cNvPr id="30" name="TextBox 29">
+              <a:extLst>
+                <a:ext uri="{FF2B5EF4-FFF2-40B4-BE49-F238E27FC236}">
+                  <a16:creationId xmlns:a16="http://schemas.microsoft.com/office/drawing/2014/main" id="{638EF1FE-1740-496A-87C9-60CA58846385}"/>
+                </a:ext>
+              </a:extLst>
+            </p:cNvPr>
+            <p:cNvSpPr txBox="1"/>
+            <p:nvPr/>
+          </p:nvSpPr>
+          <p:spPr>
+            <a:xfrm>
+              <a:off x="532407" y="3148827"/>
+              <a:ext cx="9162736" cy="2618702"/>
+            </a:xfrm>
+            <a:prstGeom prst="rect">
+              <a:avLst/>
+            </a:prstGeom>
+            <a:grpFill/>
+          </p:spPr>
+          <p:txBody>
+            <a:bodyPr wrap="square" lIns="477925" tIns="382337" rIns="477925" bIns="382337" rtlCol="0" anchor="ctr">
+              <a:noAutofit/>
+            </a:bodyPr>
+            <a:lstStyle>
+              <a:defPPr>
+                <a:defRPr lang="en-US"/>
+              </a:defPPr>
+              <a:lvl1pPr algn="ctr" defTabSz="914224">
+                <a:lnSpc>
+                  <a:spcPct val="90000"/>
+                </a:lnSpc>
+                <a:defRPr sz="1600" b="1" kern="0">
+                  <a:gradFill>
+                    <a:gsLst>
+                      <a:gs pos="2804">
+                        <a:srgbClr val="505050"/>
+                      </a:gs>
+                      <a:gs pos="26000">
+                        <a:srgbClr val="505050"/>
+                      </a:gs>
+                    </a:gsLst>
+                    <a:lin ang="5400000" scaled="1"/>
+                  </a:gradFill>
+                  <a:cs typeface="Segoe UI Semilight" panose="020B0402040204020203" pitchFamily="34" charset="0"/>
+                </a:defRPr>
+              </a:lvl1pPr>
+            </a:lstStyle>
+            <a:p>
+              <a:pPr defTabSz="1827607">
+                <a:defRPr/>
+              </a:pPr>
+              <a:r>
+                <a:rPr lang="en-US" sz="4000">
+                  <a:solidFill>
+                    <a:srgbClr val="FFFFFF"/>
+                  </a:solidFill>
+                  <a:latin typeface="Segoe UI Semibold"/>
+                  <a:cs typeface="Segoe UI Semibold"/>
+                </a:rPr>
+                <a:t>macOS</a:t>
+              </a:r>
+            </a:p>
+          </p:txBody>
+        </p:sp>
+      </p:grpSp>
+      <p:grpSp>
+        <p:nvGrpSpPr>
+          <p:cNvPr id="35" name="Group 34">
+            <a:extLst>
+              <a:ext uri="{FF2B5EF4-FFF2-40B4-BE49-F238E27FC236}">
+                <a16:creationId xmlns:a16="http://schemas.microsoft.com/office/drawing/2014/main" id="{2844C7F4-492F-446C-BE6A-9DA71124F4ED}"/>
+              </a:ext>
+            </a:extLst>
+          </p:cNvPr>
+          <p:cNvGrpSpPr/>
+          <p:nvPr/>
+        </p:nvGrpSpPr>
+        <p:grpSpPr>
+          <a:xfrm>
+            <a:off x="6594945" y="7855093"/>
+            <a:ext cx="3509398" cy="1328653"/>
+            <a:chOff x="474924" y="2957810"/>
+            <a:chExt cx="9253607" cy="3077297"/>
+          </a:xfrm>
+          <a:solidFill>
+            <a:srgbClr val="B455B6"/>
+          </a:solidFill>
+        </p:grpSpPr>
+        <p:sp>
+          <p:nvSpPr>
+            <p:cNvPr id="33" name="TextBox 32">
+              <a:extLst>
+                <a:ext uri="{FF2B5EF4-FFF2-40B4-BE49-F238E27FC236}">
+                  <a16:creationId xmlns:a16="http://schemas.microsoft.com/office/drawing/2014/main" id="{AB9E99C8-552D-4BBE-B454-482818003B35}"/>
+                </a:ext>
+              </a:extLst>
+            </p:cNvPr>
+            <p:cNvSpPr txBox="1"/>
+            <p:nvPr/>
+          </p:nvSpPr>
+          <p:spPr>
+            <a:xfrm>
+              <a:off x="474924" y="2957810"/>
+              <a:ext cx="9253607" cy="3077297"/>
+            </a:xfrm>
+            <a:prstGeom prst="rect">
+              <a:avLst/>
+            </a:prstGeom>
+            <a:grpFill/>
+          </p:spPr>
+          <p:txBody>
+            <a:bodyPr wrap="square" lIns="477925" tIns="382337" rIns="477925" bIns="382337" rtlCol="0" anchor="ctr">
+              <a:noAutofit/>
+            </a:bodyPr>
+            <a:lstStyle>
+              <a:defPPr>
+                <a:defRPr lang="en-US"/>
+              </a:defPPr>
+              <a:lvl1pPr algn="ctr" defTabSz="914224">
+                <a:lnSpc>
+                  <a:spcPct val="90000"/>
+                </a:lnSpc>
+                <a:defRPr sz="2000" kern="0">
+                  <a:gradFill>
+                    <a:gsLst>
+                      <a:gs pos="1250">
+                        <a:srgbClr val="FFFFFF"/>
+                      </a:gs>
+                      <a:gs pos="100000">
+                        <a:srgbClr val="FFFFFF"/>
+                      </a:gs>
+                    </a:gsLst>
+                    <a:lin ang="5400000" scaled="0"/>
+                  </a:gradFill>
+                  <a:latin typeface="Segoe UI Semibold" panose="020B0702040204020203" pitchFamily="34" charset="0"/>
+                  <a:cs typeface="Segoe UI Semibold" panose="020B0702040204020203" pitchFamily="34" charset="0"/>
+                </a:defRPr>
+              </a:lvl1pPr>
+            </a:lstStyle>
+            <a:p>
+              <a:pPr defTabSz="1827607">
+                <a:defRPr/>
+              </a:pPr>
+              <a:endParaRPr lang="en-US" sz="2666" b="1">
+                <a:solidFill>
+                  <a:srgbClr val="FFFFFF"/>
+                </a:solidFill>
+                <a:latin typeface="Segoe UI"/>
+              </a:endParaRPr>
+            </a:p>
+          </p:txBody>
+        </p:sp>
+        <p:sp>
+          <p:nvSpPr>
+            <p:cNvPr id="34" name="TextBox 33">
+              <a:extLst>
+                <a:ext uri="{FF2B5EF4-FFF2-40B4-BE49-F238E27FC236}">
+                  <a16:creationId xmlns:a16="http://schemas.microsoft.com/office/drawing/2014/main" id="{B4C97505-D17B-433B-9600-077FAEEA7FAA}"/>
+                </a:ext>
+              </a:extLst>
+            </p:cNvPr>
+            <p:cNvSpPr txBox="1"/>
+            <p:nvPr/>
+          </p:nvSpPr>
+          <p:spPr>
+            <a:xfrm>
+              <a:off x="532407" y="3148827"/>
+              <a:ext cx="9162736" cy="2618702"/>
+            </a:xfrm>
+            <a:prstGeom prst="rect">
+              <a:avLst/>
+            </a:prstGeom>
+            <a:grpFill/>
+          </p:spPr>
+          <p:txBody>
+            <a:bodyPr wrap="square" lIns="477925" tIns="382337" rIns="477925" bIns="382337" rtlCol="0" anchor="ctr">
+              <a:noAutofit/>
+            </a:bodyPr>
+            <a:lstStyle>
+              <a:defPPr>
+                <a:defRPr lang="en-US"/>
+              </a:defPPr>
+              <a:lvl1pPr algn="ctr" defTabSz="914224">
+                <a:lnSpc>
+                  <a:spcPct val="90000"/>
+                </a:lnSpc>
+                <a:defRPr sz="1600" b="1" kern="0">
+                  <a:gradFill>
+                    <a:gsLst>
+                      <a:gs pos="2804">
+                        <a:srgbClr val="505050"/>
+                      </a:gs>
+                      <a:gs pos="26000">
+                        <a:srgbClr val="505050"/>
+                      </a:gs>
+                    </a:gsLst>
+                    <a:lin ang="5400000" scaled="1"/>
+                  </a:gradFill>
+                  <a:cs typeface="Segoe UI Semilight" panose="020B0402040204020203" pitchFamily="34" charset="0"/>
+                </a:defRPr>
+              </a:lvl1pPr>
+            </a:lstStyle>
+            <a:p>
+              <a:pPr defTabSz="1827607">
+                <a:defRPr/>
+              </a:pPr>
+              <a:r>
+                <a:rPr lang="en-US" sz="4000">
+                  <a:solidFill>
+                    <a:srgbClr val="FFFFFF"/>
+                  </a:solidFill>
+                  <a:latin typeface="Segoe UI Semibold"/>
+                  <a:cs typeface="Segoe UI Semibold"/>
+                </a:rPr>
+                <a:t>iOS</a:t>
+              </a:r>
+            </a:p>
+          </p:txBody>
+        </p:sp>
+      </p:grpSp>
+      <p:grpSp>
+        <p:nvGrpSpPr>
+          <p:cNvPr id="39" name="Group 38">
+            <a:extLst>
+              <a:ext uri="{FF2B5EF4-FFF2-40B4-BE49-F238E27FC236}">
+                <a16:creationId xmlns:a16="http://schemas.microsoft.com/office/drawing/2014/main" id="{2EA59245-1170-41C9-9D0A-567D6BF47620}"/>
+              </a:ext>
+            </a:extLst>
+          </p:cNvPr>
+          <p:cNvGrpSpPr/>
+          <p:nvPr/>
+        </p:nvGrpSpPr>
+        <p:grpSpPr>
+          <a:xfrm>
+            <a:off x="6597775" y="9274907"/>
+            <a:ext cx="3509398" cy="1328653"/>
+            <a:chOff x="474924" y="2957810"/>
+            <a:chExt cx="9253607" cy="3077297"/>
+          </a:xfrm>
+          <a:solidFill>
+            <a:srgbClr val="77D065"/>
+          </a:solidFill>
+        </p:grpSpPr>
+        <p:sp>
+          <p:nvSpPr>
+            <p:cNvPr id="37" name="TextBox 36">
+              <a:extLst>
+                <a:ext uri="{FF2B5EF4-FFF2-40B4-BE49-F238E27FC236}">
+                  <a16:creationId xmlns:a16="http://schemas.microsoft.com/office/drawing/2014/main" id="{459F19CA-17DC-410F-B4B9-AF185962737D}"/>
+                </a:ext>
+              </a:extLst>
+            </p:cNvPr>
+            <p:cNvSpPr txBox="1"/>
+            <p:nvPr/>
+          </p:nvSpPr>
+          <p:spPr>
+            <a:xfrm>
+              <a:off x="474924" y="2957810"/>
+              <a:ext cx="9253607" cy="3077297"/>
+            </a:xfrm>
+            <a:prstGeom prst="rect">
+              <a:avLst/>
+            </a:prstGeom>
+            <a:grpFill/>
+          </p:spPr>
+          <p:txBody>
+            <a:bodyPr wrap="square" lIns="477925" tIns="382337" rIns="477925" bIns="382337" rtlCol="0" anchor="ctr">
+              <a:noAutofit/>
+            </a:bodyPr>
+            <a:lstStyle>
+              <a:defPPr>
+                <a:defRPr lang="en-US"/>
+              </a:defPPr>
+              <a:lvl1pPr algn="ctr" defTabSz="914224">
+                <a:lnSpc>
+                  <a:spcPct val="90000"/>
+                </a:lnSpc>
+                <a:defRPr sz="2000" kern="0">
+                  <a:gradFill>
+                    <a:gsLst>
+                      <a:gs pos="1250">
+                        <a:srgbClr val="FFFFFF"/>
+                      </a:gs>
+                      <a:gs pos="100000">
+                        <a:srgbClr val="FFFFFF"/>
+                      </a:gs>
+                    </a:gsLst>
+                    <a:lin ang="5400000" scaled="0"/>
+                  </a:gradFill>
+                  <a:latin typeface="Segoe UI Semibold" panose="020B0702040204020203" pitchFamily="34" charset="0"/>
+                  <a:cs typeface="Segoe UI Semibold" panose="020B0702040204020203" pitchFamily="34" charset="0"/>
+                </a:defRPr>
+              </a:lvl1pPr>
+            </a:lstStyle>
+            <a:p>
+              <a:pPr defTabSz="1827607">
+                <a:defRPr/>
+              </a:pPr>
+              <a:endParaRPr lang="en-US" sz="2666" b="1">
+                <a:solidFill>
+                  <a:srgbClr val="FFFFFF"/>
+                </a:solidFill>
+                <a:latin typeface="Segoe UI"/>
+              </a:endParaRPr>
+            </a:p>
+          </p:txBody>
+        </p:sp>
+        <p:sp>
+          <p:nvSpPr>
+            <p:cNvPr id="38" name="TextBox 37">
+              <a:extLst>
+                <a:ext uri="{FF2B5EF4-FFF2-40B4-BE49-F238E27FC236}">
+                  <a16:creationId xmlns:a16="http://schemas.microsoft.com/office/drawing/2014/main" id="{19856E43-1D63-4C31-9D18-0EB2AEBB6F52}"/>
+                </a:ext>
+              </a:extLst>
+            </p:cNvPr>
+            <p:cNvSpPr txBox="1"/>
+            <p:nvPr/>
+          </p:nvSpPr>
+          <p:spPr>
+            <a:xfrm>
+              <a:off x="532407" y="3148827"/>
+              <a:ext cx="9162736" cy="2618702"/>
+            </a:xfrm>
+            <a:prstGeom prst="rect">
+              <a:avLst/>
+            </a:prstGeom>
+            <a:grpFill/>
+          </p:spPr>
+          <p:txBody>
+            <a:bodyPr wrap="square" lIns="477925" tIns="382337" rIns="477925" bIns="382337" rtlCol="0" anchor="ctr">
+              <a:noAutofit/>
+            </a:bodyPr>
+            <a:lstStyle>
+              <a:defPPr>
+                <a:defRPr lang="en-US"/>
+              </a:defPPr>
+              <a:lvl1pPr algn="ctr" defTabSz="914224">
+                <a:lnSpc>
+                  <a:spcPct val="90000"/>
+                </a:lnSpc>
+                <a:defRPr sz="1600" b="1" kern="0">
+                  <a:gradFill>
+                    <a:gsLst>
+                      <a:gs pos="2804">
+                        <a:srgbClr val="505050"/>
+                      </a:gs>
+                      <a:gs pos="26000">
+                        <a:srgbClr val="505050"/>
+                      </a:gs>
+                    </a:gsLst>
+                    <a:lin ang="5400000" scaled="1"/>
+                  </a:gradFill>
+                  <a:cs typeface="Segoe UI Semilight" panose="020B0402040204020203" pitchFamily="34" charset="0"/>
+                </a:defRPr>
+              </a:lvl1pPr>
+            </a:lstStyle>
+            <a:p>
+              <a:pPr defTabSz="1827607">
+                <a:defRPr/>
+              </a:pPr>
+              <a:r>
+                <a:rPr lang="en-US" sz="4000">
+                  <a:solidFill>
+                    <a:srgbClr val="FFFFFF"/>
+                  </a:solidFill>
+                  <a:latin typeface="Segoe UI Semibold"/>
+                  <a:cs typeface="Segoe UI Semibold"/>
+                </a:rPr>
+                <a:t>Android</a:t>
+              </a:r>
+            </a:p>
+          </p:txBody>
+        </p:sp>
+      </p:grpSp>
+      <p:sp>
+        <p:nvSpPr>
+          <p:cNvPr id="36" name="TextBox 35">
+            <a:extLst>
+              <a:ext uri="{FF2B5EF4-FFF2-40B4-BE49-F238E27FC236}">
+                <a16:creationId xmlns:a16="http://schemas.microsoft.com/office/drawing/2014/main" id="{848069B7-72F2-4412-9490-6B27F7522FEF}"/>
+              </a:ext>
+            </a:extLst>
+          </p:cNvPr>
+          <p:cNvSpPr txBox="1"/>
+          <p:nvPr/>
+        </p:nvSpPr>
+        <p:spPr>
+          <a:xfrm>
+            <a:off x="2939508" y="6527067"/>
+            <a:ext cx="7062872" cy="1130648"/>
+          </a:xfrm>
+          <a:prstGeom prst="rect">
+            <a:avLst/>
+          </a:prstGeom>
+          <a:solidFill>
+            <a:schemeClr val="accent1">
+              <a:alpha val="10196"/>
+            </a:schemeClr>
+          </a:solidFill>
+        </p:spPr>
+        <p:txBody>
+          <a:bodyPr wrap="square" lIns="477925" tIns="382337" rIns="477925" bIns="382337" rtlCol="0" anchor="ctr">
+            <a:noAutofit/>
+          </a:bodyPr>
+          <a:lstStyle>
+            <a:defPPr>
+              <a:defRPr lang="en-US"/>
+            </a:defPPr>
+            <a:lvl1pPr algn="ctr" defTabSz="914224">
+              <a:lnSpc>
+                <a:spcPct val="90000"/>
+              </a:lnSpc>
+              <a:defRPr sz="1600" b="1" kern="0">
+                <a:gradFill>
+                  <a:gsLst>
+                    <a:gs pos="2804">
+                      <a:srgbClr val="505050"/>
+                    </a:gs>
+                    <a:gs pos="26000">
+                      <a:srgbClr val="505050"/>
+                    </a:gs>
+                  </a:gsLst>
+                  <a:lin ang="5400000" scaled="1"/>
+                </a:gradFill>
+                <a:cs typeface="Segoe UI Semilight" panose="020B0402040204020203" pitchFamily="34" charset="0"/>
+              </a:defRPr>
+            </a:lvl1pPr>
+          </a:lstStyle>
+          <a:p>
+            <a:pPr defTabSz="1827607">
+              <a:defRPr/>
+            </a:pPr>
+            <a:r>
+              <a:rPr lang="en-US" sz="6000" dirty="0">
+                <a:solidFill>
+                  <a:srgbClr val="FFFFFF"/>
+                </a:solidFill>
+                <a:latin typeface="Segoe UI Semibold"/>
+                <a:cs typeface="Segoe UI Semibold"/>
+              </a:rPr>
+              <a:t>.NET MAUI </a:t>
+            </a:r>
+          </a:p>
+        </p:txBody>
+      </p:sp>
+      <p:sp>
+        <p:nvSpPr>
+          <p:cNvPr id="59" name="Text Placeholder 2">
+            <a:extLst>
+              <a:ext uri="{FF2B5EF4-FFF2-40B4-BE49-F238E27FC236}">
+                <a16:creationId xmlns:a16="http://schemas.microsoft.com/office/drawing/2014/main" id="{5EE166D0-AC5D-4A45-ACDE-08D38C4FFAF1}"/>
+              </a:ext>
+            </a:extLst>
+          </p:cNvPr>
+          <p:cNvSpPr txBox="1">
+            <a:spLocks/>
+          </p:cNvSpPr>
+          <p:nvPr/>
+        </p:nvSpPr>
+        <p:spPr>
+          <a:xfrm>
+            <a:off x="13859480" y="7794924"/>
+            <a:ext cx="9985156" cy="5304645"/>
+          </a:xfrm>
+          <a:prstGeom prst="rect">
+            <a:avLst/>
+          </a:prstGeom>
+          <a:solidFill>
+            <a:srgbClr val="A38FE8"/>
+          </a:solidFill>
+        </p:spPr>
+        <p:txBody>
+          <a:bodyPr vert="horz" wrap="square" lIns="292549" tIns="182842" rIns="292549" bIns="182842" rtlCol="0" anchor="t">
             <a:spAutoFit/>
           </a:bodyPr>
-          <a:lstStyle/>
-          <a:p>
-            <a:r>
-              <a:rPr lang="en-US" dirty="0">
-                <a:solidFill>
-                  <a:schemeClr val="bg1"/>
-                </a:solidFill>
-                <a:latin typeface="Consolas" panose="020B0609020204030204" pitchFamily="49" charset="0"/>
-              </a:rPr>
-              <a:t>Code</a:t>
-            </a:r>
-            <a:endParaRPr lang="en-US" sz="7200" dirty="0">
-              <a:solidFill>
-                <a:schemeClr val="bg1"/>
-              </a:solidFill>
+          <a:lstStyle>
+            <a:lvl1pPr marL="336145" marR="0" indent="-336145" algn="l" defTabSz="914367" rtl="0" eaLnBrk="1" fontAlgn="auto" latinLnBrk="0" hangingPunct="1">
+              <a:lnSpc>
+                <a:spcPct val="90000"/>
+              </a:lnSpc>
+              <a:spcBef>
+                <a:spcPct val="20000"/>
+              </a:spcBef>
+              <a:spcAft>
+                <a:spcPts val="0"/>
+              </a:spcAft>
+              <a:buClrTx/>
+              <a:buSzPct val="90000"/>
+              <a:buFont typeface="Arial" pitchFamily="34" charset="0"/>
+              <a:buChar char="•"/>
+              <a:tabLst/>
+              <a:defRPr sz="3200" kern="1200" spc="0" baseline="0">
+                <a:gradFill>
+                  <a:gsLst>
+                    <a:gs pos="1250">
+                      <a:schemeClr val="tx1"/>
+                    </a:gs>
+                    <a:gs pos="100000">
+                      <a:schemeClr val="tx1"/>
+                    </a:gs>
+                  </a:gsLst>
+                  <a:lin ang="5400000" scaled="0"/>
+                </a:gradFill>
+                <a:latin typeface="Segoe UI" panose="020B0502040204020203" pitchFamily="34" charset="0"/>
+                <a:ea typeface="+mn-ea"/>
+                <a:cs typeface="Segoe UI" panose="020B0502040204020203" pitchFamily="34" charset="0"/>
+              </a:defRPr>
+            </a:lvl1pPr>
+            <a:lvl2pPr marL="572691" marR="0" indent="-236546" algn="l" defTabSz="914367" rtl="0" eaLnBrk="1" fontAlgn="auto" latinLnBrk="0" hangingPunct="1">
+              <a:lnSpc>
+                <a:spcPct val="90000"/>
+              </a:lnSpc>
+              <a:spcBef>
+                <a:spcPct val="20000"/>
+              </a:spcBef>
+              <a:spcAft>
+                <a:spcPts val="0"/>
+              </a:spcAft>
+              <a:buClrTx/>
+              <a:buSzPct val="90000"/>
+              <a:buFont typeface="Arial" pitchFamily="34" charset="0"/>
+              <a:buChar char="•"/>
+              <a:tabLst/>
+              <a:defRPr sz="1800" kern="1200" spc="0" baseline="0">
+                <a:gradFill>
+                  <a:gsLst>
+                    <a:gs pos="1250">
+                      <a:schemeClr val="tx1"/>
+                    </a:gs>
+                    <a:gs pos="100000">
+                      <a:schemeClr val="tx1"/>
+                    </a:gs>
+                  </a:gsLst>
+                  <a:lin ang="5400000" scaled="0"/>
+                </a:gradFill>
+                <a:latin typeface="Segoe UI" panose="020B0502040204020203" pitchFamily="34" charset="0"/>
+                <a:ea typeface="+mn-ea"/>
+                <a:cs typeface="Segoe UI" panose="020B0502040204020203" pitchFamily="34" charset="0"/>
+              </a:defRPr>
+            </a:lvl2pPr>
+            <a:lvl3pPr marL="784338" marR="0" indent="-224097" algn="l" defTabSz="914367" rtl="0" eaLnBrk="1" fontAlgn="auto" latinLnBrk="0" hangingPunct="1">
+              <a:lnSpc>
+                <a:spcPct val="90000"/>
+              </a:lnSpc>
+              <a:spcBef>
+                <a:spcPct val="20000"/>
+              </a:spcBef>
+              <a:spcAft>
+                <a:spcPts val="0"/>
+              </a:spcAft>
+              <a:buClrTx/>
+              <a:buSzPct val="90000"/>
+              <a:buFont typeface="Arial" pitchFamily="34" charset="0"/>
+              <a:buChar char="•"/>
+              <a:tabLst/>
+              <a:defRPr sz="1600" kern="1200" spc="0" baseline="0">
+                <a:gradFill>
+                  <a:gsLst>
+                    <a:gs pos="1250">
+                      <a:schemeClr val="tx1"/>
+                    </a:gs>
+                    <a:gs pos="100000">
+                      <a:schemeClr val="tx1"/>
+                    </a:gs>
+                  </a:gsLst>
+                  <a:lin ang="5400000" scaled="0"/>
+                </a:gradFill>
+                <a:latin typeface="Segoe UI" panose="020B0502040204020203" pitchFamily="34" charset="0"/>
+                <a:ea typeface="+mn-ea"/>
+                <a:cs typeface="Segoe UI" panose="020B0502040204020203" pitchFamily="34" charset="0"/>
+              </a:defRPr>
+            </a:lvl3pPr>
+            <a:lvl4pPr marL="1008435" marR="0" indent="-224097" algn="l" defTabSz="914367" rtl="0" eaLnBrk="1" fontAlgn="auto" latinLnBrk="0" hangingPunct="1">
+              <a:lnSpc>
+                <a:spcPct val="90000"/>
+              </a:lnSpc>
+              <a:spcBef>
+                <a:spcPct val="20000"/>
+              </a:spcBef>
+              <a:spcAft>
+                <a:spcPts val="0"/>
+              </a:spcAft>
+              <a:buClrTx/>
+              <a:buSzPct val="90000"/>
+              <a:buFont typeface="Arial" pitchFamily="34" charset="0"/>
+              <a:buChar char="•"/>
+              <a:tabLst/>
+              <a:defRPr sz="1400" kern="1200" spc="0" baseline="0">
+                <a:gradFill>
+                  <a:gsLst>
+                    <a:gs pos="1250">
+                      <a:schemeClr val="tx1"/>
+                    </a:gs>
+                    <a:gs pos="100000">
+                      <a:schemeClr val="tx1"/>
+                    </a:gs>
+                  </a:gsLst>
+                  <a:lin ang="5400000" scaled="0"/>
+                </a:gradFill>
+                <a:latin typeface="Segoe UI" panose="020B0502040204020203" pitchFamily="34" charset="0"/>
+                <a:ea typeface="+mn-ea"/>
+                <a:cs typeface="Segoe UI" panose="020B0502040204020203" pitchFamily="34" charset="0"/>
+              </a:defRPr>
+            </a:lvl4pPr>
+            <a:lvl5pPr marL="1232531" marR="0" indent="-224097" algn="l" defTabSz="914367" rtl="0" eaLnBrk="1" fontAlgn="auto" latinLnBrk="0" hangingPunct="1">
+              <a:lnSpc>
+                <a:spcPct val="90000"/>
+              </a:lnSpc>
+              <a:spcBef>
+                <a:spcPct val="20000"/>
+              </a:spcBef>
+              <a:spcAft>
+                <a:spcPts val="0"/>
+              </a:spcAft>
+              <a:buClrTx/>
+              <a:buSzPct val="90000"/>
+              <a:buFont typeface="Arial" pitchFamily="34" charset="0"/>
+              <a:buChar char="•"/>
+              <a:tabLst/>
+              <a:defRPr sz="1400" kern="1200" spc="0" baseline="0">
+                <a:gradFill>
+                  <a:gsLst>
+                    <a:gs pos="1250">
+                      <a:schemeClr val="tx1"/>
+                    </a:gs>
+                    <a:gs pos="100000">
+                      <a:schemeClr val="tx1"/>
+                    </a:gs>
+                  </a:gsLst>
+                  <a:lin ang="5400000" scaled="0"/>
+                </a:gradFill>
+                <a:latin typeface="Segoe UI" panose="020B0502040204020203" pitchFamily="34" charset="0"/>
+                <a:ea typeface="+mn-ea"/>
+                <a:cs typeface="Segoe UI" panose="020B0502040204020203" pitchFamily="34" charset="0"/>
+              </a:defRPr>
+            </a:lvl5pPr>
+            <a:lvl6pPr marL="2514509" indent="-228592" algn="l" defTabSz="914367" rtl="0" eaLnBrk="1" latinLnBrk="0" hangingPunct="1">
+              <a:spcBef>
+                <a:spcPct val="20000"/>
+              </a:spcBef>
+              <a:buFont typeface="Arial" pitchFamily="34" charset="0"/>
+              <a:buChar char="•"/>
+              <a:defRPr sz="1961" kern="1200">
+                <a:solidFill>
+                  <a:schemeClr val="tx1"/>
+                </a:solidFill>
+                <a:latin typeface="+mn-lt"/>
+                <a:ea typeface="+mn-ea"/>
+                <a:cs typeface="+mn-cs"/>
+              </a:defRPr>
+            </a:lvl6pPr>
+            <a:lvl7pPr marL="2971693" indent="-228592" algn="l" defTabSz="914367" rtl="0" eaLnBrk="1" latinLnBrk="0" hangingPunct="1">
+              <a:spcBef>
+                <a:spcPct val="20000"/>
+              </a:spcBef>
+              <a:buFont typeface="Arial" pitchFamily="34" charset="0"/>
+              <a:buChar char="•"/>
+              <a:defRPr sz="1961" kern="1200">
+                <a:solidFill>
+                  <a:schemeClr val="tx1"/>
+                </a:solidFill>
+                <a:latin typeface="+mn-lt"/>
+                <a:ea typeface="+mn-ea"/>
+                <a:cs typeface="+mn-cs"/>
+              </a:defRPr>
+            </a:lvl7pPr>
+            <a:lvl8pPr marL="3428877" indent="-228592" algn="l" defTabSz="914367" rtl="0" eaLnBrk="1" latinLnBrk="0" hangingPunct="1">
+              <a:spcBef>
+                <a:spcPct val="20000"/>
+              </a:spcBef>
+              <a:buFont typeface="Arial" pitchFamily="34" charset="0"/>
+              <a:buChar char="•"/>
+              <a:defRPr sz="1961" kern="1200">
+                <a:solidFill>
+                  <a:schemeClr val="tx1"/>
+                </a:solidFill>
+                <a:latin typeface="+mn-lt"/>
+                <a:ea typeface="+mn-ea"/>
+                <a:cs typeface="+mn-cs"/>
+              </a:defRPr>
+            </a:lvl8pPr>
+            <a:lvl9pPr marL="3886061" indent="-228592" algn="l" defTabSz="914367" rtl="0" eaLnBrk="1" latinLnBrk="0" hangingPunct="1">
+              <a:spcBef>
+                <a:spcPct val="20000"/>
+              </a:spcBef>
+              <a:buFont typeface="Arial" pitchFamily="34" charset="0"/>
+              <a:buChar char="•"/>
+              <a:defRPr sz="1961" kern="1200">
+                <a:solidFill>
+                  <a:schemeClr val="tx1"/>
+                </a:solidFill>
+                <a:latin typeface="+mn-lt"/>
+                <a:ea typeface="+mn-ea"/>
+                <a:cs typeface="+mn-cs"/>
+              </a:defRPr>
+            </a:lvl9pPr>
+          </a:lstStyle>
+          <a:p>
+            <a:pPr marL="0" indent="0">
+              <a:buNone/>
+            </a:pPr>
+            <a:r>
+              <a:rPr lang="en-US" sz="3530" dirty="0">
+                <a:latin typeface="Segoe UI Light" panose="020B0502040204020203" pitchFamily="34" charset="0"/>
+                <a:cs typeface="Segoe UI Light" panose="020B0502040204020203" pitchFamily="34" charset="0"/>
+              </a:rPr>
+              <a:t>File | New</a:t>
+            </a:r>
+          </a:p>
+          <a:p>
+            <a:pPr marL="914178" indent="-914178"/>
+            <a:r>
+              <a:rPr lang="en-US" sz="2744" dirty="0">
+                <a:latin typeface="Segoe UI"/>
+                <a:cs typeface="Segoe UI"/>
+              </a:rPr>
+              <a:t>Multi-platform App UI (.NET)</a:t>
+            </a:r>
+          </a:p>
+          <a:p>
+            <a:pPr marL="914178" indent="-914178"/>
+            <a:endParaRPr lang="en-US" sz="2744" dirty="0">
+              <a:latin typeface="Segoe UI"/>
+              <a:cs typeface="Segoe UI"/>
             </a:endParaRPr>
+          </a:p>
+          <a:p>
+            <a:pPr marL="0" indent="0">
+              <a:buNone/>
+            </a:pPr>
+            <a:r>
+              <a:rPr lang="en-US" sz="3530" dirty="0">
+                <a:latin typeface="Segoe UI Light"/>
+                <a:cs typeface="Segoe UI"/>
+              </a:rPr>
+              <a:t>CLI</a:t>
+            </a:r>
+          </a:p>
+          <a:p>
+            <a:pPr marL="671668" indent="-671668"/>
+            <a:r>
+              <a:rPr lang="en-US" sz="2744" dirty="0">
+                <a:latin typeface="Segoe UI"/>
+                <a:cs typeface="Segoe UI"/>
+              </a:rPr>
+              <a:t>dotnet install </a:t>
+            </a:r>
+            <a:r>
+              <a:rPr lang="en-US" sz="2744" dirty="0" err="1">
+                <a:latin typeface="Segoe UI"/>
+                <a:cs typeface="Segoe UI"/>
+              </a:rPr>
+              <a:t>maui</a:t>
+            </a:r>
+            <a:endParaRPr lang="en-US" sz="2744" dirty="0"/>
+          </a:p>
+          <a:p>
+            <a:pPr marL="671668" indent="-671668"/>
+            <a:r>
+              <a:rPr lang="en-US" sz="2744" dirty="0">
+                <a:latin typeface="Segoe UI"/>
+                <a:cs typeface="Segoe UI"/>
+              </a:rPr>
+              <a:t>dotnet new </a:t>
+            </a:r>
+            <a:r>
+              <a:rPr lang="en-US" sz="2744" dirty="0" err="1">
+                <a:latin typeface="Segoe UI"/>
+                <a:cs typeface="Segoe UI"/>
+              </a:rPr>
+              <a:t>maui</a:t>
+            </a:r>
+            <a:endParaRPr lang="en-US" sz="2744" dirty="0">
+              <a:latin typeface="Segoe UI"/>
+              <a:cs typeface="Segoe UI"/>
+            </a:endParaRPr>
+          </a:p>
+          <a:p>
+            <a:pPr marL="671668" indent="-671668"/>
+            <a:endParaRPr lang="en-US" sz="2744" dirty="0">
+              <a:latin typeface="Segoe UI"/>
+              <a:cs typeface="Segoe UI"/>
+            </a:endParaRPr>
+          </a:p>
+          <a:p>
+            <a:pPr marL="0" indent="0">
+              <a:buNone/>
+            </a:pPr>
+            <a:r>
+              <a:rPr lang="en-US" sz="3530" dirty="0">
+                <a:latin typeface="Segoe UI Light" panose="020B0502040204020203" pitchFamily="34" charset="0"/>
+                <a:cs typeface="Segoe UI Light" panose="020B0502040204020203" pitchFamily="34" charset="0"/>
+              </a:rPr>
+              <a:t>Namespaces </a:t>
+            </a:r>
+          </a:p>
+          <a:p>
+            <a:pPr marL="914178" indent="-914178"/>
+            <a:r>
+              <a:rPr lang="en-US" sz="2744" dirty="0" err="1">
+                <a:latin typeface="Segoe UI"/>
+                <a:cs typeface="Segoe UI"/>
+              </a:rPr>
+              <a:t>Microsoft.Maui</a:t>
+            </a:r>
+            <a:r>
+              <a:rPr lang="en-US" sz="2744" dirty="0">
+                <a:latin typeface="Segoe UI"/>
+                <a:cs typeface="Segoe UI"/>
+              </a:rPr>
+              <a:t> 	(previously </a:t>
+            </a:r>
+            <a:r>
+              <a:rPr lang="en-US" sz="2744" dirty="0" err="1">
+                <a:latin typeface="Segoe UI"/>
+                <a:cs typeface="Segoe UI"/>
+              </a:rPr>
+              <a:t>Xamarin.Forms</a:t>
+            </a:r>
+            <a:r>
+              <a:rPr lang="en-US" sz="2744" dirty="0">
+                <a:latin typeface="Segoe UI"/>
+                <a:cs typeface="Segoe UI"/>
+              </a:rPr>
+              <a:t>)</a:t>
+            </a:r>
+          </a:p>
+          <a:p>
+            <a:pPr marL="914178" indent="-914178"/>
+            <a:r>
+              <a:rPr lang="en-US" sz="2744" dirty="0" err="1">
+                <a:latin typeface="Segoe UI"/>
+                <a:cs typeface="Segoe UI"/>
+              </a:rPr>
+              <a:t>Microsoft.Device</a:t>
+            </a:r>
+            <a:r>
+              <a:rPr lang="en-US" sz="2744" dirty="0">
+                <a:latin typeface="Segoe UI"/>
+                <a:cs typeface="Segoe UI"/>
+              </a:rPr>
+              <a:t> 	(previously </a:t>
+            </a:r>
+            <a:r>
+              <a:rPr lang="en-US" sz="2744" dirty="0" err="1">
+                <a:latin typeface="Segoe UI"/>
+                <a:cs typeface="Segoe UI"/>
+              </a:rPr>
+              <a:t>Xamarin.Essentials</a:t>
+            </a:r>
+            <a:r>
+              <a:rPr lang="en-US" sz="2744" dirty="0">
+                <a:latin typeface="Segoe UI"/>
+                <a:cs typeface="Segoe UI"/>
+              </a:rPr>
+              <a:t>)</a:t>
+            </a:r>
+            <a:endParaRPr lang="en-US" sz="2744" dirty="0"/>
+          </a:p>
+        </p:txBody>
+      </p:sp>
+      <p:sp>
+        <p:nvSpPr>
+          <p:cNvPr id="62" name="Text Placeholder 2">
+            <a:extLst>
+              <a:ext uri="{FF2B5EF4-FFF2-40B4-BE49-F238E27FC236}">
+                <a16:creationId xmlns:a16="http://schemas.microsoft.com/office/drawing/2014/main" id="{95618F03-1C8B-44EA-84A5-90C137A669D1}"/>
+              </a:ext>
+            </a:extLst>
+          </p:cNvPr>
+          <p:cNvSpPr txBox="1">
+            <a:spLocks/>
+          </p:cNvSpPr>
+          <p:nvPr/>
+        </p:nvSpPr>
+        <p:spPr>
+          <a:xfrm>
+            <a:off x="409265" y="11124208"/>
+            <a:ext cx="13450216" cy="2541453"/>
+          </a:xfrm>
+          <a:prstGeom prst="rect">
+            <a:avLst/>
+          </a:prstGeom>
+        </p:spPr>
+        <p:txBody>
+          <a:bodyPr vert="horz" wrap="square" lIns="292549" tIns="182842" rIns="292549" bIns="182842" rtlCol="0" anchor="t">
+            <a:spAutoFit/>
+          </a:bodyPr>
+          <a:lstStyle>
+            <a:lvl1pPr marL="336145" marR="0" indent="-336145" algn="l" defTabSz="914367" rtl="0" eaLnBrk="1" fontAlgn="auto" latinLnBrk="0" hangingPunct="1">
+              <a:lnSpc>
+                <a:spcPct val="90000"/>
+              </a:lnSpc>
+              <a:spcBef>
+                <a:spcPct val="20000"/>
+              </a:spcBef>
+              <a:spcAft>
+                <a:spcPts val="0"/>
+              </a:spcAft>
+              <a:buClrTx/>
+              <a:buSzPct val="90000"/>
+              <a:buFont typeface="Arial" pitchFamily="34" charset="0"/>
+              <a:buChar char="•"/>
+              <a:tabLst/>
+              <a:defRPr sz="3200" kern="1200" spc="0" baseline="0">
+                <a:gradFill>
+                  <a:gsLst>
+                    <a:gs pos="1250">
+                      <a:schemeClr val="tx1"/>
+                    </a:gs>
+                    <a:gs pos="100000">
+                      <a:schemeClr val="tx1"/>
+                    </a:gs>
+                  </a:gsLst>
+                  <a:lin ang="5400000" scaled="0"/>
+                </a:gradFill>
+                <a:latin typeface="Segoe UI" panose="020B0502040204020203" pitchFamily="34" charset="0"/>
+                <a:ea typeface="+mn-ea"/>
+                <a:cs typeface="Segoe UI" panose="020B0502040204020203" pitchFamily="34" charset="0"/>
+              </a:defRPr>
+            </a:lvl1pPr>
+            <a:lvl2pPr marL="572691" marR="0" indent="-236546" algn="l" defTabSz="914367" rtl="0" eaLnBrk="1" fontAlgn="auto" latinLnBrk="0" hangingPunct="1">
+              <a:lnSpc>
+                <a:spcPct val="90000"/>
+              </a:lnSpc>
+              <a:spcBef>
+                <a:spcPct val="20000"/>
+              </a:spcBef>
+              <a:spcAft>
+                <a:spcPts val="0"/>
+              </a:spcAft>
+              <a:buClrTx/>
+              <a:buSzPct val="90000"/>
+              <a:buFont typeface="Arial" pitchFamily="34" charset="0"/>
+              <a:buChar char="•"/>
+              <a:tabLst/>
+              <a:defRPr sz="1800" kern="1200" spc="0" baseline="0">
+                <a:gradFill>
+                  <a:gsLst>
+                    <a:gs pos="1250">
+                      <a:schemeClr val="tx1"/>
+                    </a:gs>
+                    <a:gs pos="100000">
+                      <a:schemeClr val="tx1"/>
+                    </a:gs>
+                  </a:gsLst>
+                  <a:lin ang="5400000" scaled="0"/>
+                </a:gradFill>
+                <a:latin typeface="Segoe UI" panose="020B0502040204020203" pitchFamily="34" charset="0"/>
+                <a:ea typeface="+mn-ea"/>
+                <a:cs typeface="Segoe UI" panose="020B0502040204020203" pitchFamily="34" charset="0"/>
+              </a:defRPr>
+            </a:lvl2pPr>
+            <a:lvl3pPr marL="784338" marR="0" indent="-224097" algn="l" defTabSz="914367" rtl="0" eaLnBrk="1" fontAlgn="auto" latinLnBrk="0" hangingPunct="1">
+              <a:lnSpc>
+                <a:spcPct val="90000"/>
+              </a:lnSpc>
+              <a:spcBef>
+                <a:spcPct val="20000"/>
+              </a:spcBef>
+              <a:spcAft>
+                <a:spcPts val="0"/>
+              </a:spcAft>
+              <a:buClrTx/>
+              <a:buSzPct val="90000"/>
+              <a:buFont typeface="Arial" pitchFamily="34" charset="0"/>
+              <a:buChar char="•"/>
+              <a:tabLst/>
+              <a:defRPr sz="1600" kern="1200" spc="0" baseline="0">
+                <a:gradFill>
+                  <a:gsLst>
+                    <a:gs pos="1250">
+                      <a:schemeClr val="tx1"/>
+                    </a:gs>
+                    <a:gs pos="100000">
+                      <a:schemeClr val="tx1"/>
+                    </a:gs>
+                  </a:gsLst>
+                  <a:lin ang="5400000" scaled="0"/>
+                </a:gradFill>
+                <a:latin typeface="Segoe UI" panose="020B0502040204020203" pitchFamily="34" charset="0"/>
+                <a:ea typeface="+mn-ea"/>
+                <a:cs typeface="Segoe UI" panose="020B0502040204020203" pitchFamily="34" charset="0"/>
+              </a:defRPr>
+            </a:lvl3pPr>
+            <a:lvl4pPr marL="1008435" marR="0" indent="-224097" algn="l" defTabSz="914367" rtl="0" eaLnBrk="1" fontAlgn="auto" latinLnBrk="0" hangingPunct="1">
+              <a:lnSpc>
+                <a:spcPct val="90000"/>
+              </a:lnSpc>
+              <a:spcBef>
+                <a:spcPct val="20000"/>
+              </a:spcBef>
+              <a:spcAft>
+                <a:spcPts val="0"/>
+              </a:spcAft>
+              <a:buClrTx/>
+              <a:buSzPct val="90000"/>
+              <a:buFont typeface="Arial" pitchFamily="34" charset="0"/>
+              <a:buChar char="•"/>
+              <a:tabLst/>
+              <a:defRPr sz="1400" kern="1200" spc="0" baseline="0">
+                <a:gradFill>
+                  <a:gsLst>
+                    <a:gs pos="1250">
+                      <a:schemeClr val="tx1"/>
+                    </a:gs>
+                    <a:gs pos="100000">
+                      <a:schemeClr val="tx1"/>
+                    </a:gs>
+                  </a:gsLst>
+                  <a:lin ang="5400000" scaled="0"/>
+                </a:gradFill>
+                <a:latin typeface="Segoe UI" panose="020B0502040204020203" pitchFamily="34" charset="0"/>
+                <a:ea typeface="+mn-ea"/>
+                <a:cs typeface="Segoe UI" panose="020B0502040204020203" pitchFamily="34" charset="0"/>
+              </a:defRPr>
+            </a:lvl4pPr>
+            <a:lvl5pPr marL="1232531" marR="0" indent="-224097" algn="l" defTabSz="914367" rtl="0" eaLnBrk="1" fontAlgn="auto" latinLnBrk="0" hangingPunct="1">
+              <a:lnSpc>
+                <a:spcPct val="90000"/>
+              </a:lnSpc>
+              <a:spcBef>
+                <a:spcPct val="20000"/>
+              </a:spcBef>
+              <a:spcAft>
+                <a:spcPts val="0"/>
+              </a:spcAft>
+              <a:buClrTx/>
+              <a:buSzPct val="90000"/>
+              <a:buFont typeface="Arial" pitchFamily="34" charset="0"/>
+              <a:buChar char="•"/>
+              <a:tabLst/>
+              <a:defRPr sz="1400" kern="1200" spc="0" baseline="0">
+                <a:gradFill>
+                  <a:gsLst>
+                    <a:gs pos="1250">
+                      <a:schemeClr val="tx1"/>
+                    </a:gs>
+                    <a:gs pos="100000">
+                      <a:schemeClr val="tx1"/>
+                    </a:gs>
+                  </a:gsLst>
+                  <a:lin ang="5400000" scaled="0"/>
+                </a:gradFill>
+                <a:latin typeface="Segoe UI" panose="020B0502040204020203" pitchFamily="34" charset="0"/>
+                <a:ea typeface="+mn-ea"/>
+                <a:cs typeface="Segoe UI" panose="020B0502040204020203" pitchFamily="34" charset="0"/>
+              </a:defRPr>
+            </a:lvl5pPr>
+            <a:lvl6pPr marL="2514509" indent="-228592" algn="l" defTabSz="914367" rtl="0" eaLnBrk="1" latinLnBrk="0" hangingPunct="1">
+              <a:spcBef>
+                <a:spcPct val="20000"/>
+              </a:spcBef>
+              <a:buFont typeface="Arial" pitchFamily="34" charset="0"/>
+              <a:buChar char="•"/>
+              <a:defRPr sz="1961" kern="1200">
+                <a:solidFill>
+                  <a:schemeClr val="tx1"/>
+                </a:solidFill>
+                <a:latin typeface="+mn-lt"/>
+                <a:ea typeface="+mn-ea"/>
+                <a:cs typeface="+mn-cs"/>
+              </a:defRPr>
+            </a:lvl6pPr>
+            <a:lvl7pPr marL="2971693" indent="-228592" algn="l" defTabSz="914367" rtl="0" eaLnBrk="1" latinLnBrk="0" hangingPunct="1">
+              <a:spcBef>
+                <a:spcPct val="20000"/>
+              </a:spcBef>
+              <a:buFont typeface="Arial" pitchFamily="34" charset="0"/>
+              <a:buChar char="•"/>
+              <a:defRPr sz="1961" kern="1200">
+                <a:solidFill>
+                  <a:schemeClr val="tx1"/>
+                </a:solidFill>
+                <a:latin typeface="+mn-lt"/>
+                <a:ea typeface="+mn-ea"/>
+                <a:cs typeface="+mn-cs"/>
+              </a:defRPr>
+            </a:lvl7pPr>
+            <a:lvl8pPr marL="3428877" indent="-228592" algn="l" defTabSz="914367" rtl="0" eaLnBrk="1" latinLnBrk="0" hangingPunct="1">
+              <a:spcBef>
+                <a:spcPct val="20000"/>
+              </a:spcBef>
+              <a:buFont typeface="Arial" pitchFamily="34" charset="0"/>
+              <a:buChar char="•"/>
+              <a:defRPr sz="1961" kern="1200">
+                <a:solidFill>
+                  <a:schemeClr val="tx1"/>
+                </a:solidFill>
+                <a:latin typeface="+mn-lt"/>
+                <a:ea typeface="+mn-ea"/>
+                <a:cs typeface="+mn-cs"/>
+              </a:defRPr>
+            </a:lvl8pPr>
+            <a:lvl9pPr marL="3886061" indent="-228592" algn="l" defTabSz="914367" rtl="0" eaLnBrk="1" latinLnBrk="0" hangingPunct="1">
+              <a:spcBef>
+                <a:spcPct val="20000"/>
+              </a:spcBef>
+              <a:buFont typeface="Arial" pitchFamily="34" charset="0"/>
+              <a:buChar char="•"/>
+              <a:defRPr sz="1961" kern="1200">
+                <a:solidFill>
+                  <a:schemeClr val="tx1"/>
+                </a:solidFill>
+                <a:latin typeface="+mn-lt"/>
+                <a:ea typeface="+mn-ea"/>
+                <a:cs typeface="+mn-cs"/>
+              </a:defRPr>
+            </a:lvl9pPr>
+          </a:lstStyle>
+          <a:p>
+            <a:pPr marL="0" indent="0">
+              <a:buNone/>
+            </a:pPr>
+            <a:r>
+              <a:rPr lang="en-US" sz="3530" dirty="0">
+                <a:latin typeface="Segoe UI Light"/>
+                <a:cs typeface="Segoe UI"/>
+              </a:rPr>
+              <a:t>Compatibility</a:t>
+            </a:r>
+          </a:p>
+          <a:p>
+            <a:pPr marL="671668" indent="-671668"/>
+            <a:r>
+              <a:rPr lang="en-US" sz="2400" b="1" dirty="0">
+                <a:latin typeface="Segoe UI"/>
+                <a:cs typeface="Segoe UI"/>
+              </a:rPr>
+              <a:t>Minimal</a:t>
+            </a:r>
+            <a:r>
+              <a:rPr lang="en-US" sz="2400" dirty="0">
+                <a:latin typeface="Segoe UI"/>
+                <a:cs typeface="Segoe UI"/>
+              </a:rPr>
+              <a:t> API Changes – All add developer value (perf, dev loop, etc.)</a:t>
+            </a:r>
+          </a:p>
+          <a:p>
+            <a:pPr marL="671668" indent="-671668"/>
+            <a:r>
+              <a:rPr lang="en-US" sz="2400" b="1" dirty="0">
+                <a:latin typeface="Segoe UI"/>
+                <a:cs typeface="Segoe UI"/>
+              </a:rPr>
+              <a:t>Migration support</a:t>
+            </a:r>
+            <a:r>
+              <a:rPr lang="en-US" sz="2400" dirty="0">
+                <a:latin typeface="Segoe UI"/>
+                <a:cs typeface="Segoe UI"/>
+              </a:rPr>
+              <a:t> for Xamarin &amp; </a:t>
+            </a:r>
+            <a:r>
+              <a:rPr lang="en-US" sz="2400" dirty="0" err="1">
+                <a:latin typeface="Segoe UI"/>
+                <a:cs typeface="Segoe UI"/>
+              </a:rPr>
+              <a:t>Xamarin.Forms</a:t>
+            </a:r>
+            <a:endParaRPr lang="en-US" sz="2400" dirty="0">
+              <a:latin typeface="Segoe UI"/>
+              <a:cs typeface="Segoe UI"/>
+            </a:endParaRPr>
+          </a:p>
+          <a:p>
+            <a:pPr marL="671668" indent="-671668"/>
+            <a:r>
+              <a:rPr lang="en-US" sz="2400" dirty="0"/>
+              <a:t>Existing </a:t>
+            </a:r>
+            <a:r>
+              <a:rPr lang="en-US" sz="2400" dirty="0" err="1"/>
+              <a:t>Xamarin.Forms</a:t>
+            </a:r>
+            <a:r>
+              <a:rPr lang="en-US" sz="2400" dirty="0"/>
+              <a:t> app support for </a:t>
+            </a:r>
+            <a:r>
+              <a:rPr lang="en-US" sz="2400" b="1" dirty="0"/>
+              <a:t>two-years</a:t>
+            </a:r>
+            <a:r>
+              <a:rPr lang="en-US" sz="2400" dirty="0"/>
+              <a:t> window after release of .NET MAUI</a:t>
+            </a:r>
+          </a:p>
+          <a:p>
+            <a:pPr marL="671668" indent="-671668"/>
+            <a:endParaRPr lang="en-US" sz="2744" dirty="0"/>
           </a:p>
         </p:txBody>
       </p:sp>
     </p:spTree>
     <p:extLst>
       <p:ext uri="{BB962C8B-B14F-4D97-AF65-F5344CB8AC3E}">
-        <p14:creationId xmlns:p14="http://schemas.microsoft.com/office/powerpoint/2010/main" val="3968015001"/>
+        <p14:creationId xmlns:p14="http://schemas.microsoft.com/office/powerpoint/2010/main" val="946623968"/>
       </p:ext>
     </p:extLst>
   </p:cSld>
   <p:clrMapOvr>
     <a:masterClrMapping/>
   </p:clrMapOvr>
-  <p:transition>
-    <p:fade/>
-  </p:transition>
+  <mc:AlternateContent xmlns:mc="http://schemas.openxmlformats.org/markup-compatibility/2006" xmlns:p14="http://schemas.microsoft.com/office/powerpoint/2010/main">
+    <mc:Choice Requires="p14">
+      <p:transition spd="med" p14:dur="700">
+        <p:fade/>
+      </p:transition>
+    </mc:Choice>
+    <mc:Fallback xmlns="">
+      <p:transition spd="med">
+        <p:fade/>
+      </p:transition>
+    </mc:Fallback>
+  </mc:AlternateContent>
   <p:timing>
     <p:tnLst>
       <p:par>
@@ -4428,7 +7993,7 @@
                             </p:stCondLst>
                             <p:childTnLst>
                               <p:par>
-                                <p:cTn id="5" presetID="1" presetClass="entr" presetSubtype="0" fill="hold" grpId="0" nodeType="clickEffect">
+                                <p:cTn id="5" presetID="10" presetClass="entr" presetSubtype="0" fill="hold" nodeType="clickEffect">
                                   <p:stCondLst>
                                     <p:cond delay="0"/>
                                   </p:stCondLst>
@@ -4441,7 +8006,7 @@
                                           </p:stCondLst>
                                         </p:cTn>
                                         <p:tgtEl>
-                                          <p:spTgt spid="12"/>
+                                          <p:spTgt spid="23"/>
                                         </p:tgtEl>
                                         <p:attrNameLst>
                                           <p:attrName>style.visibility</p:attrName>
@@ -4451,6 +8016,651 @@
                                         <p:strVal val="visible"/>
                                       </p:to>
                                     </p:set>
+                                    <p:animEffect transition="in" filter="fade">
+                                      <p:cBhvr>
+                                        <p:cTn id="7" dur="500"/>
+                                        <p:tgtEl>
+                                          <p:spTgt spid="23"/>
+                                        </p:tgtEl>
+                                      </p:cBhvr>
+                                    </p:animEffect>
+                                  </p:childTnLst>
+                                </p:cTn>
+                              </p:par>
+                            </p:childTnLst>
+                          </p:cTn>
+                        </p:par>
+                        <p:par>
+                          <p:cTn id="8" fill="hold">
+                            <p:stCondLst>
+                              <p:cond delay="500"/>
+                            </p:stCondLst>
+                            <p:childTnLst>
+                              <p:par>
+                                <p:cTn id="9" presetID="10" presetClass="entr" presetSubtype="0" fill="hold" grpId="0" nodeType="afterEffect">
+                                  <p:stCondLst>
+                                    <p:cond delay="0"/>
+                                  </p:stCondLst>
+                                  <p:childTnLst>
+                                    <p:set>
+                                      <p:cBhvr>
+                                        <p:cTn id="10" dur="1" fill="hold">
+                                          <p:stCondLst>
+                                            <p:cond delay="0"/>
+                                          </p:stCondLst>
+                                        </p:cTn>
+                                        <p:tgtEl>
+                                          <p:spTgt spid="5"/>
+                                        </p:tgtEl>
+                                        <p:attrNameLst>
+                                          <p:attrName>style.visibility</p:attrName>
+                                        </p:attrNameLst>
+                                      </p:cBhvr>
+                                      <p:to>
+                                        <p:strVal val="visible"/>
+                                      </p:to>
+                                    </p:set>
+                                    <p:animEffect transition="in" filter="fade">
+                                      <p:cBhvr>
+                                        <p:cTn id="11" dur="500"/>
+                                        <p:tgtEl>
+                                          <p:spTgt spid="5"/>
+                                        </p:tgtEl>
+                                      </p:cBhvr>
+                                    </p:animEffect>
+                                  </p:childTnLst>
+                                </p:cTn>
+                              </p:par>
+                            </p:childTnLst>
+                          </p:cTn>
+                        </p:par>
+                        <p:par>
+                          <p:cTn id="12" fill="hold">
+                            <p:stCondLst>
+                              <p:cond delay="1000"/>
+                            </p:stCondLst>
+                            <p:childTnLst>
+                              <p:par>
+                                <p:cTn id="13" presetID="10" presetClass="entr" presetSubtype="0" fill="hold" nodeType="afterEffect">
+                                  <p:stCondLst>
+                                    <p:cond delay="0"/>
+                                  </p:stCondLst>
+                                  <p:childTnLst>
+                                    <p:set>
+                                      <p:cBhvr>
+                                        <p:cTn id="14" dur="1" fill="hold">
+                                          <p:stCondLst>
+                                            <p:cond delay="0"/>
+                                          </p:stCondLst>
+                                        </p:cTn>
+                                        <p:tgtEl>
+                                          <p:spTgt spid="27"/>
+                                        </p:tgtEl>
+                                        <p:attrNameLst>
+                                          <p:attrName>style.visibility</p:attrName>
+                                        </p:attrNameLst>
+                                      </p:cBhvr>
+                                      <p:to>
+                                        <p:strVal val="visible"/>
+                                      </p:to>
+                                    </p:set>
+                                    <p:animEffect transition="in" filter="fade">
+                                      <p:cBhvr>
+                                        <p:cTn id="15" dur="500"/>
+                                        <p:tgtEl>
+                                          <p:spTgt spid="27"/>
+                                        </p:tgtEl>
+                                      </p:cBhvr>
+                                    </p:animEffect>
+                                  </p:childTnLst>
+                                </p:cTn>
+                              </p:par>
+                              <p:par>
+                                <p:cTn id="16" presetID="10" presetClass="entr" presetSubtype="0" fill="hold" nodeType="withEffect">
+                                  <p:stCondLst>
+                                    <p:cond delay="0"/>
+                                  </p:stCondLst>
+                                  <p:childTnLst>
+                                    <p:set>
+                                      <p:cBhvr>
+                                        <p:cTn id="17" dur="1" fill="hold">
+                                          <p:stCondLst>
+                                            <p:cond delay="0"/>
+                                          </p:stCondLst>
+                                        </p:cTn>
+                                        <p:tgtEl>
+                                          <p:spTgt spid="31"/>
+                                        </p:tgtEl>
+                                        <p:attrNameLst>
+                                          <p:attrName>style.visibility</p:attrName>
+                                        </p:attrNameLst>
+                                      </p:cBhvr>
+                                      <p:to>
+                                        <p:strVal val="visible"/>
+                                      </p:to>
+                                    </p:set>
+                                    <p:animEffect transition="in" filter="fade">
+                                      <p:cBhvr>
+                                        <p:cTn id="18" dur="500"/>
+                                        <p:tgtEl>
+                                          <p:spTgt spid="31"/>
+                                        </p:tgtEl>
+                                      </p:cBhvr>
+                                    </p:animEffect>
+                                  </p:childTnLst>
+                                </p:cTn>
+                              </p:par>
+                            </p:childTnLst>
+                          </p:cTn>
+                        </p:par>
+                        <p:par>
+                          <p:cTn id="19" fill="hold">
+                            <p:stCondLst>
+                              <p:cond delay="1500"/>
+                            </p:stCondLst>
+                            <p:childTnLst>
+                              <p:par>
+                                <p:cTn id="20" presetID="10" presetClass="entr" presetSubtype="0" fill="hold" nodeType="afterEffect">
+                                  <p:stCondLst>
+                                    <p:cond delay="0"/>
+                                  </p:stCondLst>
+                                  <p:childTnLst>
+                                    <p:set>
+                                      <p:cBhvr>
+                                        <p:cTn id="21" dur="1" fill="hold">
+                                          <p:stCondLst>
+                                            <p:cond delay="0"/>
+                                          </p:stCondLst>
+                                        </p:cTn>
+                                        <p:tgtEl>
+                                          <p:spTgt spid="35"/>
+                                        </p:tgtEl>
+                                        <p:attrNameLst>
+                                          <p:attrName>style.visibility</p:attrName>
+                                        </p:attrNameLst>
+                                      </p:cBhvr>
+                                      <p:to>
+                                        <p:strVal val="visible"/>
+                                      </p:to>
+                                    </p:set>
+                                    <p:animEffect transition="in" filter="fade">
+                                      <p:cBhvr>
+                                        <p:cTn id="22" dur="500"/>
+                                        <p:tgtEl>
+                                          <p:spTgt spid="35"/>
+                                        </p:tgtEl>
+                                      </p:cBhvr>
+                                    </p:animEffect>
+                                  </p:childTnLst>
+                                </p:cTn>
+                              </p:par>
+                              <p:par>
+                                <p:cTn id="23" presetID="10" presetClass="entr" presetSubtype="0" fill="hold" nodeType="withEffect">
+                                  <p:stCondLst>
+                                    <p:cond delay="0"/>
+                                  </p:stCondLst>
+                                  <p:childTnLst>
+                                    <p:set>
+                                      <p:cBhvr>
+                                        <p:cTn id="24" dur="1" fill="hold">
+                                          <p:stCondLst>
+                                            <p:cond delay="0"/>
+                                          </p:stCondLst>
+                                        </p:cTn>
+                                        <p:tgtEl>
+                                          <p:spTgt spid="39"/>
+                                        </p:tgtEl>
+                                        <p:attrNameLst>
+                                          <p:attrName>style.visibility</p:attrName>
+                                        </p:attrNameLst>
+                                      </p:cBhvr>
+                                      <p:to>
+                                        <p:strVal val="visible"/>
+                                      </p:to>
+                                    </p:set>
+                                    <p:animEffect transition="in" filter="fade">
+                                      <p:cBhvr>
+                                        <p:cTn id="25" dur="500"/>
+                                        <p:tgtEl>
+                                          <p:spTgt spid="39"/>
+                                        </p:tgtEl>
+                                      </p:cBhvr>
+                                    </p:animEffect>
+                                  </p:childTnLst>
+                                </p:cTn>
+                              </p:par>
+                              <p:par>
+                                <p:cTn id="26" presetID="10" presetClass="entr" presetSubtype="0" fill="hold" grpId="0" nodeType="withEffect">
+                                  <p:stCondLst>
+                                    <p:cond delay="0"/>
+                                  </p:stCondLst>
+                                  <p:childTnLst>
+                                    <p:set>
+                                      <p:cBhvr>
+                                        <p:cTn id="27" dur="1" fill="hold">
+                                          <p:stCondLst>
+                                            <p:cond delay="0"/>
+                                          </p:stCondLst>
+                                        </p:cTn>
+                                        <p:tgtEl>
+                                          <p:spTgt spid="2">
+                                            <p:txEl>
+                                              <p:pRg st="0" end="0"/>
+                                            </p:txEl>
+                                          </p:spTgt>
+                                        </p:tgtEl>
+                                        <p:attrNameLst>
+                                          <p:attrName>style.visibility</p:attrName>
+                                        </p:attrNameLst>
+                                      </p:cBhvr>
+                                      <p:to>
+                                        <p:strVal val="visible"/>
+                                      </p:to>
+                                    </p:set>
+                                    <p:animEffect transition="in" filter="fade">
+                                      <p:cBhvr>
+                                        <p:cTn id="28" dur="500"/>
+                                        <p:tgtEl>
+                                          <p:spTgt spid="2">
+                                            <p:txEl>
+                                              <p:pRg st="0" end="0"/>
+                                            </p:txEl>
+                                          </p:spTgt>
+                                        </p:tgtEl>
+                                      </p:cBhvr>
+                                    </p:animEffect>
+                                  </p:childTnLst>
+                                </p:cTn>
+                              </p:par>
+                            </p:childTnLst>
+                          </p:cTn>
+                        </p:par>
+                        <p:par>
+                          <p:cTn id="29" fill="hold">
+                            <p:stCondLst>
+                              <p:cond delay="2000"/>
+                            </p:stCondLst>
+                            <p:childTnLst>
+                              <p:par>
+                                <p:cTn id="30" presetID="10" presetClass="entr" presetSubtype="0" fill="hold" grpId="0" nodeType="afterEffect">
+                                  <p:stCondLst>
+                                    <p:cond delay="0"/>
+                                  </p:stCondLst>
+                                  <p:childTnLst>
+                                    <p:set>
+                                      <p:cBhvr>
+                                        <p:cTn id="31" dur="1" fill="hold">
+                                          <p:stCondLst>
+                                            <p:cond delay="0"/>
+                                          </p:stCondLst>
+                                        </p:cTn>
+                                        <p:tgtEl>
+                                          <p:spTgt spid="2">
+                                            <p:txEl>
+                                              <p:pRg st="1" end="1"/>
+                                            </p:txEl>
+                                          </p:spTgt>
+                                        </p:tgtEl>
+                                        <p:attrNameLst>
+                                          <p:attrName>style.visibility</p:attrName>
+                                        </p:attrNameLst>
+                                      </p:cBhvr>
+                                      <p:to>
+                                        <p:strVal val="visible"/>
+                                      </p:to>
+                                    </p:set>
+                                    <p:animEffect transition="in" filter="fade">
+                                      <p:cBhvr>
+                                        <p:cTn id="32" dur="500"/>
+                                        <p:tgtEl>
+                                          <p:spTgt spid="2">
+                                            <p:txEl>
+                                              <p:pRg st="1" end="1"/>
+                                            </p:txEl>
+                                          </p:spTgt>
+                                        </p:tgtEl>
+                                      </p:cBhvr>
+                                    </p:animEffect>
+                                  </p:childTnLst>
+                                </p:cTn>
+                              </p:par>
+                            </p:childTnLst>
+                          </p:cTn>
+                        </p:par>
+                        <p:par>
+                          <p:cTn id="33" fill="hold">
+                            <p:stCondLst>
+                              <p:cond delay="2500"/>
+                            </p:stCondLst>
+                            <p:childTnLst>
+                              <p:par>
+                                <p:cTn id="34" presetID="10" presetClass="entr" presetSubtype="0" fill="hold" grpId="0" nodeType="afterEffect">
+                                  <p:stCondLst>
+                                    <p:cond delay="0"/>
+                                  </p:stCondLst>
+                                  <p:childTnLst>
+                                    <p:set>
+                                      <p:cBhvr>
+                                        <p:cTn id="35" dur="1" fill="hold">
+                                          <p:stCondLst>
+                                            <p:cond delay="0"/>
+                                          </p:stCondLst>
+                                        </p:cTn>
+                                        <p:tgtEl>
+                                          <p:spTgt spid="2">
+                                            <p:txEl>
+                                              <p:pRg st="2" end="2"/>
+                                            </p:txEl>
+                                          </p:spTgt>
+                                        </p:tgtEl>
+                                        <p:attrNameLst>
+                                          <p:attrName>style.visibility</p:attrName>
+                                        </p:attrNameLst>
+                                      </p:cBhvr>
+                                      <p:to>
+                                        <p:strVal val="visible"/>
+                                      </p:to>
+                                    </p:set>
+                                    <p:animEffect transition="in" filter="fade">
+                                      <p:cBhvr>
+                                        <p:cTn id="36" dur="500"/>
+                                        <p:tgtEl>
+                                          <p:spTgt spid="2">
+                                            <p:txEl>
+                                              <p:pRg st="2" end="2"/>
+                                            </p:txEl>
+                                          </p:spTgt>
+                                        </p:tgtEl>
+                                      </p:cBhvr>
+                                    </p:animEffect>
+                                  </p:childTnLst>
+                                </p:cTn>
+                              </p:par>
+                            </p:childTnLst>
+                          </p:cTn>
+                        </p:par>
+                        <p:par>
+                          <p:cTn id="37" fill="hold">
+                            <p:stCondLst>
+                              <p:cond delay="3000"/>
+                            </p:stCondLst>
+                            <p:childTnLst>
+                              <p:par>
+                                <p:cTn id="38" presetID="10" presetClass="entr" presetSubtype="0" fill="hold" grpId="0" nodeType="afterEffect">
+                                  <p:stCondLst>
+                                    <p:cond delay="0"/>
+                                  </p:stCondLst>
+                                  <p:childTnLst>
+                                    <p:set>
+                                      <p:cBhvr>
+                                        <p:cTn id="39" dur="1" fill="hold">
+                                          <p:stCondLst>
+                                            <p:cond delay="0"/>
+                                          </p:stCondLst>
+                                        </p:cTn>
+                                        <p:tgtEl>
+                                          <p:spTgt spid="2">
+                                            <p:txEl>
+                                              <p:pRg st="3" end="3"/>
+                                            </p:txEl>
+                                          </p:spTgt>
+                                        </p:tgtEl>
+                                        <p:attrNameLst>
+                                          <p:attrName>style.visibility</p:attrName>
+                                        </p:attrNameLst>
+                                      </p:cBhvr>
+                                      <p:to>
+                                        <p:strVal val="visible"/>
+                                      </p:to>
+                                    </p:set>
+                                    <p:animEffect transition="in" filter="fade">
+                                      <p:cBhvr>
+                                        <p:cTn id="40" dur="500"/>
+                                        <p:tgtEl>
+                                          <p:spTgt spid="2">
+                                            <p:txEl>
+                                              <p:pRg st="3" end="3"/>
+                                            </p:txEl>
+                                          </p:spTgt>
+                                        </p:tgtEl>
+                                      </p:cBhvr>
+                                    </p:animEffect>
+                                  </p:childTnLst>
+                                </p:cTn>
+                              </p:par>
+                            </p:childTnLst>
+                          </p:cTn>
+                        </p:par>
+                        <p:par>
+                          <p:cTn id="41" fill="hold">
+                            <p:stCondLst>
+                              <p:cond delay="3500"/>
+                            </p:stCondLst>
+                            <p:childTnLst>
+                              <p:par>
+                                <p:cTn id="42" presetID="10" presetClass="entr" presetSubtype="0" fill="hold" grpId="0" nodeType="afterEffect">
+                                  <p:stCondLst>
+                                    <p:cond delay="0"/>
+                                  </p:stCondLst>
+                                  <p:childTnLst>
+                                    <p:set>
+                                      <p:cBhvr>
+                                        <p:cTn id="43" dur="1" fill="hold">
+                                          <p:stCondLst>
+                                            <p:cond delay="0"/>
+                                          </p:stCondLst>
+                                        </p:cTn>
+                                        <p:tgtEl>
+                                          <p:spTgt spid="2">
+                                            <p:txEl>
+                                              <p:pRg st="4" end="4"/>
+                                            </p:txEl>
+                                          </p:spTgt>
+                                        </p:tgtEl>
+                                        <p:attrNameLst>
+                                          <p:attrName>style.visibility</p:attrName>
+                                        </p:attrNameLst>
+                                      </p:cBhvr>
+                                      <p:to>
+                                        <p:strVal val="visible"/>
+                                      </p:to>
+                                    </p:set>
+                                    <p:animEffect transition="in" filter="fade">
+                                      <p:cBhvr>
+                                        <p:cTn id="44" dur="500"/>
+                                        <p:tgtEl>
+                                          <p:spTgt spid="2">
+                                            <p:txEl>
+                                              <p:pRg st="4" end="4"/>
+                                            </p:txEl>
+                                          </p:spTgt>
+                                        </p:tgtEl>
+                                      </p:cBhvr>
+                                    </p:animEffect>
+                                  </p:childTnLst>
+                                </p:cTn>
+                              </p:par>
+                              <p:par>
+                                <p:cTn id="45" presetID="10" presetClass="entr" presetSubtype="0" fill="hold" grpId="0" nodeType="withEffect">
+                                  <p:stCondLst>
+                                    <p:cond delay="0"/>
+                                  </p:stCondLst>
+                                  <p:childTnLst>
+                                    <p:set>
+                                      <p:cBhvr>
+                                        <p:cTn id="46" dur="1" fill="hold">
+                                          <p:stCondLst>
+                                            <p:cond delay="0"/>
+                                          </p:stCondLst>
+                                        </p:cTn>
+                                        <p:tgtEl>
+                                          <p:spTgt spid="2">
+                                            <p:txEl>
+                                              <p:pRg st="5" end="5"/>
+                                            </p:txEl>
+                                          </p:spTgt>
+                                        </p:tgtEl>
+                                        <p:attrNameLst>
+                                          <p:attrName>style.visibility</p:attrName>
+                                        </p:attrNameLst>
+                                      </p:cBhvr>
+                                      <p:to>
+                                        <p:strVal val="visible"/>
+                                      </p:to>
+                                    </p:set>
+                                    <p:animEffect transition="in" filter="fade">
+                                      <p:cBhvr>
+                                        <p:cTn id="47" dur="500"/>
+                                        <p:tgtEl>
+                                          <p:spTgt spid="2">
+                                            <p:txEl>
+                                              <p:pRg st="5" end="5"/>
+                                            </p:txEl>
+                                          </p:spTgt>
+                                        </p:tgtEl>
+                                      </p:cBhvr>
+                                    </p:animEffect>
+                                  </p:childTnLst>
+                                </p:cTn>
+                              </p:par>
+                              <p:par>
+                                <p:cTn id="48" presetID="10" presetClass="entr" presetSubtype="0" fill="hold" grpId="0" nodeType="withEffect">
+                                  <p:stCondLst>
+                                    <p:cond delay="0"/>
+                                  </p:stCondLst>
+                                  <p:childTnLst>
+                                    <p:set>
+                                      <p:cBhvr>
+                                        <p:cTn id="49" dur="1" fill="hold">
+                                          <p:stCondLst>
+                                            <p:cond delay="0"/>
+                                          </p:stCondLst>
+                                        </p:cTn>
+                                        <p:tgtEl>
+                                          <p:spTgt spid="36"/>
+                                        </p:tgtEl>
+                                        <p:attrNameLst>
+                                          <p:attrName>style.visibility</p:attrName>
+                                        </p:attrNameLst>
+                                      </p:cBhvr>
+                                      <p:to>
+                                        <p:strVal val="visible"/>
+                                      </p:to>
+                                    </p:set>
+                                    <p:animEffect transition="in" filter="fade">
+                                      <p:cBhvr>
+                                        <p:cTn id="50" dur="500"/>
+                                        <p:tgtEl>
+                                          <p:spTgt spid="36"/>
+                                        </p:tgtEl>
+                                      </p:cBhvr>
+                                    </p:animEffect>
+                                  </p:childTnLst>
+                                </p:cTn>
+                              </p:par>
+                            </p:childTnLst>
+                          </p:cTn>
+                        </p:par>
+                      </p:childTnLst>
+                    </p:cTn>
+                  </p:par>
+                  <p:par>
+                    <p:cTn id="51" fill="hold">
+                      <p:stCondLst>
+                        <p:cond delay="indefinite"/>
+                      </p:stCondLst>
+                      <p:childTnLst>
+                        <p:par>
+                          <p:cTn id="52" fill="hold">
+                            <p:stCondLst>
+                              <p:cond delay="0"/>
+                            </p:stCondLst>
+                            <p:childTnLst>
+                              <p:par>
+                                <p:cTn id="53" presetID="10" presetClass="entr" presetSubtype="0" fill="hold" grpId="0" nodeType="clickEffect">
+                                  <p:stCondLst>
+                                    <p:cond delay="0"/>
+                                  </p:stCondLst>
+                                  <p:childTnLst>
+                                    <p:set>
+                                      <p:cBhvr>
+                                        <p:cTn id="54" dur="1" fill="hold">
+                                          <p:stCondLst>
+                                            <p:cond delay="0"/>
+                                          </p:stCondLst>
+                                        </p:cTn>
+                                        <p:tgtEl>
+                                          <p:spTgt spid="59"/>
+                                        </p:tgtEl>
+                                        <p:attrNameLst>
+                                          <p:attrName>style.visibility</p:attrName>
+                                        </p:attrNameLst>
+                                      </p:cBhvr>
+                                      <p:to>
+                                        <p:strVal val="visible"/>
+                                      </p:to>
+                                    </p:set>
+                                    <p:animEffect transition="in" filter="fade">
+                                      <p:cBhvr>
+                                        <p:cTn id="55" dur="500"/>
+                                        <p:tgtEl>
+                                          <p:spTgt spid="59"/>
+                                        </p:tgtEl>
+                                      </p:cBhvr>
+                                    </p:animEffect>
+                                  </p:childTnLst>
+                                </p:cTn>
+                              </p:par>
+                            </p:childTnLst>
+                          </p:cTn>
+                        </p:par>
+                      </p:childTnLst>
+                    </p:cTn>
+                  </p:par>
+                  <p:par>
+                    <p:cTn id="56" fill="hold">
+                      <p:stCondLst>
+                        <p:cond delay="indefinite"/>
+                      </p:stCondLst>
+                      <p:childTnLst>
+                        <p:par>
+                          <p:cTn id="57" fill="hold">
+                            <p:stCondLst>
+                              <p:cond delay="0"/>
+                            </p:stCondLst>
+                            <p:childTnLst>
+                              <p:par>
+                                <p:cTn id="58" presetID="10" presetClass="entr" presetSubtype="0" fill="hold" grpId="0" nodeType="clickEffect">
+                                  <p:stCondLst>
+                                    <p:cond delay="0"/>
+                                  </p:stCondLst>
+                                  <p:childTnLst>
+                                    <p:set>
+                                      <p:cBhvr>
+                                        <p:cTn id="59" dur="1" fill="hold">
+                                          <p:stCondLst>
+                                            <p:cond delay="0"/>
+                                          </p:stCondLst>
+                                        </p:cTn>
+                                        <p:tgtEl>
+                                          <p:spTgt spid="62"/>
+                                        </p:tgtEl>
+                                        <p:attrNameLst>
+                                          <p:attrName>style.visibility</p:attrName>
+                                        </p:attrNameLst>
+                                      </p:cBhvr>
+                                      <p:to>
+                                        <p:strVal val="visible"/>
+                                      </p:to>
+                                    </p:set>
+                                    <p:animEffect transition="in" filter="fade">
+                                      <p:cBhvr>
+                                        <p:cTn id="60" dur="500"/>
+                                        <p:tgtEl>
+                                          <p:spTgt spid="62"/>
+                                        </p:tgtEl>
+                                      </p:cBhvr>
+                                    </p:animEffect>
                                   </p:childTnLst>
                                 </p:cTn>
                               </p:par>
@@ -4482,7 +8692,11 @@
       </p:par>
     </p:tnLst>
     <p:bldLst>
-      <p:bldP spid="12" grpId="0" animBg="1"/>
+      <p:bldP spid="2" grpId="0" uiExpand="1" build="p"/>
+      <p:bldP spid="5" grpId="0" animBg="1"/>
+      <p:bldP spid="36" grpId="0" animBg="1"/>
+      <p:bldP spid="59" grpId="0" animBg="1"/>
+      <p:bldP spid="62" grpId="0"/>
     </p:bldLst>
   </p:timing>
 </p:sld>
@@ -4510,7 +8724,7 @@
           <p:cNvPr id="2" name="Title 1">
             <a:extLst>
               <a:ext uri="{FF2B5EF4-FFF2-40B4-BE49-F238E27FC236}">
-                <a16:creationId xmlns:a16="http://schemas.microsoft.com/office/drawing/2014/main" id="{FD7C3B77-9C29-484B-A6E3-708960FBEC96}"/>
+                <a16:creationId xmlns:a16="http://schemas.microsoft.com/office/drawing/2014/main" id="{C5C5DB66-6441-4EC4-9E94-43033C2E1B27}"/>
               </a:ext>
             </a:extLst>
           </p:cNvPr>
@@ -4518,44 +8732,1192 @@
             <a:spLocks noGrp="1"/>
           </p:cNvSpPr>
           <p:nvPr>
-            <p:ph type="ctrTitle"/>
+            <p:ph type="title" idx="4294967295"/>
           </p:nvPr>
         </p:nvSpPr>
-        <p:spPr/>
+        <p:spPr>
+          <a:xfrm>
+            <a:off x="2401532" y="5778723"/>
+            <a:ext cx="18335006" cy="2172121"/>
+          </a:xfrm>
+        </p:spPr>
         <p:txBody>
           <a:bodyPr/>
           <a:lstStyle/>
           <a:p>
             <a:r>
-              <a:rPr lang="es-ES" dirty="0" err="1"/>
-              <a:t>Section</a:t>
-            </a:r>
-            <a:r>
-              <a:rPr lang="es-ES" dirty="0"/>
-              <a:t> </a:t>
-            </a:r>
-            <a:r>
-              <a:rPr lang="es-ES" dirty="0" err="1"/>
-              <a:t>Title</a:t>
-            </a:r>
-            <a:endParaRPr lang="en-US" dirty="0"/>
+              <a:rPr lang="en-US" sz="14115" dirty="0">
+                <a:latin typeface="Segoe UI Semibold"/>
+                <a:cs typeface="Segoe UI Semibold"/>
+              </a:rPr>
+              <a:t>Schedule</a:t>
+            </a:r>
+            <a:endParaRPr lang="en-US" sz="14013" dirty="0">
+              <a:cs typeface="Segoe UI"/>
+            </a:endParaRPr>
           </a:p>
         </p:txBody>
       </p:sp>
     </p:spTree>
     <p:extLst>
       <p:ext uri="{BB962C8B-B14F-4D97-AF65-F5344CB8AC3E}">
-        <p14:creationId xmlns:p14="http://schemas.microsoft.com/office/powerpoint/2010/main" val="407865715"/>
+        <p14:creationId xmlns:p14="http://schemas.microsoft.com/office/powerpoint/2010/main" val="1560182668"/>
       </p:ext>
     </p:extLst>
   </p:cSld>
   <p:clrMapOvr>
     <a:masterClrMapping/>
   </p:clrMapOvr>
+  <p:transition>
+    <p:fade/>
+  </p:transition>
 </p:sld>
 </file>
 
 <file path=ppt/slides/slide7.xml><?xml version="1.0" encoding="utf-8"?>
+<p:sld xmlns:a="http://schemas.openxmlformats.org/drawingml/2006/main" xmlns:r="http://schemas.openxmlformats.org/officeDocument/2006/relationships" xmlns:p="http://schemas.openxmlformats.org/presentationml/2006/main">
+  <p:cSld>
+    <p:spTree>
+      <p:nvGrpSpPr>
+        <p:cNvPr id="1" name=""/>
+        <p:cNvGrpSpPr/>
+        <p:nvPr/>
+      </p:nvGrpSpPr>
+      <p:grpSpPr>
+        <a:xfrm>
+          <a:off x="0" y="0"/>
+          <a:ext cx="0" cy="0"/>
+          <a:chOff x="0" y="0"/>
+          <a:chExt cx="0" cy="0"/>
+        </a:xfrm>
+      </p:grpSpPr>
+      <p:sp>
+        <p:nvSpPr>
+          <p:cNvPr id="6" name="CuadroTexto 5">
+            <a:extLst>
+              <a:ext uri="{FF2B5EF4-FFF2-40B4-BE49-F238E27FC236}">
+                <a16:creationId xmlns:a16="http://schemas.microsoft.com/office/drawing/2014/main" id="{86F8CF3E-81D1-E0EA-3B8E-044663CE95B5}"/>
+              </a:ext>
+            </a:extLst>
+          </p:cNvPr>
+          <p:cNvSpPr txBox="1"/>
+          <p:nvPr/>
+        </p:nvSpPr>
+        <p:spPr>
+          <a:xfrm>
+            <a:off x="828674" y="2422811"/>
+            <a:ext cx="22617113" cy="8039380"/>
+          </a:xfrm>
+          <a:prstGeom prst="rect">
+            <a:avLst/>
+          </a:prstGeom>
+          <a:noFill/>
+        </p:spPr>
+        <p:txBody>
+          <a:bodyPr wrap="square">
+            <a:spAutoFit/>
+          </a:bodyPr>
+          <a:lstStyle/>
+          <a:p>
+            <a:pPr algn="l"/>
+            <a:r>
+              <a:rPr lang="es-ES" b="0" i="0" dirty="0" err="1">
+                <a:solidFill>
+                  <a:srgbClr val="24292F"/>
+                </a:solidFill>
+                <a:effectLst/>
+                <a:latin typeface="-apple-system"/>
+              </a:rPr>
+              <a:t>Discover</a:t>
+            </a:r>
+            <a:r>
+              <a:rPr lang="es-ES" b="0" i="0" dirty="0">
+                <a:solidFill>
+                  <a:srgbClr val="24292F"/>
+                </a:solidFill>
+                <a:effectLst/>
+                <a:latin typeface="-apple-system"/>
+              </a:rPr>
+              <a:t> </a:t>
+            </a:r>
+            <a:r>
+              <a:rPr lang="es-ES" b="0" i="0" dirty="0" err="1">
+                <a:solidFill>
+                  <a:srgbClr val="24292F"/>
+                </a:solidFill>
+                <a:effectLst/>
+                <a:latin typeface="-apple-system"/>
+              </a:rPr>
+              <a:t>all</a:t>
+            </a:r>
+            <a:r>
+              <a:rPr lang="es-ES" b="0" i="0" dirty="0">
+                <a:solidFill>
+                  <a:srgbClr val="24292F"/>
+                </a:solidFill>
+                <a:effectLst/>
+                <a:latin typeface="-apple-system"/>
+              </a:rPr>
+              <a:t> </a:t>
+            </a:r>
+            <a:r>
+              <a:rPr lang="es-ES" b="0" i="0" dirty="0" err="1">
+                <a:solidFill>
+                  <a:srgbClr val="24292F"/>
+                </a:solidFill>
+                <a:effectLst/>
+                <a:latin typeface="-apple-system"/>
+              </a:rPr>
+              <a:t>the</a:t>
+            </a:r>
+            <a:r>
+              <a:rPr lang="es-ES" b="0" i="0" dirty="0">
+                <a:solidFill>
+                  <a:srgbClr val="24292F"/>
+                </a:solidFill>
+                <a:effectLst/>
+                <a:latin typeface="-apple-system"/>
+              </a:rPr>
+              <a:t> </a:t>
+            </a:r>
+            <a:r>
+              <a:rPr lang="es-ES" b="0" i="0" dirty="0" err="1">
+                <a:solidFill>
+                  <a:srgbClr val="24292F"/>
+                </a:solidFill>
+                <a:effectLst/>
+                <a:latin typeface="-apple-system"/>
+              </a:rPr>
+              <a:t>talks</a:t>
+            </a:r>
+            <a:r>
+              <a:rPr lang="es-ES" b="0" i="0" dirty="0">
+                <a:solidFill>
+                  <a:srgbClr val="24292F"/>
+                </a:solidFill>
+                <a:effectLst/>
+                <a:latin typeface="-apple-system"/>
+              </a:rPr>
+              <a:t> </a:t>
+            </a:r>
+            <a:r>
+              <a:rPr lang="es-ES" b="0" i="0" dirty="0" err="1">
+                <a:solidFill>
+                  <a:srgbClr val="24292F"/>
+                </a:solidFill>
+                <a:effectLst/>
+                <a:latin typeface="-apple-system"/>
+              </a:rPr>
+              <a:t>you</a:t>
+            </a:r>
+            <a:r>
+              <a:rPr lang="es-ES" b="0" i="0" dirty="0">
+                <a:solidFill>
+                  <a:srgbClr val="24292F"/>
+                </a:solidFill>
+                <a:effectLst/>
+                <a:latin typeface="-apple-system"/>
+              </a:rPr>
+              <a:t> can </a:t>
+            </a:r>
+            <a:r>
+              <a:rPr lang="es-ES" b="0" i="0" dirty="0" err="1">
+                <a:solidFill>
+                  <a:srgbClr val="24292F"/>
+                </a:solidFill>
+                <a:effectLst/>
+                <a:latin typeface="-apple-system"/>
+              </a:rPr>
+              <a:t>enjoy</a:t>
+            </a:r>
+            <a:r>
+              <a:rPr lang="es-ES" b="0" i="0" dirty="0">
+                <a:solidFill>
+                  <a:srgbClr val="24292F"/>
+                </a:solidFill>
+                <a:effectLst/>
+                <a:latin typeface="-apple-system"/>
+              </a:rPr>
+              <a:t>!</a:t>
+            </a:r>
+          </a:p>
+          <a:p>
+            <a:pPr algn="l"/>
+            <a:endParaRPr lang="es-ES" b="0" i="0" dirty="0">
+              <a:solidFill>
+                <a:srgbClr val="24292F"/>
+              </a:solidFill>
+              <a:effectLst/>
+              <a:latin typeface="-apple-system"/>
+            </a:endParaRPr>
+          </a:p>
+          <a:p>
+            <a:pPr algn="l"/>
+            <a:r>
+              <a:rPr lang="es-ES" b="0" i="1" dirty="0">
+                <a:solidFill>
+                  <a:srgbClr val="24292F"/>
+                </a:solidFill>
+                <a:effectLst/>
+                <a:latin typeface="-apple-system"/>
+              </a:rPr>
+              <a:t>NOTE: </a:t>
+            </a:r>
+            <a:r>
+              <a:rPr lang="es-ES" b="0" i="1" u="none" strike="noStrike" dirty="0">
+                <a:solidFill>
+                  <a:srgbClr val="24292F"/>
+                </a:solidFill>
+                <a:effectLst/>
+                <a:latin typeface="-apple-system"/>
+                <a:hlinkClick r:id="rId2"/>
+              </a:rPr>
+              <a:t>GMT+2</a:t>
+            </a:r>
+            <a:endParaRPr lang="es-ES" b="0" i="1" u="none" strike="noStrike" dirty="0">
+              <a:solidFill>
+                <a:srgbClr val="24292F"/>
+              </a:solidFill>
+              <a:effectLst/>
+              <a:latin typeface="-apple-system"/>
+            </a:endParaRPr>
+          </a:p>
+          <a:p>
+            <a:pPr algn="l"/>
+            <a:endParaRPr lang="es-ES" b="0" i="0" dirty="0">
+              <a:solidFill>
+                <a:srgbClr val="24292F"/>
+              </a:solidFill>
+              <a:effectLst/>
+              <a:latin typeface="-apple-system"/>
+            </a:endParaRPr>
+          </a:p>
+          <a:p>
+            <a:pPr algn="l">
+              <a:lnSpc>
+                <a:spcPct val="150000"/>
+              </a:lnSpc>
+              <a:buFont typeface="Arial" panose="020B0604020202020204" pitchFamily="34" charset="0"/>
+              <a:buChar char="•"/>
+            </a:pPr>
+            <a:r>
+              <a:rPr lang="es-ES" b="0" i="0" dirty="0">
+                <a:solidFill>
+                  <a:srgbClr val="24292F"/>
+                </a:solidFill>
+                <a:effectLst/>
+                <a:latin typeface="-apple-system"/>
+              </a:rPr>
+              <a:t>15:30h - 15:45h - Keynote [English]</a:t>
+            </a:r>
+          </a:p>
+          <a:p>
+            <a:pPr algn="l">
+              <a:lnSpc>
+                <a:spcPct val="150000"/>
+              </a:lnSpc>
+              <a:buFont typeface="Arial" panose="020B0604020202020204" pitchFamily="34" charset="0"/>
+              <a:buChar char="•"/>
+            </a:pPr>
+            <a:r>
+              <a:rPr lang="es-ES" b="0" i="0" dirty="0">
+                <a:solidFill>
+                  <a:srgbClr val="24292F"/>
+                </a:solidFill>
+                <a:effectLst/>
+                <a:latin typeface="-apple-system"/>
+              </a:rPr>
+              <a:t>15:50h - 16:30h - .NET MAUI </a:t>
+            </a:r>
+            <a:r>
+              <a:rPr lang="es-ES" b="0" i="0" dirty="0" err="1">
+                <a:solidFill>
+                  <a:srgbClr val="24292F"/>
+                </a:solidFill>
+                <a:effectLst/>
+                <a:latin typeface="-apple-system"/>
+              </a:rPr>
+              <a:t>Blazor</a:t>
+            </a:r>
+            <a:r>
+              <a:rPr lang="es-ES" b="0" i="0" dirty="0">
+                <a:solidFill>
+                  <a:srgbClr val="24292F"/>
+                </a:solidFill>
+                <a:effectLst/>
+                <a:latin typeface="-apple-system"/>
+              </a:rPr>
+              <a:t> - </a:t>
+            </a:r>
+            <a:r>
+              <a:rPr lang="es-ES" b="0" i="0" dirty="0" err="1">
+                <a:solidFill>
+                  <a:srgbClr val="24292F"/>
+                </a:solidFill>
+                <a:effectLst/>
+                <a:latin typeface="-apple-system"/>
+              </a:rPr>
+              <a:t>Build</a:t>
+            </a:r>
+            <a:r>
+              <a:rPr lang="es-ES" b="0" i="0" dirty="0">
+                <a:solidFill>
+                  <a:srgbClr val="24292F"/>
+                </a:solidFill>
+                <a:effectLst/>
+                <a:latin typeface="-apple-system"/>
+              </a:rPr>
+              <a:t> </a:t>
+            </a:r>
+            <a:r>
+              <a:rPr lang="es-ES" b="0" i="0" dirty="0" err="1">
+                <a:solidFill>
+                  <a:srgbClr val="24292F"/>
+                </a:solidFill>
+                <a:effectLst/>
+                <a:latin typeface="-apple-system"/>
+              </a:rPr>
+              <a:t>Hybrid</a:t>
+            </a:r>
+            <a:r>
+              <a:rPr lang="es-ES" b="0" i="0" dirty="0">
+                <a:solidFill>
+                  <a:srgbClr val="24292F"/>
+                </a:solidFill>
+                <a:effectLst/>
+                <a:latin typeface="-apple-system"/>
+              </a:rPr>
+              <a:t> Mobile, Desktop, and Web apps por </a:t>
+            </a:r>
+            <a:r>
+              <a:rPr lang="es-ES" b="0" i="0" u="none" strike="noStrike" dirty="0">
+                <a:solidFill>
+                  <a:srgbClr val="24292F"/>
+                </a:solidFill>
+                <a:effectLst/>
+                <a:latin typeface="-apple-system"/>
+                <a:hlinkClick r:id="rId3"/>
+              </a:rPr>
+              <a:t>Gerald Versluis</a:t>
+            </a:r>
+            <a:r>
+              <a:rPr lang="es-ES" b="0" i="0" dirty="0">
+                <a:solidFill>
+                  <a:srgbClr val="24292F"/>
+                </a:solidFill>
+                <a:effectLst/>
+                <a:latin typeface="-apple-system"/>
+              </a:rPr>
+              <a:t> [English]</a:t>
+            </a:r>
+          </a:p>
+          <a:p>
+            <a:pPr algn="l">
+              <a:lnSpc>
+                <a:spcPct val="150000"/>
+              </a:lnSpc>
+              <a:buFont typeface="Arial" panose="020B0604020202020204" pitchFamily="34" charset="0"/>
+              <a:buChar char="•"/>
+            </a:pPr>
+            <a:r>
+              <a:rPr lang="es-ES" b="0" i="0" dirty="0">
+                <a:solidFill>
+                  <a:srgbClr val="24292F"/>
+                </a:solidFill>
+                <a:effectLst/>
+                <a:latin typeface="-apple-system"/>
+              </a:rPr>
+              <a:t>16:35h - 17:15h - Código de plataforma en MAUI por </a:t>
+            </a:r>
+            <a:r>
+              <a:rPr lang="es-ES" b="0" i="0" u="none" strike="noStrike" dirty="0">
+                <a:solidFill>
+                  <a:srgbClr val="24292F"/>
+                </a:solidFill>
+                <a:effectLst/>
+                <a:latin typeface="-apple-system"/>
+                <a:hlinkClick r:id="rId4"/>
+              </a:rPr>
+              <a:t>Jorge Diego Crespo</a:t>
+            </a:r>
+            <a:r>
+              <a:rPr lang="es-ES" b="0" i="0" dirty="0">
+                <a:solidFill>
+                  <a:srgbClr val="24292F"/>
+                </a:solidFill>
+                <a:effectLst/>
+                <a:latin typeface="-apple-system"/>
+              </a:rPr>
+              <a:t> [</a:t>
+            </a:r>
+            <a:r>
+              <a:rPr lang="es-ES" b="0" i="0" dirty="0" err="1">
+                <a:solidFill>
+                  <a:srgbClr val="24292F"/>
+                </a:solidFill>
+                <a:effectLst/>
+                <a:latin typeface="-apple-system"/>
+              </a:rPr>
+              <a:t>Spanish</a:t>
+            </a:r>
+            <a:r>
+              <a:rPr lang="es-ES" b="0" i="0" dirty="0">
+                <a:solidFill>
+                  <a:srgbClr val="24292F"/>
+                </a:solidFill>
+                <a:effectLst/>
+                <a:latin typeface="-apple-system"/>
+              </a:rPr>
+              <a:t>]</a:t>
+            </a:r>
+          </a:p>
+          <a:p>
+            <a:pPr algn="l">
+              <a:lnSpc>
+                <a:spcPct val="150000"/>
+              </a:lnSpc>
+              <a:buFont typeface="Arial" panose="020B0604020202020204" pitchFamily="34" charset="0"/>
+              <a:buChar char="•"/>
+            </a:pPr>
+            <a:r>
+              <a:rPr lang="es-ES" b="0" i="0" dirty="0">
+                <a:solidFill>
+                  <a:srgbClr val="24292F"/>
+                </a:solidFill>
+                <a:effectLst/>
+                <a:latin typeface="-apple-system"/>
+              </a:rPr>
+              <a:t>17:20h - 18:00h - </a:t>
+            </a:r>
+            <a:r>
+              <a:rPr lang="es-ES" b="0" i="0" dirty="0" err="1">
+                <a:solidFill>
+                  <a:srgbClr val="24292F"/>
+                </a:solidFill>
+                <a:effectLst/>
+                <a:latin typeface="-apple-system"/>
+              </a:rPr>
+              <a:t>The</a:t>
+            </a:r>
+            <a:r>
+              <a:rPr lang="es-ES" b="0" i="0" dirty="0">
+                <a:solidFill>
+                  <a:srgbClr val="24292F"/>
+                </a:solidFill>
+                <a:effectLst/>
+                <a:latin typeface="-apple-system"/>
+              </a:rPr>
+              <a:t> </a:t>
+            </a:r>
+            <a:r>
+              <a:rPr lang="es-ES" b="0" i="0" dirty="0" err="1">
+                <a:solidFill>
+                  <a:srgbClr val="24292F"/>
+                </a:solidFill>
+                <a:effectLst/>
+                <a:latin typeface="-apple-system"/>
+              </a:rPr>
+              <a:t>various</a:t>
+            </a:r>
+            <a:r>
+              <a:rPr lang="es-ES" b="0" i="0" dirty="0">
+                <a:solidFill>
+                  <a:srgbClr val="24292F"/>
+                </a:solidFill>
+                <a:effectLst/>
+                <a:latin typeface="-apple-system"/>
+              </a:rPr>
+              <a:t> </a:t>
+            </a:r>
+            <a:r>
+              <a:rPr lang="es-ES" b="0" i="0" dirty="0" err="1">
+                <a:solidFill>
+                  <a:srgbClr val="24292F"/>
+                </a:solidFill>
+                <a:effectLst/>
+                <a:latin typeface="-apple-system"/>
+              </a:rPr>
+              <a:t>ways</a:t>
+            </a:r>
+            <a:r>
+              <a:rPr lang="es-ES" b="0" i="0" dirty="0">
+                <a:solidFill>
+                  <a:srgbClr val="24292F"/>
+                </a:solidFill>
+                <a:effectLst/>
+                <a:latin typeface="-apple-system"/>
+              </a:rPr>
+              <a:t> </a:t>
+            </a:r>
+            <a:r>
+              <a:rPr lang="es-ES" b="0" i="0" dirty="0" err="1">
+                <a:solidFill>
+                  <a:srgbClr val="24292F"/>
+                </a:solidFill>
+                <a:effectLst/>
+                <a:latin typeface="-apple-system"/>
+              </a:rPr>
+              <a:t>to</a:t>
+            </a:r>
+            <a:r>
+              <a:rPr lang="es-ES" b="0" i="0" dirty="0">
+                <a:solidFill>
+                  <a:srgbClr val="24292F"/>
+                </a:solidFill>
+                <a:effectLst/>
+                <a:latin typeface="-apple-system"/>
+              </a:rPr>
+              <a:t> </a:t>
+            </a:r>
+            <a:r>
+              <a:rPr lang="es-ES" b="0" i="0" dirty="0" err="1">
+                <a:solidFill>
+                  <a:srgbClr val="24292F"/>
+                </a:solidFill>
+                <a:effectLst/>
+                <a:latin typeface="-apple-system"/>
+              </a:rPr>
+              <a:t>customize</a:t>
+            </a:r>
+            <a:r>
+              <a:rPr lang="es-ES" b="0" i="0" dirty="0">
+                <a:solidFill>
+                  <a:srgbClr val="24292F"/>
+                </a:solidFill>
+                <a:effectLst/>
+                <a:latin typeface="-apple-system"/>
+              </a:rPr>
+              <a:t> </a:t>
+            </a:r>
+            <a:r>
+              <a:rPr lang="es-ES" b="0" i="0" dirty="0" err="1">
+                <a:solidFill>
+                  <a:srgbClr val="24292F"/>
+                </a:solidFill>
+                <a:effectLst/>
+                <a:latin typeface="-apple-system"/>
+              </a:rPr>
+              <a:t>your</a:t>
+            </a:r>
+            <a:r>
+              <a:rPr lang="es-ES" b="0" i="0" dirty="0">
+                <a:solidFill>
+                  <a:srgbClr val="24292F"/>
+                </a:solidFill>
+                <a:effectLst/>
+                <a:latin typeface="-apple-system"/>
+              </a:rPr>
+              <a:t> </a:t>
+            </a:r>
+            <a:r>
+              <a:rPr lang="es-ES" b="0" i="0" dirty="0" err="1">
+                <a:solidFill>
+                  <a:srgbClr val="24292F"/>
+                </a:solidFill>
+                <a:effectLst/>
+                <a:latin typeface="-apple-system"/>
+              </a:rPr>
+              <a:t>controls</a:t>
+            </a:r>
+            <a:r>
+              <a:rPr lang="es-ES" b="0" i="0" dirty="0">
+                <a:solidFill>
+                  <a:srgbClr val="24292F"/>
+                </a:solidFill>
+                <a:effectLst/>
+                <a:latin typeface="-apple-system"/>
+              </a:rPr>
+              <a:t> </a:t>
+            </a:r>
+            <a:r>
+              <a:rPr lang="es-ES" b="0" i="0" dirty="0" err="1">
+                <a:solidFill>
+                  <a:srgbClr val="24292F"/>
+                </a:solidFill>
+                <a:effectLst/>
+                <a:latin typeface="-apple-system"/>
+              </a:rPr>
+              <a:t>by</a:t>
+            </a:r>
+            <a:r>
+              <a:rPr lang="es-ES" b="0" i="0" dirty="0">
+                <a:solidFill>
+                  <a:srgbClr val="24292F"/>
+                </a:solidFill>
+                <a:effectLst/>
+                <a:latin typeface="-apple-system"/>
+              </a:rPr>
+              <a:t> </a:t>
+            </a:r>
+            <a:r>
+              <a:rPr lang="es-ES" b="0" i="0" u="none" strike="noStrike" dirty="0">
+                <a:solidFill>
+                  <a:srgbClr val="24292F"/>
+                </a:solidFill>
+                <a:effectLst/>
+                <a:latin typeface="-apple-system"/>
+                <a:hlinkClick r:id="rId5"/>
+              </a:rPr>
+              <a:t>Pedro Jesus</a:t>
+            </a:r>
+            <a:r>
+              <a:rPr lang="es-ES" b="0" i="0" dirty="0">
+                <a:solidFill>
+                  <a:srgbClr val="24292F"/>
+                </a:solidFill>
+                <a:effectLst/>
+                <a:latin typeface="-apple-system"/>
+              </a:rPr>
+              <a:t> [English]</a:t>
+            </a:r>
+          </a:p>
+          <a:p>
+            <a:pPr algn="l">
+              <a:lnSpc>
+                <a:spcPct val="150000"/>
+              </a:lnSpc>
+              <a:buFont typeface="Arial" panose="020B0604020202020204" pitchFamily="34" charset="0"/>
+              <a:buChar char="•"/>
+            </a:pPr>
+            <a:r>
+              <a:rPr lang="es-ES" b="0" i="0" dirty="0">
+                <a:solidFill>
+                  <a:srgbClr val="24292F"/>
+                </a:solidFill>
+                <a:effectLst/>
+                <a:latin typeface="-apple-system"/>
+              </a:rPr>
+              <a:t>18:05h - 18:45h - </a:t>
+            </a:r>
+            <a:r>
+              <a:rPr lang="es-ES" b="0" i="0" dirty="0" err="1">
+                <a:solidFill>
+                  <a:srgbClr val="24292F"/>
+                </a:solidFill>
+                <a:effectLst/>
+                <a:latin typeface="-apple-system"/>
+              </a:rPr>
+              <a:t>Integrating</a:t>
+            </a:r>
+            <a:r>
+              <a:rPr lang="es-ES" b="0" i="0" dirty="0">
+                <a:solidFill>
+                  <a:srgbClr val="24292F"/>
+                </a:solidFill>
+                <a:effectLst/>
+                <a:latin typeface="-apple-system"/>
+              </a:rPr>
+              <a:t> Azure AD B2C </a:t>
+            </a:r>
+            <a:r>
+              <a:rPr lang="es-ES" b="0" i="0" dirty="0" err="1">
+                <a:solidFill>
+                  <a:srgbClr val="24292F"/>
+                </a:solidFill>
+                <a:effectLst/>
+                <a:latin typeface="-apple-system"/>
+              </a:rPr>
+              <a:t>into</a:t>
+            </a:r>
+            <a:r>
+              <a:rPr lang="es-ES" b="0" i="0" dirty="0">
+                <a:solidFill>
+                  <a:srgbClr val="24292F"/>
+                </a:solidFill>
+                <a:effectLst/>
+                <a:latin typeface="-apple-system"/>
+              </a:rPr>
+              <a:t> </a:t>
+            </a:r>
+            <a:r>
+              <a:rPr lang="es-ES" b="0" i="0" dirty="0" err="1">
+                <a:solidFill>
+                  <a:srgbClr val="24292F"/>
+                </a:solidFill>
+                <a:effectLst/>
+                <a:latin typeface="-apple-system"/>
+              </a:rPr>
+              <a:t>your</a:t>
+            </a:r>
+            <a:r>
+              <a:rPr lang="es-ES" b="0" i="0" dirty="0">
+                <a:solidFill>
+                  <a:srgbClr val="24292F"/>
+                </a:solidFill>
+                <a:effectLst/>
+                <a:latin typeface="-apple-system"/>
+              </a:rPr>
+              <a:t> MAUI App </a:t>
+            </a:r>
+            <a:r>
+              <a:rPr lang="es-ES" b="0" i="0" dirty="0" err="1">
+                <a:solidFill>
+                  <a:srgbClr val="24292F"/>
+                </a:solidFill>
+                <a:effectLst/>
+                <a:latin typeface="-apple-system"/>
+              </a:rPr>
+              <a:t>by</a:t>
+            </a:r>
+            <a:r>
+              <a:rPr lang="es-ES" b="0" i="0" dirty="0">
+                <a:solidFill>
+                  <a:srgbClr val="24292F"/>
+                </a:solidFill>
+                <a:effectLst/>
+                <a:latin typeface="-apple-system"/>
+              </a:rPr>
+              <a:t> </a:t>
+            </a:r>
+            <a:r>
+              <a:rPr lang="es-ES" b="0" i="0" u="none" strike="noStrike" dirty="0">
+                <a:solidFill>
+                  <a:srgbClr val="24292F"/>
+                </a:solidFill>
+                <a:effectLst/>
+                <a:latin typeface="-apple-system"/>
+                <a:hlinkClick r:id="rId6"/>
+              </a:rPr>
+              <a:t>Cesar Jesus Angulo</a:t>
+            </a:r>
+            <a:r>
+              <a:rPr lang="es-ES" b="0" i="0" dirty="0">
+                <a:solidFill>
+                  <a:srgbClr val="24292F"/>
+                </a:solidFill>
+                <a:effectLst/>
+                <a:latin typeface="-apple-system"/>
+              </a:rPr>
+              <a:t> [</a:t>
+            </a:r>
+            <a:r>
+              <a:rPr lang="es-ES" b="0" i="0" dirty="0" err="1">
+                <a:solidFill>
+                  <a:srgbClr val="24292F"/>
+                </a:solidFill>
+                <a:effectLst/>
+                <a:latin typeface="-apple-system"/>
+              </a:rPr>
+              <a:t>Spanish</a:t>
+            </a:r>
+            <a:r>
+              <a:rPr lang="es-ES" b="0" i="0" dirty="0">
+                <a:solidFill>
+                  <a:srgbClr val="24292F"/>
+                </a:solidFill>
+                <a:effectLst/>
+                <a:latin typeface="-apple-system"/>
+              </a:rPr>
+              <a:t>]</a:t>
+            </a:r>
+          </a:p>
+          <a:p>
+            <a:pPr algn="l">
+              <a:lnSpc>
+                <a:spcPct val="150000"/>
+              </a:lnSpc>
+              <a:buFont typeface="Arial" panose="020B0604020202020204" pitchFamily="34" charset="0"/>
+              <a:buChar char="•"/>
+            </a:pPr>
+            <a:r>
+              <a:rPr lang="es-ES" b="0" i="0" dirty="0">
+                <a:solidFill>
+                  <a:srgbClr val="24292F"/>
+                </a:solidFill>
+                <a:effectLst/>
+                <a:latin typeface="-apple-system"/>
+              </a:rPr>
+              <a:t>18:50h - 19:30h - </a:t>
+            </a:r>
+            <a:r>
+              <a:rPr lang="es-ES" b="0" i="0" dirty="0" err="1">
+                <a:solidFill>
+                  <a:srgbClr val="24292F"/>
+                </a:solidFill>
+                <a:effectLst/>
+                <a:latin typeface="-apple-system"/>
+              </a:rPr>
+              <a:t>How</a:t>
+            </a:r>
+            <a:r>
+              <a:rPr lang="es-ES" b="0" i="0" dirty="0">
+                <a:solidFill>
+                  <a:srgbClr val="24292F"/>
+                </a:solidFill>
+                <a:effectLst/>
+                <a:latin typeface="-apple-system"/>
+              </a:rPr>
+              <a:t> I </a:t>
+            </a:r>
+            <a:r>
+              <a:rPr lang="es-ES" b="0" i="0" dirty="0" err="1">
+                <a:solidFill>
+                  <a:srgbClr val="24292F"/>
+                </a:solidFill>
+                <a:effectLst/>
+                <a:latin typeface="-apple-system"/>
+              </a:rPr>
+              <a:t>Made</a:t>
+            </a:r>
+            <a:r>
+              <a:rPr lang="es-ES" b="0" i="0" dirty="0">
+                <a:solidFill>
+                  <a:srgbClr val="24292F"/>
+                </a:solidFill>
+                <a:effectLst/>
+                <a:latin typeface="-apple-system"/>
+              </a:rPr>
+              <a:t> a Native App </a:t>
+            </a:r>
+            <a:r>
+              <a:rPr lang="es-ES" b="0" i="0" dirty="0" err="1">
+                <a:solidFill>
+                  <a:srgbClr val="24292F"/>
+                </a:solidFill>
+                <a:effectLst/>
+                <a:latin typeface="-apple-system"/>
+              </a:rPr>
+              <a:t>for</a:t>
+            </a:r>
+            <a:r>
+              <a:rPr lang="es-ES" b="0" i="0" dirty="0">
+                <a:solidFill>
+                  <a:srgbClr val="24292F"/>
+                </a:solidFill>
+                <a:effectLst/>
+                <a:latin typeface="-apple-system"/>
+              </a:rPr>
+              <a:t> Windows and Mac in 2 </a:t>
+            </a:r>
+            <a:r>
+              <a:rPr lang="es-ES" b="0" i="0" dirty="0" err="1">
+                <a:solidFill>
+                  <a:srgbClr val="24292F"/>
+                </a:solidFill>
+                <a:effectLst/>
+                <a:latin typeface="-apple-system"/>
+              </a:rPr>
+              <a:t>Weeks</a:t>
+            </a:r>
+            <a:r>
+              <a:rPr lang="es-ES" b="0" i="0" dirty="0">
+                <a:solidFill>
+                  <a:srgbClr val="24292F"/>
+                </a:solidFill>
+                <a:effectLst/>
+                <a:latin typeface="-apple-system"/>
+              </a:rPr>
+              <a:t> </a:t>
+            </a:r>
+            <a:r>
+              <a:rPr lang="es-ES" b="0" i="0" dirty="0" err="1">
+                <a:solidFill>
+                  <a:srgbClr val="24292F"/>
+                </a:solidFill>
+                <a:effectLst/>
+                <a:latin typeface="-apple-system"/>
+              </a:rPr>
+              <a:t>With</a:t>
+            </a:r>
+            <a:r>
+              <a:rPr lang="es-ES" b="0" i="0" dirty="0">
+                <a:solidFill>
+                  <a:srgbClr val="24292F"/>
+                </a:solidFill>
+                <a:effectLst/>
+                <a:latin typeface="-apple-system"/>
+              </a:rPr>
+              <a:t> MAUI </a:t>
+            </a:r>
+            <a:r>
+              <a:rPr lang="es-ES" b="0" i="0" dirty="0" err="1">
+                <a:solidFill>
+                  <a:srgbClr val="24292F"/>
+                </a:solidFill>
+                <a:effectLst/>
+                <a:latin typeface="-apple-system"/>
+              </a:rPr>
+              <a:t>by</a:t>
+            </a:r>
+            <a:r>
+              <a:rPr lang="es-ES" b="0" i="0" dirty="0">
+                <a:solidFill>
+                  <a:srgbClr val="24292F"/>
+                </a:solidFill>
+                <a:effectLst/>
+                <a:latin typeface="-apple-system"/>
+              </a:rPr>
+              <a:t> </a:t>
+            </a:r>
+            <a:r>
+              <a:rPr lang="es-ES" b="0" i="0" u="none" strike="noStrike" dirty="0">
+                <a:solidFill>
+                  <a:srgbClr val="24292F"/>
+                </a:solidFill>
+                <a:effectLst/>
+                <a:latin typeface="-apple-system"/>
+                <a:hlinkClick r:id="rId7"/>
+              </a:rPr>
+              <a:t>Igal Flegmann</a:t>
+            </a:r>
+            <a:r>
+              <a:rPr lang="es-ES" b="0" i="0" dirty="0">
+                <a:solidFill>
+                  <a:srgbClr val="24292F"/>
+                </a:solidFill>
+                <a:effectLst/>
+                <a:latin typeface="-apple-system"/>
+              </a:rPr>
+              <a:t> [English]</a:t>
+            </a:r>
+          </a:p>
+          <a:p>
+            <a:pPr algn="l">
+              <a:lnSpc>
+                <a:spcPct val="150000"/>
+              </a:lnSpc>
+              <a:buFont typeface="Arial" panose="020B0604020202020204" pitchFamily="34" charset="0"/>
+              <a:buChar char="•"/>
+            </a:pPr>
+            <a:r>
+              <a:rPr lang="es-ES" b="0" i="0" dirty="0">
+                <a:solidFill>
+                  <a:srgbClr val="24292F"/>
+                </a:solidFill>
+                <a:effectLst/>
+                <a:latin typeface="-apple-system"/>
+              </a:rPr>
+              <a:t>19:35h - 20:15h - </a:t>
+            </a:r>
+            <a:r>
+              <a:rPr lang="es-ES" b="0" i="0" dirty="0" err="1">
+                <a:solidFill>
+                  <a:srgbClr val="24292F"/>
+                </a:solidFill>
+                <a:effectLst/>
+                <a:latin typeface="-apple-system"/>
+              </a:rPr>
+              <a:t>Updating</a:t>
+            </a:r>
+            <a:r>
+              <a:rPr lang="es-ES" b="0" i="0" dirty="0">
+                <a:solidFill>
+                  <a:srgbClr val="24292F"/>
+                </a:solidFill>
+                <a:effectLst/>
+                <a:latin typeface="-apple-system"/>
+              </a:rPr>
+              <a:t> </a:t>
+            </a:r>
+            <a:r>
+              <a:rPr lang="es-ES" b="0" i="0" dirty="0" err="1">
+                <a:solidFill>
+                  <a:srgbClr val="24292F"/>
+                </a:solidFill>
+                <a:effectLst/>
+                <a:latin typeface="-apple-system"/>
+              </a:rPr>
+              <a:t>to</a:t>
+            </a:r>
+            <a:r>
+              <a:rPr lang="es-ES" b="0" i="0" dirty="0">
+                <a:solidFill>
+                  <a:srgbClr val="24292F"/>
+                </a:solidFill>
+                <a:effectLst/>
+                <a:latin typeface="-apple-system"/>
+              </a:rPr>
+              <a:t> </a:t>
+            </a:r>
+            <a:r>
+              <a:rPr lang="es-ES" b="0" i="0" dirty="0" err="1">
+                <a:solidFill>
+                  <a:srgbClr val="24292F"/>
+                </a:solidFill>
+                <a:effectLst/>
+                <a:latin typeface="-apple-system"/>
+              </a:rPr>
+              <a:t>Prism</a:t>
+            </a:r>
+            <a:r>
+              <a:rPr lang="es-ES" b="0" i="0" dirty="0">
+                <a:solidFill>
+                  <a:srgbClr val="24292F"/>
+                </a:solidFill>
+                <a:effectLst/>
+                <a:latin typeface="-apple-system"/>
+              </a:rPr>
+              <a:t> </a:t>
+            </a:r>
+            <a:r>
+              <a:rPr lang="es-ES" b="0" i="0" dirty="0" err="1">
+                <a:solidFill>
+                  <a:srgbClr val="24292F"/>
+                </a:solidFill>
+                <a:effectLst/>
+                <a:latin typeface="-apple-system"/>
+              </a:rPr>
+              <a:t>for</a:t>
+            </a:r>
+            <a:r>
+              <a:rPr lang="es-ES" b="0" i="0" dirty="0">
+                <a:solidFill>
+                  <a:srgbClr val="24292F"/>
+                </a:solidFill>
+                <a:effectLst/>
+                <a:latin typeface="-apple-system"/>
+              </a:rPr>
+              <a:t> .NET MAUI </a:t>
+            </a:r>
+            <a:r>
+              <a:rPr lang="es-ES" b="0" i="0" dirty="0" err="1">
+                <a:solidFill>
+                  <a:srgbClr val="24292F"/>
+                </a:solidFill>
+                <a:effectLst/>
+                <a:latin typeface="-apple-system"/>
+              </a:rPr>
+              <a:t>by</a:t>
+            </a:r>
+            <a:r>
+              <a:rPr lang="es-ES" b="0" i="0" dirty="0">
+                <a:solidFill>
+                  <a:srgbClr val="24292F"/>
+                </a:solidFill>
+                <a:effectLst/>
+                <a:latin typeface="-apple-system"/>
+              </a:rPr>
+              <a:t> </a:t>
+            </a:r>
+            <a:r>
+              <a:rPr lang="es-ES" b="0" i="0" u="none" strike="noStrike" dirty="0">
+                <a:solidFill>
+                  <a:srgbClr val="24292F"/>
+                </a:solidFill>
+                <a:effectLst/>
+                <a:latin typeface="-apple-system"/>
+                <a:hlinkClick r:id="rId8"/>
+              </a:rPr>
+              <a:t>Dan Siegel</a:t>
+            </a:r>
+            <a:r>
+              <a:rPr lang="es-ES" b="0" i="0" dirty="0">
+                <a:solidFill>
+                  <a:srgbClr val="24292F"/>
+                </a:solidFill>
+                <a:effectLst/>
+                <a:latin typeface="-apple-system"/>
+              </a:rPr>
+              <a:t> [English]</a:t>
+            </a:r>
+          </a:p>
+        </p:txBody>
+      </p:sp>
+      <p:sp>
+        <p:nvSpPr>
+          <p:cNvPr id="7" name="CuadroTexto 6">
+            <a:extLst>
+              <a:ext uri="{FF2B5EF4-FFF2-40B4-BE49-F238E27FC236}">
+                <a16:creationId xmlns:a16="http://schemas.microsoft.com/office/drawing/2014/main" id="{FC8C81AB-06FA-32AA-036D-11CEA005C683}"/>
+              </a:ext>
+            </a:extLst>
+          </p:cNvPr>
+          <p:cNvSpPr txBox="1"/>
+          <p:nvPr/>
+        </p:nvSpPr>
+        <p:spPr>
+          <a:xfrm>
+            <a:off x="828674" y="1177022"/>
+            <a:ext cx="12194380" cy="707886"/>
+          </a:xfrm>
+          <a:prstGeom prst="rect">
+            <a:avLst/>
+          </a:prstGeom>
+          <a:noFill/>
+        </p:spPr>
+        <p:txBody>
+          <a:bodyPr wrap="square">
+            <a:spAutoFit/>
+          </a:bodyPr>
+          <a:lstStyle/>
+          <a:p>
+            <a:pPr algn="l"/>
+            <a:r>
+              <a:rPr lang="es-ES" sz="4000" b="1" i="0" dirty="0">
+                <a:solidFill>
+                  <a:srgbClr val="24292F"/>
+                </a:solidFill>
+                <a:effectLst/>
+                <a:latin typeface="-apple-system"/>
+              </a:rPr>
+              <a:t>Schedule</a:t>
+            </a:r>
+            <a:endParaRPr lang="es-ES" b="1" i="0" dirty="0">
+              <a:solidFill>
+                <a:srgbClr val="24292F"/>
+              </a:solidFill>
+              <a:effectLst/>
+              <a:latin typeface="-apple-system"/>
+            </a:endParaRPr>
+          </a:p>
+        </p:txBody>
+      </p:sp>
+      <p:sp>
+        <p:nvSpPr>
+          <p:cNvPr id="9" name="CuadroTexto 8">
+            <a:extLst>
+              <a:ext uri="{FF2B5EF4-FFF2-40B4-BE49-F238E27FC236}">
+                <a16:creationId xmlns:a16="http://schemas.microsoft.com/office/drawing/2014/main" id="{AD6EB6EC-28D9-A732-05B2-0E5581CA73DE}"/>
+              </a:ext>
+            </a:extLst>
+          </p:cNvPr>
+          <p:cNvSpPr txBox="1"/>
+          <p:nvPr/>
+        </p:nvSpPr>
+        <p:spPr>
+          <a:xfrm>
+            <a:off x="21142411" y="284206"/>
+            <a:ext cx="2184509" cy="646331"/>
+          </a:xfrm>
+          <a:prstGeom prst="rect">
+            <a:avLst/>
+          </a:prstGeom>
+          <a:noFill/>
+        </p:spPr>
+        <p:txBody>
+          <a:bodyPr wrap="none" rtlCol="0">
+            <a:spAutoFit/>
+          </a:bodyPr>
+          <a:lstStyle/>
+          <a:p>
+            <a:r>
+              <a:rPr lang="es-ES" b="1" dirty="0">
+                <a:solidFill>
+                  <a:srgbClr val="5E17EB"/>
+                </a:solidFill>
+              </a:rPr>
+              <a:t>#MauiFest</a:t>
+            </a:r>
+          </a:p>
+        </p:txBody>
+      </p:sp>
+    </p:spTree>
+    <p:extLst>
+      <p:ext uri="{BB962C8B-B14F-4D97-AF65-F5344CB8AC3E}">
+        <p14:creationId xmlns:p14="http://schemas.microsoft.com/office/powerpoint/2010/main" val="1577171168"/>
+      </p:ext>
+    </p:extLst>
+  </p:cSld>
+  <p:clrMapOvr>
+    <a:masterClrMapping/>
+  </p:clrMapOvr>
+  <p:transition>
+    <p:fade/>
+  </p:transition>
+</p:sld>
+</file>
+
+<file path=ppt/slides/slide8.xml><?xml version="1.0" encoding="utf-8"?>
 <p:sld xmlns:a="http://schemas.openxmlformats.org/drawingml/2006/main" xmlns:r="http://schemas.openxmlformats.org/officeDocument/2006/relationships" xmlns:p="http://schemas.openxmlformats.org/presentationml/2006/main">
   <p:cSld>
     <p:spTree>
@@ -5473,4 +10835,10 @@
     </a:ext>
   </a:extLst>
 </a:theme>
+</file>
+
+<file path=docMetadata/LabelInfo.xml><?xml version="1.0" encoding="utf-8"?>
+<clbl:labelList xmlns:clbl="http://schemas.microsoft.com/office/2020/mipLabelMetadata">
+  <clbl:label id="{f42aa342-8706-4288-bd11-ebb85995028c}" enabled="1" method="Standard" siteId="{72f988bf-86f1-41af-91ab-2d7cd011db47}" contentBits="0" removed="0"/>
+</clbl:labelList>
 </file>